--- a/lectures/00-Auto-Grader.pptx
+++ b/lectures/00-Auto-Grader.pptx
@@ -5,11 +5,14 @@
     <p:sldMasterId id="2147483648" r:id="rId1"/>
   </p:sldMasterIdLst>
   <p:notesMasterIdLst>
-    <p:notesMasterId r:id="rId4"/>
+    <p:notesMasterId r:id="rId7"/>
   </p:notesMasterIdLst>
   <p:sldIdLst>
     <p:sldId id="256" r:id="rId2"/>
-    <p:sldId id="257" r:id="rId3"/>
+    <p:sldId id="258" r:id="rId3"/>
+    <p:sldId id="259" r:id="rId4"/>
+    <p:sldId id="260" r:id="rId5"/>
+    <p:sldId id="261" r:id="rId6"/>
   </p:sldIdLst>
   <p:sldSz cx="12192000" cy="6858000"/>
   <p:notesSz cx="6858000" cy="9144000"/>
@@ -108,6 +111,11 @@
       </a:defRPr>
     </a:lvl9pPr>
   </p:defaultTextStyle>
+  <p:extLst>
+    <p:ext uri="{EFAFB233-063F-42B5-8137-9DF3F51BA10A}">
+      <p15:sldGuideLst xmlns:p15="http://schemas.microsoft.com/office/powerpoint/2012/main"/>
+    </p:ext>
+  </p:extLst>
 </p:presentation>
 </file>
 
@@ -193,7 +201,7 @@
           <a:p>
             <a:fld id="{41C6F6A4-A735-3141-97AA-DF08CBAB5168}" type="datetimeFigureOut">
               <a:rPr lang="en-US" smtClean="0"/>
-              <a:t>2/5/21</a:t>
+              <a:t>12/30/25</a:t>
             </a:fld>
             <a:endParaRPr lang="en-US"/>
           </a:p>
@@ -257,38 +265,37 @@
           <a:p>
             <a:pPr lvl="0"/>
             <a:r>
-              <a:rPr lang="en-US" smtClean="0"/>
+              <a:rPr lang="en-US"/>
               <a:t>Click to edit Master text styles</a:t>
             </a:r>
           </a:p>
           <a:p>
             <a:pPr lvl="1"/>
             <a:r>
-              <a:rPr lang="en-US" smtClean="0"/>
+              <a:rPr lang="en-US"/>
               <a:t>Second level</a:t>
             </a:r>
           </a:p>
           <a:p>
             <a:pPr lvl="2"/>
             <a:r>
-              <a:rPr lang="en-US" smtClean="0"/>
+              <a:rPr lang="en-US"/>
               <a:t>Third level</a:t>
             </a:r>
           </a:p>
           <a:p>
             <a:pPr lvl="3"/>
             <a:r>
-              <a:rPr lang="en-US" smtClean="0"/>
+              <a:rPr lang="en-US"/>
               <a:t>Fourth level</a:t>
             </a:r>
           </a:p>
           <a:p>
             <a:pPr lvl="4"/>
             <a:r>
-              <a:rPr lang="en-US" smtClean="0"/>
+              <a:rPr lang="en-US"/>
               <a:t>Fifth level</a:t>
             </a:r>
-            <a:endParaRPr lang="en-US"/>
           </a:p>
         </p:txBody>
       </p:sp>
@@ -503,10 +510,9 @@
           </a:lstStyle>
           <a:p>
             <a:r>
-              <a:rPr lang="en-US" smtClean="0"/>
+              <a:rPr lang="en-US"/>
               <a:t>Click to edit Master title style</a:t>
             </a:r>
-            <a:endParaRPr lang="en-US"/>
           </a:p>
         </p:txBody>
       </p:sp>
@@ -568,10 +574,9 @@
           </a:lstStyle>
           <a:p>
             <a:r>
-              <a:rPr lang="en-US" smtClean="0"/>
+              <a:rPr lang="en-US"/>
               <a:t>Click to edit Master subtitle style</a:t>
             </a:r>
-            <a:endParaRPr lang="en-US"/>
           </a:p>
         </p:txBody>
       </p:sp>
@@ -592,7 +597,7 @@
           <a:p>
             <a:fld id="{57DAE149-BB27-FA42-992B-FEE3681658DC}" type="datetimeFigureOut">
               <a:rPr lang="en-US" smtClean="0"/>
-              <a:t>2/5/21</a:t>
+              <a:t>12/30/25</a:t>
             </a:fld>
             <a:endParaRPr lang="en-US"/>
           </a:p>
@@ -686,10 +691,9 @@
           <a:lstStyle/>
           <a:p>
             <a:r>
-              <a:rPr lang="en-US" smtClean="0"/>
+              <a:rPr lang="en-US"/>
               <a:t>Click to edit Master title style</a:t>
             </a:r>
-            <a:endParaRPr lang="en-US"/>
           </a:p>
         </p:txBody>
       </p:sp>
@@ -710,38 +714,37 @@
           <a:p>
             <a:pPr lvl="0"/>
             <a:r>
-              <a:rPr lang="en-US" smtClean="0"/>
+              <a:rPr lang="en-US"/>
               <a:t>Click to edit Master text styles</a:t>
             </a:r>
           </a:p>
           <a:p>
             <a:pPr lvl="1"/>
             <a:r>
-              <a:rPr lang="en-US" smtClean="0"/>
+              <a:rPr lang="en-US"/>
               <a:t>Second level</a:t>
             </a:r>
           </a:p>
           <a:p>
             <a:pPr lvl="2"/>
             <a:r>
-              <a:rPr lang="en-US" smtClean="0"/>
+              <a:rPr lang="en-US"/>
               <a:t>Third level</a:t>
             </a:r>
           </a:p>
           <a:p>
             <a:pPr lvl="3"/>
             <a:r>
-              <a:rPr lang="en-US" smtClean="0"/>
+              <a:rPr lang="en-US"/>
               <a:t>Fourth level</a:t>
             </a:r>
           </a:p>
           <a:p>
             <a:pPr lvl="4"/>
             <a:r>
-              <a:rPr lang="en-US" smtClean="0"/>
+              <a:rPr lang="en-US"/>
               <a:t>Fifth level</a:t>
             </a:r>
-            <a:endParaRPr lang="en-US"/>
           </a:p>
         </p:txBody>
       </p:sp>
@@ -762,7 +765,7 @@
           <a:p>
             <a:fld id="{57DAE149-BB27-FA42-992B-FEE3681658DC}" type="datetimeFigureOut">
               <a:rPr lang="en-US" smtClean="0"/>
-              <a:t>2/5/21</a:t>
+              <a:t>12/30/25</a:t>
             </a:fld>
             <a:endParaRPr lang="en-US"/>
           </a:p>
@@ -861,10 +864,9 @@
           <a:lstStyle/>
           <a:p>
             <a:r>
-              <a:rPr lang="en-US" smtClean="0"/>
+              <a:rPr lang="en-US"/>
               <a:t>Click to edit Master title style</a:t>
             </a:r>
-            <a:endParaRPr lang="en-US"/>
           </a:p>
         </p:txBody>
       </p:sp>
@@ -890,38 +892,37 @@
           <a:p>
             <a:pPr lvl="0"/>
             <a:r>
-              <a:rPr lang="en-US" smtClean="0"/>
+              <a:rPr lang="en-US"/>
               <a:t>Click to edit Master text styles</a:t>
             </a:r>
           </a:p>
           <a:p>
             <a:pPr lvl="1"/>
             <a:r>
-              <a:rPr lang="en-US" smtClean="0"/>
+              <a:rPr lang="en-US"/>
               <a:t>Second level</a:t>
             </a:r>
           </a:p>
           <a:p>
             <a:pPr lvl="2"/>
             <a:r>
-              <a:rPr lang="en-US" smtClean="0"/>
+              <a:rPr lang="en-US"/>
               <a:t>Third level</a:t>
             </a:r>
           </a:p>
           <a:p>
             <a:pPr lvl="3"/>
             <a:r>
-              <a:rPr lang="en-US" smtClean="0"/>
+              <a:rPr lang="en-US"/>
               <a:t>Fourth level</a:t>
             </a:r>
           </a:p>
           <a:p>
             <a:pPr lvl="4"/>
             <a:r>
-              <a:rPr lang="en-US" smtClean="0"/>
+              <a:rPr lang="en-US"/>
               <a:t>Fifth level</a:t>
             </a:r>
-            <a:endParaRPr lang="en-US"/>
           </a:p>
         </p:txBody>
       </p:sp>
@@ -942,7 +943,7 @@
           <a:p>
             <a:fld id="{57DAE149-BB27-FA42-992B-FEE3681658DC}" type="datetimeFigureOut">
               <a:rPr lang="en-US" smtClean="0"/>
-              <a:t>2/5/21</a:t>
+              <a:t>12/30/25</a:t>
             </a:fld>
             <a:endParaRPr lang="en-US"/>
           </a:p>
@@ -1036,10 +1037,9 @@
           <a:lstStyle/>
           <a:p>
             <a:r>
-              <a:rPr lang="en-US" smtClean="0"/>
+              <a:rPr lang="en-US"/>
               <a:t>Click to edit Master title style</a:t>
             </a:r>
-            <a:endParaRPr lang="en-US"/>
           </a:p>
         </p:txBody>
       </p:sp>
@@ -1060,38 +1060,37 @@
           <a:p>
             <a:pPr lvl="0"/>
             <a:r>
-              <a:rPr lang="en-US" smtClean="0"/>
+              <a:rPr lang="en-US"/>
               <a:t>Click to edit Master text styles</a:t>
             </a:r>
           </a:p>
           <a:p>
             <a:pPr lvl="1"/>
             <a:r>
-              <a:rPr lang="en-US" smtClean="0"/>
+              <a:rPr lang="en-US"/>
               <a:t>Second level</a:t>
             </a:r>
           </a:p>
           <a:p>
             <a:pPr lvl="2"/>
             <a:r>
-              <a:rPr lang="en-US" smtClean="0"/>
+              <a:rPr lang="en-US"/>
               <a:t>Third level</a:t>
             </a:r>
           </a:p>
           <a:p>
             <a:pPr lvl="3"/>
             <a:r>
-              <a:rPr lang="en-US" smtClean="0"/>
+              <a:rPr lang="en-US"/>
               <a:t>Fourth level</a:t>
             </a:r>
           </a:p>
           <a:p>
             <a:pPr lvl="4"/>
             <a:r>
-              <a:rPr lang="en-US" smtClean="0"/>
+              <a:rPr lang="en-US"/>
               <a:t>Fifth level</a:t>
             </a:r>
-            <a:endParaRPr lang="en-US"/>
           </a:p>
         </p:txBody>
       </p:sp>
@@ -1112,7 +1111,7 @@
           <a:p>
             <a:fld id="{57DAE149-BB27-FA42-992B-FEE3681658DC}" type="datetimeFigureOut">
               <a:rPr lang="en-US" smtClean="0"/>
-              <a:t>2/5/21</a:t>
+              <a:t>12/30/25</a:t>
             </a:fld>
             <a:endParaRPr lang="en-US"/>
           </a:p>
@@ -1215,10 +1214,9 @@
           </a:lstStyle>
           <a:p>
             <a:r>
-              <a:rPr lang="en-US" smtClean="0"/>
+              <a:rPr lang="en-US"/>
               <a:t>Click to edit Master title style</a:t>
             </a:r>
-            <a:endParaRPr lang="en-US"/>
           </a:p>
         </p:txBody>
       </p:sp>
@@ -1335,7 +1333,7 @@
           <a:p>
             <a:pPr lvl="0"/>
             <a:r>
-              <a:rPr lang="en-US" smtClean="0"/>
+              <a:rPr lang="en-US"/>
               <a:t>Click to edit Master text styles</a:t>
             </a:r>
           </a:p>
@@ -1358,7 +1356,7 @@
           <a:p>
             <a:fld id="{57DAE149-BB27-FA42-992B-FEE3681658DC}" type="datetimeFigureOut">
               <a:rPr lang="en-US" smtClean="0"/>
-              <a:t>2/5/21</a:t>
+              <a:t>12/30/25</a:t>
             </a:fld>
             <a:endParaRPr lang="en-US"/>
           </a:p>
@@ -1452,10 +1450,9 @@
           <a:lstStyle/>
           <a:p>
             <a:r>
-              <a:rPr lang="en-US" smtClean="0"/>
+              <a:rPr lang="en-US"/>
               <a:t>Click to edit Master title style</a:t>
             </a:r>
-            <a:endParaRPr lang="en-US"/>
           </a:p>
         </p:txBody>
       </p:sp>
@@ -1481,38 +1478,37 @@
           <a:p>
             <a:pPr lvl="0"/>
             <a:r>
-              <a:rPr lang="en-US" smtClean="0"/>
+              <a:rPr lang="en-US"/>
               <a:t>Click to edit Master text styles</a:t>
             </a:r>
           </a:p>
           <a:p>
             <a:pPr lvl="1"/>
             <a:r>
-              <a:rPr lang="en-US" smtClean="0"/>
+              <a:rPr lang="en-US"/>
               <a:t>Second level</a:t>
             </a:r>
           </a:p>
           <a:p>
             <a:pPr lvl="2"/>
             <a:r>
-              <a:rPr lang="en-US" smtClean="0"/>
+              <a:rPr lang="en-US"/>
               <a:t>Third level</a:t>
             </a:r>
           </a:p>
           <a:p>
             <a:pPr lvl="3"/>
             <a:r>
-              <a:rPr lang="en-US" smtClean="0"/>
+              <a:rPr lang="en-US"/>
               <a:t>Fourth level</a:t>
             </a:r>
           </a:p>
           <a:p>
             <a:pPr lvl="4"/>
             <a:r>
-              <a:rPr lang="en-US" smtClean="0"/>
+              <a:rPr lang="en-US"/>
               <a:t>Fifth level</a:t>
             </a:r>
-            <a:endParaRPr lang="en-US"/>
           </a:p>
         </p:txBody>
       </p:sp>
@@ -1538,38 +1534,37 @@
           <a:p>
             <a:pPr lvl="0"/>
             <a:r>
-              <a:rPr lang="en-US" smtClean="0"/>
+              <a:rPr lang="en-US"/>
               <a:t>Click to edit Master text styles</a:t>
             </a:r>
           </a:p>
           <a:p>
             <a:pPr lvl="1"/>
             <a:r>
-              <a:rPr lang="en-US" smtClean="0"/>
+              <a:rPr lang="en-US"/>
               <a:t>Second level</a:t>
             </a:r>
           </a:p>
           <a:p>
             <a:pPr lvl="2"/>
             <a:r>
-              <a:rPr lang="en-US" smtClean="0"/>
+              <a:rPr lang="en-US"/>
               <a:t>Third level</a:t>
             </a:r>
           </a:p>
           <a:p>
             <a:pPr lvl="3"/>
             <a:r>
-              <a:rPr lang="en-US" smtClean="0"/>
+              <a:rPr lang="en-US"/>
               <a:t>Fourth level</a:t>
             </a:r>
           </a:p>
           <a:p>
             <a:pPr lvl="4"/>
             <a:r>
-              <a:rPr lang="en-US" smtClean="0"/>
+              <a:rPr lang="en-US"/>
               <a:t>Fifth level</a:t>
             </a:r>
-            <a:endParaRPr lang="en-US"/>
           </a:p>
         </p:txBody>
       </p:sp>
@@ -1590,7 +1585,7 @@
           <a:p>
             <a:fld id="{57DAE149-BB27-FA42-992B-FEE3681658DC}" type="datetimeFigureOut">
               <a:rPr lang="en-US" smtClean="0"/>
-              <a:t>2/5/21</a:t>
+              <a:t>12/30/25</a:t>
             </a:fld>
             <a:endParaRPr lang="en-US"/>
           </a:p>
@@ -1689,10 +1684,9 @@
           <a:lstStyle/>
           <a:p>
             <a:r>
-              <a:rPr lang="en-US" smtClean="0"/>
+              <a:rPr lang="en-US"/>
               <a:t>Click to edit Master title style</a:t>
             </a:r>
-            <a:endParaRPr lang="en-US"/>
           </a:p>
         </p:txBody>
       </p:sp>
@@ -1755,7 +1749,7 @@
           <a:p>
             <a:pPr lvl="0"/>
             <a:r>
-              <a:rPr lang="en-US" smtClean="0"/>
+              <a:rPr lang="en-US"/>
               <a:t>Click to edit Master text styles</a:t>
             </a:r>
           </a:p>
@@ -1783,38 +1777,37 @@
           <a:p>
             <a:pPr lvl="0"/>
             <a:r>
-              <a:rPr lang="en-US" smtClean="0"/>
+              <a:rPr lang="en-US"/>
               <a:t>Click to edit Master text styles</a:t>
             </a:r>
           </a:p>
           <a:p>
             <a:pPr lvl="1"/>
             <a:r>
-              <a:rPr lang="en-US" smtClean="0"/>
+              <a:rPr lang="en-US"/>
               <a:t>Second level</a:t>
             </a:r>
           </a:p>
           <a:p>
             <a:pPr lvl="2"/>
             <a:r>
-              <a:rPr lang="en-US" smtClean="0"/>
+              <a:rPr lang="en-US"/>
               <a:t>Third level</a:t>
             </a:r>
           </a:p>
           <a:p>
             <a:pPr lvl="3"/>
             <a:r>
-              <a:rPr lang="en-US" smtClean="0"/>
+              <a:rPr lang="en-US"/>
               <a:t>Fourth level</a:t>
             </a:r>
           </a:p>
           <a:p>
             <a:pPr lvl="4"/>
             <a:r>
-              <a:rPr lang="en-US" smtClean="0"/>
+              <a:rPr lang="en-US"/>
               <a:t>Fifth level</a:t>
             </a:r>
-            <a:endParaRPr lang="en-US"/>
           </a:p>
         </p:txBody>
       </p:sp>
@@ -1877,7 +1870,7 @@
           <a:p>
             <a:pPr lvl="0"/>
             <a:r>
-              <a:rPr lang="en-US" smtClean="0"/>
+              <a:rPr lang="en-US"/>
               <a:t>Click to edit Master text styles</a:t>
             </a:r>
           </a:p>
@@ -1905,38 +1898,37 @@
           <a:p>
             <a:pPr lvl="0"/>
             <a:r>
-              <a:rPr lang="en-US" smtClean="0"/>
+              <a:rPr lang="en-US"/>
               <a:t>Click to edit Master text styles</a:t>
             </a:r>
           </a:p>
           <a:p>
             <a:pPr lvl="1"/>
             <a:r>
-              <a:rPr lang="en-US" smtClean="0"/>
+              <a:rPr lang="en-US"/>
               <a:t>Second level</a:t>
             </a:r>
           </a:p>
           <a:p>
             <a:pPr lvl="2"/>
             <a:r>
-              <a:rPr lang="en-US" smtClean="0"/>
+              <a:rPr lang="en-US"/>
               <a:t>Third level</a:t>
             </a:r>
           </a:p>
           <a:p>
             <a:pPr lvl="3"/>
             <a:r>
-              <a:rPr lang="en-US" smtClean="0"/>
+              <a:rPr lang="en-US"/>
               <a:t>Fourth level</a:t>
             </a:r>
           </a:p>
           <a:p>
             <a:pPr lvl="4"/>
             <a:r>
-              <a:rPr lang="en-US" smtClean="0"/>
+              <a:rPr lang="en-US"/>
               <a:t>Fifth level</a:t>
             </a:r>
-            <a:endParaRPr lang="en-US"/>
           </a:p>
         </p:txBody>
       </p:sp>
@@ -1957,7 +1949,7 @@
           <a:p>
             <a:fld id="{57DAE149-BB27-FA42-992B-FEE3681658DC}" type="datetimeFigureOut">
               <a:rPr lang="en-US" smtClean="0"/>
-              <a:t>2/5/21</a:t>
+              <a:t>12/30/25</a:t>
             </a:fld>
             <a:endParaRPr lang="en-US"/>
           </a:p>
@@ -2051,10 +2043,9 @@
           <a:lstStyle/>
           <a:p>
             <a:r>
-              <a:rPr lang="en-US" smtClean="0"/>
+              <a:rPr lang="en-US"/>
               <a:t>Click to edit Master title style</a:t>
             </a:r>
-            <a:endParaRPr lang="en-US"/>
           </a:p>
         </p:txBody>
       </p:sp>
@@ -2075,7 +2066,7 @@
           <a:p>
             <a:fld id="{57DAE149-BB27-FA42-992B-FEE3681658DC}" type="datetimeFigureOut">
               <a:rPr lang="en-US" smtClean="0"/>
-              <a:t>2/5/21</a:t>
+              <a:t>12/30/25</a:t>
             </a:fld>
             <a:endParaRPr lang="en-US"/>
           </a:p>
@@ -2170,7 +2161,7 @@
           <a:p>
             <a:fld id="{57DAE149-BB27-FA42-992B-FEE3681658DC}" type="datetimeFigureOut">
               <a:rPr lang="en-US" smtClean="0"/>
-              <a:t>2/5/21</a:t>
+              <a:t>12/30/25</a:t>
             </a:fld>
             <a:endParaRPr lang="en-US"/>
           </a:p>
@@ -2273,10 +2264,9 @@
           </a:lstStyle>
           <a:p>
             <a:r>
-              <a:rPr lang="en-US" smtClean="0"/>
+              <a:rPr lang="en-US"/>
               <a:t>Click to edit Master title style</a:t>
             </a:r>
-            <a:endParaRPr lang="en-US"/>
           </a:p>
         </p:txBody>
       </p:sp>
@@ -2330,38 +2320,37 @@
           <a:p>
             <a:pPr lvl="0"/>
             <a:r>
-              <a:rPr lang="en-US" smtClean="0"/>
+              <a:rPr lang="en-US"/>
               <a:t>Click to edit Master text styles</a:t>
             </a:r>
           </a:p>
           <a:p>
             <a:pPr lvl="1"/>
             <a:r>
-              <a:rPr lang="en-US" smtClean="0"/>
+              <a:rPr lang="en-US"/>
               <a:t>Second level</a:t>
             </a:r>
           </a:p>
           <a:p>
             <a:pPr lvl="2"/>
             <a:r>
-              <a:rPr lang="en-US" smtClean="0"/>
+              <a:rPr lang="en-US"/>
               <a:t>Third level</a:t>
             </a:r>
           </a:p>
           <a:p>
             <a:pPr lvl="3"/>
             <a:r>
-              <a:rPr lang="en-US" smtClean="0"/>
+              <a:rPr lang="en-US"/>
               <a:t>Fourth level</a:t>
             </a:r>
           </a:p>
           <a:p>
             <a:pPr lvl="4"/>
             <a:r>
-              <a:rPr lang="en-US" smtClean="0"/>
+              <a:rPr lang="en-US"/>
               <a:t>Fifth level</a:t>
             </a:r>
-            <a:endParaRPr lang="en-US"/>
           </a:p>
         </p:txBody>
       </p:sp>
@@ -2424,7 +2413,7 @@
           <a:p>
             <a:pPr lvl="0"/>
             <a:r>
-              <a:rPr lang="en-US" smtClean="0"/>
+              <a:rPr lang="en-US"/>
               <a:t>Click to edit Master text styles</a:t>
             </a:r>
           </a:p>
@@ -2447,7 +2436,7 @@
           <a:p>
             <a:fld id="{57DAE149-BB27-FA42-992B-FEE3681658DC}" type="datetimeFigureOut">
               <a:rPr lang="en-US" smtClean="0"/>
-              <a:t>2/5/21</a:t>
+              <a:t>12/30/25</a:t>
             </a:fld>
             <a:endParaRPr lang="en-US"/>
           </a:p>
@@ -2550,10 +2539,9 @@
           </a:lstStyle>
           <a:p>
             <a:r>
-              <a:rPr lang="en-US" smtClean="0"/>
+              <a:rPr lang="en-US"/>
               <a:t>Click to edit Master title style</a:t>
             </a:r>
-            <a:endParaRPr lang="en-US"/>
           </a:p>
         </p:txBody>
       </p:sp>
@@ -2677,7 +2665,7 @@
           <a:p>
             <a:pPr lvl="0"/>
             <a:r>
-              <a:rPr lang="en-US" smtClean="0"/>
+              <a:rPr lang="en-US"/>
               <a:t>Click to edit Master text styles</a:t>
             </a:r>
           </a:p>
@@ -2700,7 +2688,7 @@
           <a:p>
             <a:fld id="{57DAE149-BB27-FA42-992B-FEE3681658DC}" type="datetimeFigureOut">
               <a:rPr lang="en-US" smtClean="0"/>
-              <a:t>2/5/21</a:t>
+              <a:t>12/30/25</a:t>
             </a:fld>
             <a:endParaRPr lang="en-US"/>
           </a:p>
@@ -2809,10 +2797,9 @@
           <a:lstStyle/>
           <a:p>
             <a:r>
-              <a:rPr lang="en-US" smtClean="0"/>
+              <a:rPr lang="en-US"/>
               <a:t>Click to edit Master title style</a:t>
             </a:r>
-            <a:endParaRPr lang="en-US"/>
           </a:p>
         </p:txBody>
       </p:sp>
@@ -2843,38 +2830,37 @@
           <a:p>
             <a:pPr lvl="0"/>
             <a:r>
-              <a:rPr lang="en-US" smtClean="0"/>
+              <a:rPr lang="en-US"/>
               <a:t>Click to edit Master text styles</a:t>
             </a:r>
           </a:p>
           <a:p>
             <a:pPr lvl="1"/>
             <a:r>
-              <a:rPr lang="en-US" smtClean="0"/>
+              <a:rPr lang="en-US"/>
               <a:t>Second level</a:t>
             </a:r>
           </a:p>
           <a:p>
             <a:pPr lvl="2"/>
             <a:r>
-              <a:rPr lang="en-US" smtClean="0"/>
+              <a:rPr lang="en-US"/>
               <a:t>Third level</a:t>
             </a:r>
           </a:p>
           <a:p>
             <a:pPr lvl="3"/>
             <a:r>
-              <a:rPr lang="en-US" smtClean="0"/>
+              <a:rPr lang="en-US"/>
               <a:t>Fourth level</a:t>
             </a:r>
           </a:p>
           <a:p>
             <a:pPr lvl="4"/>
             <a:r>
-              <a:rPr lang="en-US" smtClean="0"/>
+              <a:rPr lang="en-US"/>
               <a:t>Fifth level</a:t>
             </a:r>
-            <a:endParaRPr lang="en-US"/>
           </a:p>
         </p:txBody>
       </p:sp>
@@ -2913,7 +2899,7 @@
           <a:p>
             <a:fld id="{57DAE149-BB27-FA42-992B-FEE3681658DC}" type="datetimeFigureOut">
               <a:rPr lang="en-US" smtClean="0"/>
-              <a:t>2/5/21</a:t>
+              <a:t>12/30/25</a:t>
             </a:fld>
             <a:endParaRPr lang="en-US"/>
           </a:p>
@@ -3333,7 +3319,15 @@
           <a:bodyPr/>
           <a:lstStyle/>
           <a:p>
-            <a:endParaRPr lang="en-US"/>
+            <a:r>
+              <a:rPr lang="en-US" dirty="0"/>
+              <a:t>Inside the </a:t>
+            </a:r>
+            <a:r>
+              <a:rPr lang="en-US" dirty="0" err="1"/>
+              <a:t>Autograder</a:t>
+            </a:r>
+            <a:endParaRPr lang="en-US" dirty="0"/>
           </a:p>
         </p:txBody>
       </p:sp>
@@ -3388,14 +3382,132 @@
       </p:grpSpPr>
       <p:sp>
         <p:nvSpPr>
-          <p:cNvPr id="4" name="Rectangle 3"/>
+          <p:cNvPr id="2" name="Title 1">
+            <a:extLst>
+              <a:ext uri="{FF2B5EF4-FFF2-40B4-BE49-F238E27FC236}">
+                <a16:creationId xmlns:a16="http://schemas.microsoft.com/office/drawing/2014/main" id="{C45FFC34-6A65-765B-1BA5-FF7407CEFECB}"/>
+              </a:ext>
+            </a:extLst>
+          </p:cNvPr>
+          <p:cNvSpPr>
+            <a:spLocks noGrp="1"/>
+          </p:cNvSpPr>
+          <p:nvPr>
+            <p:ph type="title"/>
+          </p:nvPr>
+        </p:nvSpPr>
+        <p:spPr/>
+        <p:txBody>
+          <a:bodyPr/>
+          <a:lstStyle/>
+          <a:p>
+            <a:r>
+              <a:rPr lang="en-US" dirty="0"/>
+              <a:t>What is the </a:t>
+            </a:r>
+            <a:r>
+              <a:rPr lang="en-US" dirty="0" err="1"/>
+              <a:t>autograder</a:t>
+            </a:r>
+            <a:r>
+              <a:rPr lang="en-US" dirty="0"/>
+              <a:t>?</a:t>
+            </a:r>
+          </a:p>
+        </p:txBody>
+      </p:sp>
+      <p:sp>
+        <p:nvSpPr>
+          <p:cNvPr id="3" name="Content Placeholder 2">
+            <a:extLst>
+              <a:ext uri="{FF2B5EF4-FFF2-40B4-BE49-F238E27FC236}">
+                <a16:creationId xmlns:a16="http://schemas.microsoft.com/office/drawing/2014/main" id="{46BAC2D8-C510-AD14-F178-B80779E21C36}"/>
+              </a:ext>
+            </a:extLst>
+          </p:cNvPr>
+          <p:cNvSpPr>
+            <a:spLocks noGrp="1"/>
+          </p:cNvSpPr>
+          <p:nvPr>
+            <p:ph idx="1"/>
+          </p:nvPr>
+        </p:nvSpPr>
+        <p:spPr/>
+        <p:txBody>
+          <a:bodyPr/>
+          <a:lstStyle/>
+          <a:p>
+            <a:r>
+              <a:rPr lang="en-US" dirty="0"/>
+              <a:t>An application running on www.dj4e.com launched from Canvas (or Coursera)</a:t>
+            </a:r>
+          </a:p>
+          <a:p>
+            <a:r>
+              <a:rPr lang="en-US" dirty="0"/>
+              <a:t>It contains a simple browser emulator library that can "crawl" a web site under program control</a:t>
+            </a:r>
+          </a:p>
+          <a:p>
+            <a:r>
+              <a:rPr lang="en-US" dirty="0"/>
+              <a:t>It looks at the response from the web site and checks it for the correct response, then continues to the next page</a:t>
+            </a:r>
+          </a:p>
+          <a:p>
+            <a:r>
+              <a:rPr lang="en-US" dirty="0"/>
+              <a:t>If the web site responds correctly to all the requests correctly a grace is sent back to Canvas (or Coursera) </a:t>
+            </a:r>
+          </a:p>
+        </p:txBody>
+      </p:sp>
+    </p:spTree>
+    <p:extLst>
+      <p:ext uri="{BB962C8B-B14F-4D97-AF65-F5344CB8AC3E}">
+        <p14:creationId xmlns:p14="http://schemas.microsoft.com/office/powerpoint/2010/main" val="2899340825"/>
+      </p:ext>
+    </p:extLst>
+  </p:cSld>
+  <p:clrMapOvr>
+    <a:masterClrMapping/>
+  </p:clrMapOvr>
+</p:sld>
+</file>
+
+<file path=ppt/slides/slide3.xml><?xml version="1.0" encoding="utf-8"?>
+<p:sld xmlns:a="http://schemas.openxmlformats.org/drawingml/2006/main" xmlns:r="http://schemas.openxmlformats.org/officeDocument/2006/relationships" xmlns:p="http://schemas.openxmlformats.org/presentationml/2006/main">
+  <p:cSld>
+    <p:spTree>
+      <p:nvGrpSpPr>
+        <p:cNvPr id="1" name=""/>
+        <p:cNvGrpSpPr/>
+        <p:nvPr/>
+      </p:nvGrpSpPr>
+      <p:grpSpPr>
+        <a:xfrm>
+          <a:off x="0" y="0"/>
+          <a:ext cx="0" cy="0"/>
+          <a:chOff x="0" y="0"/>
+          <a:chExt cx="0" cy="0"/>
+        </a:xfrm>
+      </p:grpSpPr>
+      <p:sp>
+        <p:nvSpPr>
+          <p:cNvPr id="4" name="Rectangle 3">
+            <a:extLst>
+              <a:ext uri="{FF2B5EF4-FFF2-40B4-BE49-F238E27FC236}">
+                <a16:creationId xmlns:a16="http://schemas.microsoft.com/office/drawing/2014/main" id="{6ED6E6AE-F793-6C8A-DA03-0C91B5C3E90D}"/>
+              </a:ext>
+            </a:extLst>
+          </p:cNvPr>
           <p:cNvSpPr/>
           <p:nvPr/>
         </p:nvSpPr>
         <p:spPr>
           <a:xfrm>
-            <a:off x="8644128" y="963168"/>
-            <a:ext cx="3267456" cy="5437632"/>
+            <a:off x="1354033" y="657264"/>
+            <a:ext cx="2190307" cy="5543474"/>
           </a:xfrm>
           <a:prstGeom prst="rect">
             <a:avLst/>
@@ -3404,7 +3516,7 @@
         <p:style>
           <a:lnRef idx="2">
             <a:schemeClr val="accent1">
-              <a:shade val="50000"/>
+              <a:shade val="15000"/>
             </a:schemeClr>
           </a:lnRef>
           <a:fillRef idx="1">
@@ -3422,109 +3534,35 @@
           <a:lstStyle/>
           <a:p>
             <a:pPr algn="ctr"/>
-            <a:r>
-              <a:rPr lang="en-US" dirty="0" err="1" smtClean="0"/>
-              <a:t>drchuck.pythonanywhere.com</a:t>
-            </a:r>
-            <a:endParaRPr lang="en-US" dirty="0" smtClean="0"/>
-          </a:p>
-          <a:p>
-            <a:pPr algn="ctr"/>
             <a:endParaRPr lang="en-US" dirty="0"/>
           </a:p>
-          <a:p>
-            <a:pPr algn="ctr"/>
-            <a:r>
-              <a:rPr lang="en-US" dirty="0" err="1" smtClean="0"/>
-              <a:t>Sqlite</a:t>
-            </a:r>
-            <a:endParaRPr lang="en-US" dirty="0" smtClean="0"/>
-          </a:p>
-          <a:p>
-            <a:pPr algn="ctr"/>
-            <a:r>
-              <a:rPr lang="en-US" dirty="0" smtClean="0"/>
-              <a:t>Admin </a:t>
-            </a:r>
-            <a:r>
-              <a:rPr lang="en-US" dirty="0" err="1" smtClean="0"/>
-              <a:t>Aaccount</a:t>
-            </a:r>
-            <a:endParaRPr lang="en-US" dirty="0"/>
-          </a:p>
-          <a:p>
-            <a:pPr algn="ctr"/>
-            <a:r>
-              <a:rPr lang="en-US" dirty="0" smtClean="0"/>
-              <a:t>Django</a:t>
-            </a:r>
-          </a:p>
-          <a:p>
-            <a:pPr algn="ctr"/>
-            <a:r>
-              <a:rPr lang="en-US" dirty="0" err="1" smtClean="0"/>
-              <a:t>views.py</a:t>
-            </a:r>
-            <a:endParaRPr lang="en-US" dirty="0" smtClean="0"/>
-          </a:p>
-          <a:p>
-            <a:pPr algn="ctr"/>
-            <a:endParaRPr lang="en-US" dirty="0"/>
-          </a:p>
-        </p:txBody>
-      </p:sp>
-      <p:pic>
-        <p:nvPicPr>
-          <p:cNvPr id="5" name="Picture 4"/>
-          <p:cNvPicPr>
-            <a:picLocks noChangeAspect="1"/>
-          </p:cNvPicPr>
-          <p:nvPr/>
-        </p:nvPicPr>
-        <p:blipFill>
-          <a:blip r:embed="rId2">
+        </p:txBody>
+      </p:sp>
+      <p:sp>
+        <p:nvSpPr>
+          <p:cNvPr id="5" name="Rectangle 4">
             <a:extLst>
-              <a:ext uri="{28A0092B-C50C-407E-A947-70E740481C1C}">
-                <a14:useLocalDpi xmlns:a14="http://schemas.microsoft.com/office/drawing/2010/main" val="0"/>
+              <a:ext uri="{FF2B5EF4-FFF2-40B4-BE49-F238E27FC236}">
+                <a16:creationId xmlns:a16="http://schemas.microsoft.com/office/drawing/2014/main" id="{733FED3A-3AC3-C204-07B2-5ECE6E6CA3D3}"/>
               </a:ext>
             </a:extLst>
-          </a:blip>
-          <a:stretch>
-            <a:fillRect/>
-          </a:stretch>
-        </p:blipFill>
+          </p:cNvPr>
+          <p:cNvSpPr/>
+          <p:nvPr/>
+        </p:nvSpPr>
         <p:spPr>
           <a:xfrm>
-            <a:off x="575763" y="4683644"/>
-            <a:ext cx="1473755" cy="1105316"/>
+            <a:off x="4876954" y="657262"/>
+            <a:ext cx="2190307" cy="5543475"/>
           </a:xfrm>
           <a:prstGeom prst="rect">
             <a:avLst/>
           </a:prstGeom>
         </p:spPr>
-      </p:pic>
-      <p:sp>
-        <p:nvSpPr>
-          <p:cNvPr id="6" name="Rectangle 5"/>
-          <p:cNvSpPr/>
-          <p:nvPr/>
-        </p:nvSpPr>
-        <p:spPr>
-          <a:xfrm>
-            <a:off x="2364828" y="4020207"/>
-            <a:ext cx="630620" cy="2191407"/>
-          </a:xfrm>
-          <a:prstGeom prst="rect">
-            <a:avLst/>
-          </a:prstGeom>
-          <a:solidFill>
-            <a:srgbClr val="00B050"/>
-          </a:solidFill>
-        </p:spPr>
         <p:style>
           <a:lnRef idx="2">
             <a:schemeClr val="accent1">
-              <a:shade val="50000"/>
+              <a:shade val="15000"/>
             </a:schemeClr>
           </a:lnRef>
           <a:fillRef idx="1">
@@ -3542,87 +3580,57 @@
           <a:lstStyle/>
           <a:p>
             <a:pPr algn="ctr"/>
-            <a:r>
-              <a:rPr lang="en-US" dirty="0" smtClean="0"/>
-              <a:t>B</a:t>
-            </a:r>
+            <a:endParaRPr lang="en-US" dirty="0"/>
           </a:p>
           <a:p>
             <a:pPr algn="ctr"/>
             <a:r>
-              <a:rPr lang="en-US" dirty="0" smtClean="0"/>
-              <a:t>R</a:t>
+              <a:rPr lang="en-US" dirty="0"/>
+              <a:t>Retrieve Page</a:t>
             </a:r>
           </a:p>
           <a:p>
             <a:pPr algn="ctr"/>
-            <a:r>
-              <a:rPr lang="en-US" dirty="0" smtClean="0"/>
-              <a:t>O</a:t>
-            </a:r>
-            <a:br>
-              <a:rPr lang="en-US" dirty="0" smtClean="0"/>
-            </a:br>
-            <a:r>
-              <a:rPr lang="en-US" dirty="0" smtClean="0"/>
-              <a:t>W</a:t>
-            </a:r>
-            <a:br>
-              <a:rPr lang="en-US" dirty="0" smtClean="0"/>
-            </a:br>
-            <a:r>
-              <a:rPr lang="en-US" dirty="0" smtClean="0"/>
-              <a:t>S</a:t>
-            </a:r>
-            <a:br>
-              <a:rPr lang="en-US" dirty="0" smtClean="0"/>
-            </a:br>
-            <a:r>
-              <a:rPr lang="en-US" dirty="0" smtClean="0"/>
-              <a:t>E</a:t>
-            </a:r>
-            <a:br>
-              <a:rPr lang="en-US" dirty="0" smtClean="0"/>
-            </a:br>
-            <a:r>
-              <a:rPr lang="en-US" dirty="0" smtClean="0"/>
-              <a:t>R</a:t>
-            </a:r>
             <a:endParaRPr lang="en-US" dirty="0"/>
           </a:p>
-        </p:txBody>
-      </p:sp>
-      <p:sp>
-        <p:nvSpPr>
-          <p:cNvPr id="7" name="Cloud Callout 6"/>
+          <a:p>
+            <a:pPr algn="ctr"/>
+            <a:r>
+              <a:rPr lang="en-US" dirty="0"/>
+              <a:t>Check Page</a:t>
+            </a:r>
+          </a:p>
+          <a:p>
+            <a:pPr algn="ctr"/>
+            <a:endParaRPr lang="en-US" dirty="0"/>
+          </a:p>
+        </p:txBody>
+      </p:sp>
+      <p:sp>
+        <p:nvSpPr>
+          <p:cNvPr id="6" name="Rectangle 5">
+            <a:extLst>
+              <a:ext uri="{FF2B5EF4-FFF2-40B4-BE49-F238E27FC236}">
+                <a16:creationId xmlns:a16="http://schemas.microsoft.com/office/drawing/2014/main" id="{55AB71BF-3D9D-0576-20B3-28E4D34F571C}"/>
+              </a:ext>
+            </a:extLst>
+          </p:cNvPr>
           <p:cNvSpPr/>
           <p:nvPr/>
         </p:nvSpPr>
         <p:spPr>
           <a:xfrm>
-            <a:off x="5207129" y="4789189"/>
-            <a:ext cx="934720" cy="653442"/>
-          </a:xfrm>
-          <a:prstGeom prst="cloudCallout">
-            <a:avLst>
-              <a:gd name="adj1" fmla="val 906"/>
-              <a:gd name="adj2" fmla="val -1249"/>
-            </a:avLst>
+            <a:off x="8825177" y="657262"/>
+            <a:ext cx="2190307" cy="5543476"/>
+          </a:xfrm>
+          <a:prstGeom prst="rect">
+            <a:avLst/>
           </a:prstGeom>
-          <a:solidFill>
-            <a:schemeClr val="tx1">
-              <a:lumMod val="50000"/>
-              <a:lumOff val="50000"/>
-            </a:schemeClr>
-          </a:solidFill>
-          <a:ln>
-            <a:noFill/>
-          </a:ln>
         </p:spPr>
         <p:style>
           <a:lnRef idx="2">
             <a:schemeClr val="accent1">
-              <a:shade val="50000"/>
+              <a:shade val="15000"/>
             </a:schemeClr>
           </a:lnRef>
           <a:fillRef idx="1">
@@ -3640,317 +3648,64 @@
           <a:lstStyle/>
           <a:p>
             <a:pPr algn="ctr"/>
-            <a:endParaRPr lang="en-US"/>
+            <a:endParaRPr lang="en-US" dirty="0"/>
+          </a:p>
+          <a:p>
+            <a:pPr algn="ctr"/>
+            <a:r>
+              <a:rPr lang="en-US" dirty="0"/>
+              <a:t>Django</a:t>
+            </a:r>
+          </a:p>
+          <a:p>
+            <a:pPr algn="ctr"/>
+            <a:r>
+              <a:rPr lang="en-US" dirty="0" err="1"/>
+              <a:t>settings.py</a:t>
+            </a:r>
+            <a:endParaRPr lang="en-US" dirty="0"/>
+          </a:p>
+          <a:p>
+            <a:pPr algn="ctr"/>
+            <a:r>
+              <a:rPr lang="en-US" dirty="0" err="1"/>
+              <a:t>urls.py</a:t>
+            </a:r>
+            <a:endParaRPr lang="en-US" dirty="0"/>
+          </a:p>
+          <a:p>
+            <a:pPr algn="ctr"/>
+            <a:r>
+              <a:rPr lang="en-US" dirty="0" err="1"/>
+              <a:t>views.py</a:t>
+            </a:r>
+            <a:endParaRPr lang="en-US" dirty="0"/>
+          </a:p>
+          <a:p>
+            <a:pPr algn="ctr"/>
+            <a:endParaRPr lang="en-US" dirty="0"/>
           </a:p>
         </p:txBody>
       </p:sp>
       <p:cxnSp>
         <p:nvCxnSpPr>
-          <p:cNvPr id="9" name="Straight Arrow Connector 8"/>
+          <p:cNvPr id="7" name="Straight Arrow Connector 6">
+            <a:extLst>
+              <a:ext uri="{FF2B5EF4-FFF2-40B4-BE49-F238E27FC236}">
+                <a16:creationId xmlns:a16="http://schemas.microsoft.com/office/drawing/2014/main" id="{A6434215-EB18-FC0E-DC5C-C4C9D2B96828}"/>
+              </a:ext>
+            </a:extLst>
+          </p:cNvPr>
           <p:cNvCxnSpPr>
-            <a:stCxn id="6" idx="3"/>
+            <a:cxnSpLocks/>
+            <a:endCxn id="18" idx="3"/>
           </p:cNvCxnSpPr>
           <p:nvPr/>
         </p:nvCxnSpPr>
         <p:spPr>
-          <a:xfrm flipV="1">
-            <a:off x="2995448" y="5115910"/>
-            <a:ext cx="5648680" cy="1"/>
-          </a:xfrm>
-          <a:prstGeom prst="straightConnector1">
-            <a:avLst/>
-          </a:prstGeom>
-          <a:ln w="38100">
-            <a:solidFill>
-              <a:schemeClr val="accent2"/>
-            </a:solidFill>
-            <a:headEnd type="triangle" w="med" len="med"/>
-            <a:tailEnd type="triangle" w="med" len="med"/>
-          </a:ln>
-        </p:spPr>
-        <p:style>
-          <a:lnRef idx="1">
-            <a:schemeClr val="accent1"/>
-          </a:lnRef>
-          <a:fillRef idx="0">
-            <a:schemeClr val="accent1"/>
-          </a:fillRef>
-          <a:effectRef idx="0">
-            <a:schemeClr val="accent1"/>
-          </a:effectRef>
-          <a:fontRef idx="minor">
-            <a:schemeClr val="tx1"/>
-          </a:fontRef>
-        </p:style>
-      </p:cxnSp>
-      <p:sp>
-        <p:nvSpPr>
-          <p:cNvPr id="11" name="Rectangle 10"/>
-          <p:cNvSpPr/>
-          <p:nvPr/>
-        </p:nvSpPr>
-        <p:spPr>
-          <a:xfrm>
-            <a:off x="3917300" y="987900"/>
-            <a:ext cx="2579658" cy="2883408"/>
-          </a:xfrm>
-          <a:prstGeom prst="rect">
-            <a:avLst/>
-          </a:prstGeom>
-        </p:spPr>
-        <p:style>
-          <a:lnRef idx="2">
-            <a:schemeClr val="accent1">
-              <a:shade val="50000"/>
-            </a:schemeClr>
-          </a:lnRef>
-          <a:fillRef idx="1">
-            <a:schemeClr val="accent1"/>
-          </a:fillRef>
-          <a:effectRef idx="0">
-            <a:schemeClr val="accent1"/>
-          </a:effectRef>
-          <a:fontRef idx="minor">
-            <a:schemeClr val="lt1"/>
-          </a:fontRef>
-        </p:style>
-        <p:txBody>
-          <a:bodyPr rtlCol="0" anchor="ctr"/>
-          <a:lstStyle/>
-          <a:p>
-            <a:r>
-              <a:rPr lang="en-US" dirty="0" smtClean="0"/>
-              <a:t>dj4e.com</a:t>
-            </a:r>
-          </a:p>
-          <a:p>
-            <a:r>
-              <a:rPr lang="en-US" dirty="0" smtClean="0"/>
-              <a:t>Click</a:t>
-            </a:r>
-          </a:p>
-          <a:p>
-            <a:r>
-              <a:rPr lang="en-US" dirty="0" smtClean="0"/>
-              <a:t>Search</a:t>
-            </a:r>
-          </a:p>
-          <a:p>
-            <a:r>
-              <a:rPr lang="en-US" dirty="0" smtClean="0"/>
-              <a:t>Click</a:t>
-            </a:r>
-          </a:p>
-          <a:p>
-            <a:r>
-              <a:rPr lang="en-US" dirty="0" smtClean="0"/>
-              <a:t>Search</a:t>
-            </a:r>
-          </a:p>
-          <a:p>
-            <a:r>
-              <a:rPr lang="en-US" dirty="0" smtClean="0"/>
-              <a:t>Send grade</a:t>
-            </a:r>
-          </a:p>
-          <a:p>
-            <a:pPr algn="ctr"/>
-            <a:endParaRPr lang="en-US" dirty="0" smtClean="0"/>
-          </a:p>
-          <a:p>
-            <a:pPr algn="ctr"/>
-            <a:endParaRPr lang="en-US" dirty="0"/>
-          </a:p>
-        </p:txBody>
-      </p:sp>
-      <p:sp>
-        <p:nvSpPr>
-          <p:cNvPr id="12" name="Rectangle 11"/>
-          <p:cNvSpPr/>
-          <p:nvPr/>
-        </p:nvSpPr>
-        <p:spPr>
-          <a:xfrm>
-            <a:off x="5674489" y="1211298"/>
-            <a:ext cx="630620" cy="2376796"/>
-          </a:xfrm>
-          <a:prstGeom prst="rect">
-            <a:avLst/>
-          </a:prstGeom>
-          <a:solidFill>
-            <a:srgbClr val="00B050"/>
-          </a:solidFill>
-        </p:spPr>
-        <p:style>
-          <a:lnRef idx="2">
-            <a:schemeClr val="accent1">
-              <a:shade val="50000"/>
-            </a:schemeClr>
-          </a:lnRef>
-          <a:fillRef idx="1">
-            <a:schemeClr val="accent1"/>
-          </a:fillRef>
-          <a:effectRef idx="0">
-            <a:schemeClr val="accent1"/>
-          </a:effectRef>
-          <a:fontRef idx="minor">
-            <a:schemeClr val="lt1"/>
-          </a:fontRef>
-        </p:style>
-        <p:txBody>
-          <a:bodyPr rtlCol="0" anchor="ctr"/>
-          <a:lstStyle/>
-          <a:p>
-            <a:pPr algn="ctr"/>
-            <a:r>
-              <a:rPr lang="en-US" sz="1200" dirty="0" smtClean="0"/>
-              <a:t>F</a:t>
-            </a:r>
-          </a:p>
-          <a:p>
-            <a:pPr algn="ctr"/>
-            <a:r>
-              <a:rPr lang="en-US" sz="1200" dirty="0" smtClean="0"/>
-              <a:t>A</a:t>
-            </a:r>
-          </a:p>
-          <a:p>
-            <a:pPr algn="ctr"/>
-            <a:r>
-              <a:rPr lang="en-US" sz="1200" dirty="0" smtClean="0"/>
-              <a:t>K</a:t>
-            </a:r>
-          </a:p>
-          <a:p>
-            <a:pPr algn="ctr"/>
-            <a:r>
-              <a:rPr lang="en-US" sz="1200" dirty="0" smtClean="0"/>
-              <a:t>E</a:t>
-            </a:r>
-          </a:p>
-          <a:p>
-            <a:pPr algn="ctr"/>
-            <a:r>
-              <a:rPr lang="en-US" sz="1200" dirty="0"/>
-              <a:t/>
-            </a:r>
-            <a:br>
-              <a:rPr lang="en-US" sz="1200" dirty="0"/>
-            </a:br>
-            <a:r>
-              <a:rPr lang="en-US" sz="1200" dirty="0" smtClean="0"/>
-              <a:t>B</a:t>
-            </a:r>
-          </a:p>
-          <a:p>
-            <a:pPr algn="ctr"/>
-            <a:r>
-              <a:rPr lang="en-US" sz="1200" dirty="0" smtClean="0"/>
-              <a:t>R</a:t>
-            </a:r>
-          </a:p>
-          <a:p>
-            <a:pPr algn="ctr"/>
-            <a:r>
-              <a:rPr lang="en-US" sz="1200" dirty="0" smtClean="0"/>
-              <a:t>O</a:t>
-            </a:r>
-          </a:p>
-          <a:p>
-            <a:pPr algn="ctr"/>
-            <a:r>
-              <a:rPr lang="en-US" sz="1200" dirty="0" smtClean="0"/>
-              <a:t>W</a:t>
-            </a:r>
-          </a:p>
-          <a:p>
-            <a:pPr algn="ctr"/>
-            <a:r>
-              <a:rPr lang="en-US" sz="1200" dirty="0" smtClean="0"/>
-              <a:t>S</a:t>
-            </a:r>
-          </a:p>
-          <a:p>
-            <a:pPr algn="ctr"/>
-            <a:r>
-              <a:rPr lang="en-US" sz="1200" dirty="0" smtClean="0"/>
-              <a:t>E</a:t>
-            </a:r>
-            <a:br>
-              <a:rPr lang="en-US" sz="1200" dirty="0" smtClean="0"/>
-            </a:br>
-            <a:r>
-              <a:rPr lang="en-US" sz="1200" dirty="0" smtClean="0"/>
-              <a:t>R</a:t>
-            </a:r>
-            <a:endParaRPr lang="en-US" sz="1200" dirty="0"/>
-          </a:p>
-        </p:txBody>
-      </p:sp>
-      <p:sp>
-        <p:nvSpPr>
-          <p:cNvPr id="13" name="Cloud Callout 12"/>
-          <p:cNvSpPr/>
-          <p:nvPr/>
-        </p:nvSpPr>
-        <p:spPr>
-          <a:xfrm>
-            <a:off x="6953038" y="2714119"/>
-            <a:ext cx="934720" cy="653442"/>
-          </a:xfrm>
-          <a:prstGeom prst="cloudCallout">
-            <a:avLst>
-              <a:gd name="adj1" fmla="val 906"/>
-              <a:gd name="adj2" fmla="val -1249"/>
-            </a:avLst>
-          </a:prstGeom>
-          <a:solidFill>
-            <a:schemeClr val="tx1">
-              <a:lumMod val="50000"/>
-              <a:lumOff val="50000"/>
-            </a:schemeClr>
-          </a:solidFill>
-          <a:ln>
-            <a:noFill/>
-          </a:ln>
-        </p:spPr>
-        <p:style>
-          <a:lnRef idx="2">
-            <a:schemeClr val="accent1">
-              <a:shade val="50000"/>
-            </a:schemeClr>
-          </a:lnRef>
-          <a:fillRef idx="1">
-            <a:schemeClr val="accent1"/>
-          </a:fillRef>
-          <a:effectRef idx="0">
-            <a:schemeClr val="accent1"/>
-          </a:effectRef>
-          <a:fontRef idx="minor">
-            <a:schemeClr val="lt1"/>
-          </a:fontRef>
-        </p:style>
-        <p:txBody>
-          <a:bodyPr rtlCol="0" anchor="ctr"/>
-          <a:lstStyle/>
-          <a:p>
-            <a:pPr algn="ctr"/>
-            <a:endParaRPr lang="en-US"/>
-          </a:p>
-        </p:txBody>
-      </p:sp>
-      <p:cxnSp>
-        <p:nvCxnSpPr>
-          <p:cNvPr id="14" name="Straight Arrow Connector 13"/>
-          <p:cNvCxnSpPr>
-            <a:stCxn id="19" idx="3"/>
-          </p:cNvCxnSpPr>
-          <p:nvPr/>
-        </p:nvCxnSpPr>
-        <p:spPr>
-          <a:xfrm>
-            <a:off x="2364828" y="1780032"/>
-            <a:ext cx="1552472" cy="1055566"/>
+          <a:xfrm flipH="1" flipV="1">
+            <a:off x="3342321" y="1026595"/>
+            <a:ext cx="1833157" cy="1152601"/>
           </a:xfrm>
           <a:prstGeom prst="straightConnector1">
             <a:avLst/>
@@ -3980,116 +3735,167 @@
       </p:cxnSp>
       <p:sp>
         <p:nvSpPr>
-          <p:cNvPr id="19" name="Rectangle 18"/>
-          <p:cNvSpPr/>
+          <p:cNvPr id="11" name="TextBox 10">
+            <a:extLst>
+              <a:ext uri="{FF2B5EF4-FFF2-40B4-BE49-F238E27FC236}">
+                <a16:creationId xmlns:a16="http://schemas.microsoft.com/office/drawing/2014/main" id="{C77D54F8-349B-7E48-E043-C1B009E8A358}"/>
+              </a:ext>
+            </a:extLst>
+          </p:cNvPr>
+          <p:cNvSpPr txBox="1"/>
           <p:nvPr/>
         </p:nvSpPr>
         <p:spPr>
           <a:xfrm>
-            <a:off x="1048512" y="670560"/>
-            <a:ext cx="1316316" cy="2218944"/>
+            <a:off x="1756496" y="5498990"/>
+            <a:ext cx="1385379" cy="369332"/>
           </a:xfrm>
           <a:prstGeom prst="rect">
             <a:avLst/>
           </a:prstGeom>
-          <a:solidFill>
-            <a:srgbClr val="FF0000"/>
-          </a:solidFill>
-        </p:spPr>
-        <p:style>
-          <a:lnRef idx="2">
-            <a:schemeClr val="accent1">
-              <a:shade val="50000"/>
-            </a:schemeClr>
-          </a:lnRef>
-          <a:fillRef idx="1">
-            <a:schemeClr val="accent1"/>
-          </a:fillRef>
-          <a:effectRef idx="0">
-            <a:schemeClr val="accent1"/>
-          </a:effectRef>
-          <a:fontRef idx="minor">
-            <a:schemeClr val="lt1"/>
-          </a:fontRef>
-        </p:style>
-        <p:txBody>
-          <a:bodyPr rtlCol="0" anchor="ctr"/>
-          <a:lstStyle/>
-          <a:p>
-            <a:pPr algn="ctr"/>
-            <a:r>
-              <a:rPr lang="en-US" dirty="0" smtClean="0"/>
-              <a:t>Canvas</a:t>
-            </a:r>
-            <a:endParaRPr lang="en-US" dirty="0"/>
-          </a:p>
-        </p:txBody>
-      </p:sp>
-      <p:sp>
-        <p:nvSpPr>
-          <p:cNvPr id="20" name="Cloud Callout 19"/>
-          <p:cNvSpPr/>
+          <a:noFill/>
+        </p:spPr>
+        <p:txBody>
+          <a:bodyPr wrap="none" rtlCol="0">
+            <a:spAutoFit/>
+          </a:bodyPr>
+          <a:lstStyle/>
+          <a:p>
+            <a:r>
+              <a:rPr lang="en-US" dirty="0">
+                <a:solidFill>
+                  <a:schemeClr val="bg1"/>
+                </a:solidFill>
+              </a:rPr>
+              <a:t>Grade: 100%</a:t>
+            </a:r>
+          </a:p>
+        </p:txBody>
+      </p:sp>
+      <p:sp>
+        <p:nvSpPr>
+          <p:cNvPr id="12" name="TextBox 11">
+            <a:extLst>
+              <a:ext uri="{FF2B5EF4-FFF2-40B4-BE49-F238E27FC236}">
+                <a16:creationId xmlns:a16="http://schemas.microsoft.com/office/drawing/2014/main" id="{56A5EF57-3B7A-DA05-ADEC-F1AF23BD4EBE}"/>
+              </a:ext>
+            </a:extLst>
+          </p:cNvPr>
+          <p:cNvSpPr txBox="1"/>
           <p:nvPr/>
         </p:nvSpPr>
         <p:spPr>
           <a:xfrm>
-            <a:off x="2528088" y="1915543"/>
-            <a:ext cx="934720" cy="653442"/>
-          </a:xfrm>
-          <a:prstGeom prst="cloudCallout">
-            <a:avLst>
-              <a:gd name="adj1" fmla="val 906"/>
-              <a:gd name="adj2" fmla="val -1249"/>
-            </a:avLst>
+            <a:off x="2030257" y="253225"/>
+            <a:ext cx="585417" cy="369332"/>
+          </a:xfrm>
+          <a:prstGeom prst="rect">
+            <a:avLst/>
           </a:prstGeom>
-          <a:solidFill>
-            <a:schemeClr val="tx1">
-              <a:lumMod val="50000"/>
-              <a:lumOff val="50000"/>
-            </a:schemeClr>
-          </a:solidFill>
-          <a:ln>
-            <a:noFill/>
-          </a:ln>
-        </p:spPr>
-        <p:style>
-          <a:lnRef idx="2">
-            <a:schemeClr val="accent1">
-              <a:shade val="50000"/>
-            </a:schemeClr>
-          </a:lnRef>
-          <a:fillRef idx="1">
-            <a:schemeClr val="accent1"/>
-          </a:fillRef>
-          <a:effectRef idx="0">
-            <a:schemeClr val="accent1"/>
-          </a:effectRef>
-          <a:fontRef idx="minor">
-            <a:schemeClr val="lt1"/>
-          </a:fontRef>
-        </p:style>
-        <p:txBody>
-          <a:bodyPr rtlCol="0" anchor="ctr"/>
-          <a:lstStyle/>
-          <a:p>
-            <a:pPr algn="ctr"/>
-            <a:endParaRPr lang="en-US"/>
+          <a:noFill/>
+        </p:spPr>
+        <p:txBody>
+          <a:bodyPr wrap="none" rtlCol="0">
+            <a:spAutoFit/>
+          </a:bodyPr>
+          <a:lstStyle/>
+          <a:p>
+            <a:r>
+              <a:rPr lang="en-US" dirty="0"/>
+              <a:t>LMS</a:t>
+            </a:r>
+          </a:p>
+        </p:txBody>
+      </p:sp>
+      <p:sp>
+        <p:nvSpPr>
+          <p:cNvPr id="13" name="TextBox 12">
+            <a:extLst>
+              <a:ext uri="{FF2B5EF4-FFF2-40B4-BE49-F238E27FC236}">
+                <a16:creationId xmlns:a16="http://schemas.microsoft.com/office/drawing/2014/main" id="{C9C3A224-369C-C61B-0ADB-21057AFA87B6}"/>
+              </a:ext>
+            </a:extLst>
+          </p:cNvPr>
+          <p:cNvSpPr txBox="1"/>
+          <p:nvPr/>
+        </p:nvSpPr>
+        <p:spPr>
+          <a:xfrm>
+            <a:off x="5175478" y="128441"/>
+            <a:ext cx="1593257" cy="369332"/>
+          </a:xfrm>
+          <a:prstGeom prst="rect">
+            <a:avLst/>
+          </a:prstGeom>
+          <a:noFill/>
+        </p:spPr>
+        <p:txBody>
+          <a:bodyPr wrap="none" rtlCol="0">
+            <a:spAutoFit/>
+          </a:bodyPr>
+          <a:lstStyle/>
+          <a:p>
+            <a:r>
+              <a:rPr lang="en-US" dirty="0"/>
+              <a:t>www.dj4e.com</a:t>
+            </a:r>
+          </a:p>
+        </p:txBody>
+      </p:sp>
+      <p:sp>
+        <p:nvSpPr>
+          <p:cNvPr id="14" name="TextBox 13">
+            <a:extLst>
+              <a:ext uri="{FF2B5EF4-FFF2-40B4-BE49-F238E27FC236}">
+                <a16:creationId xmlns:a16="http://schemas.microsoft.com/office/drawing/2014/main" id="{33D73443-01F1-53AF-4344-E3551CD8944F}"/>
+              </a:ext>
+            </a:extLst>
+          </p:cNvPr>
+          <p:cNvSpPr txBox="1"/>
+          <p:nvPr/>
+        </p:nvSpPr>
+        <p:spPr>
+          <a:xfrm>
+            <a:off x="8930796" y="150865"/>
+            <a:ext cx="1979068" cy="369332"/>
+          </a:xfrm>
+          <a:prstGeom prst="rect">
+            <a:avLst/>
+          </a:prstGeom>
+          <a:noFill/>
+        </p:spPr>
+        <p:txBody>
+          <a:bodyPr wrap="none" rtlCol="0">
+            <a:spAutoFit/>
+          </a:bodyPr>
+          <a:lstStyle/>
+          <a:p>
+            <a:r>
+              <a:rPr lang="en-US" dirty="0"/>
+              <a:t>djtutorial.dj4e.com</a:t>
+            </a:r>
           </a:p>
         </p:txBody>
       </p:sp>
       <p:cxnSp>
         <p:nvCxnSpPr>
-          <p:cNvPr id="23" name="Straight Arrow Connector 22"/>
+          <p:cNvPr id="15" name="Straight Arrow Connector 14">
+            <a:extLst>
+              <a:ext uri="{FF2B5EF4-FFF2-40B4-BE49-F238E27FC236}">
+                <a16:creationId xmlns:a16="http://schemas.microsoft.com/office/drawing/2014/main" id="{12C719AF-CDB5-7F37-2815-A7E7036F06C4}"/>
+              </a:ext>
+            </a:extLst>
+          </p:cNvPr>
           <p:cNvCxnSpPr>
-            <a:stCxn id="12" idx="3"/>
-            <a:endCxn id="4" idx="1"/>
+            <a:cxnSpLocks/>
+            <a:stCxn id="11" idx="3"/>
           </p:cNvCxnSpPr>
           <p:nvPr/>
         </p:nvCxnSpPr>
         <p:spPr>
-          <a:xfrm>
-            <a:off x="6305109" y="2399696"/>
-            <a:ext cx="2339019" cy="1282288"/>
+          <a:xfrm flipV="1">
+            <a:off x="3141875" y="3701130"/>
+            <a:ext cx="2160381" cy="1982526"/>
           </a:xfrm>
           <a:prstGeom prst="straightConnector1">
             <a:avLst/>
@@ -4099,7 +3905,2083 @@
               <a:schemeClr val="accent2"/>
             </a:solidFill>
             <a:headEnd type="triangle" w="med" len="med"/>
-            <a:tailEnd type="triangle" w="med" len="med"/>
+            <a:tailEnd type="none" w="med" len="med"/>
+          </a:ln>
+        </p:spPr>
+        <p:style>
+          <a:lnRef idx="1">
+            <a:schemeClr val="accent1"/>
+          </a:lnRef>
+          <a:fillRef idx="0">
+            <a:schemeClr val="accent1"/>
+          </a:fillRef>
+          <a:effectRef idx="0">
+            <a:schemeClr val="accent1"/>
+          </a:effectRef>
+          <a:fontRef idx="minor">
+            <a:schemeClr val="tx1"/>
+          </a:fontRef>
+        </p:style>
+      </p:cxnSp>
+      <p:sp>
+        <p:nvSpPr>
+          <p:cNvPr id="18" name="Rounded Rectangle 17">
+            <a:extLst>
+              <a:ext uri="{FF2B5EF4-FFF2-40B4-BE49-F238E27FC236}">
+                <a16:creationId xmlns:a16="http://schemas.microsoft.com/office/drawing/2014/main" id="{A93FBFA8-8533-EA10-20CC-8D3518D0BF2D}"/>
+              </a:ext>
+            </a:extLst>
+          </p:cNvPr>
+          <p:cNvSpPr/>
+          <p:nvPr/>
+        </p:nvSpPr>
+        <p:spPr>
+          <a:xfrm>
+            <a:off x="1556052" y="841929"/>
+            <a:ext cx="1786269" cy="369332"/>
+          </a:xfrm>
+          <a:prstGeom prst="roundRect">
+            <a:avLst/>
+          </a:prstGeom>
+        </p:spPr>
+        <p:style>
+          <a:lnRef idx="2">
+            <a:schemeClr val="accent3">
+              <a:shade val="15000"/>
+            </a:schemeClr>
+          </a:lnRef>
+          <a:fillRef idx="1">
+            <a:schemeClr val="accent3"/>
+          </a:fillRef>
+          <a:effectRef idx="0">
+            <a:schemeClr val="accent3"/>
+          </a:effectRef>
+          <a:fontRef idx="minor">
+            <a:schemeClr val="lt1"/>
+          </a:fontRef>
+        </p:style>
+        <p:txBody>
+          <a:bodyPr rtlCol="0" anchor="ctr"/>
+          <a:lstStyle/>
+          <a:p>
+            <a:pPr algn="ctr"/>
+            <a:r>
+              <a:rPr lang="en-US" b="1" dirty="0"/>
+              <a:t>AG: Tutorial 01</a:t>
+            </a:r>
+          </a:p>
+        </p:txBody>
+      </p:sp>
+      <p:sp>
+        <p:nvSpPr>
+          <p:cNvPr id="20" name="Rounded Rectangle 19">
+            <a:extLst>
+              <a:ext uri="{FF2B5EF4-FFF2-40B4-BE49-F238E27FC236}">
+                <a16:creationId xmlns:a16="http://schemas.microsoft.com/office/drawing/2014/main" id="{0D9B0484-C982-32AA-65C1-7C61EE1AE934}"/>
+              </a:ext>
+            </a:extLst>
+          </p:cNvPr>
+          <p:cNvSpPr/>
+          <p:nvPr/>
+        </p:nvSpPr>
+        <p:spPr>
+          <a:xfrm>
+            <a:off x="5175478" y="1993666"/>
+            <a:ext cx="1567301" cy="371061"/>
+          </a:xfrm>
+          <a:prstGeom prst="roundRect">
+            <a:avLst/>
+          </a:prstGeom>
+          <a:solidFill>
+            <a:srgbClr val="094B33"/>
+          </a:solidFill>
+        </p:spPr>
+        <p:style>
+          <a:lnRef idx="2">
+            <a:schemeClr val="accent1">
+              <a:shade val="15000"/>
+            </a:schemeClr>
+          </a:lnRef>
+          <a:fillRef idx="1">
+            <a:schemeClr val="accent1"/>
+          </a:fillRef>
+          <a:effectRef idx="0">
+            <a:schemeClr val="accent1"/>
+          </a:effectRef>
+          <a:fontRef idx="minor">
+            <a:schemeClr val="lt1"/>
+          </a:fontRef>
+        </p:style>
+        <p:txBody>
+          <a:bodyPr rtlCol="0" anchor="ctr"/>
+          <a:lstStyle/>
+          <a:p>
+            <a:pPr algn="ctr"/>
+            <a:r>
+              <a:rPr lang="en-US" b="1" dirty="0"/>
+              <a:t>Evaluate</a:t>
+            </a:r>
+          </a:p>
+        </p:txBody>
+      </p:sp>
+      <p:cxnSp>
+        <p:nvCxnSpPr>
+          <p:cNvPr id="31" name="Straight Arrow Connector 30">
+            <a:extLst>
+              <a:ext uri="{FF2B5EF4-FFF2-40B4-BE49-F238E27FC236}">
+                <a16:creationId xmlns:a16="http://schemas.microsoft.com/office/drawing/2014/main" id="{FFDDA653-0C9F-D400-2DD7-6DDD35D5A030}"/>
+              </a:ext>
+            </a:extLst>
+          </p:cNvPr>
+          <p:cNvCxnSpPr>
+            <a:cxnSpLocks/>
+            <a:stCxn id="6" idx="1"/>
+          </p:cNvCxnSpPr>
+          <p:nvPr/>
+        </p:nvCxnSpPr>
+        <p:spPr>
+          <a:xfrm flipH="1" flipV="1">
+            <a:off x="6730914" y="3167270"/>
+            <a:ext cx="2094263" cy="261730"/>
+          </a:xfrm>
+          <a:prstGeom prst="straightConnector1">
+            <a:avLst/>
+          </a:prstGeom>
+          <a:ln w="38100">
+            <a:solidFill>
+              <a:schemeClr val="accent2"/>
+            </a:solidFill>
+            <a:headEnd type="triangle" w="med" len="med"/>
+            <a:tailEnd type="none" w="med" len="med"/>
+          </a:ln>
+        </p:spPr>
+        <p:style>
+          <a:lnRef idx="1">
+            <a:schemeClr val="accent1"/>
+          </a:lnRef>
+          <a:fillRef idx="0">
+            <a:schemeClr val="accent1"/>
+          </a:fillRef>
+          <a:effectRef idx="0">
+            <a:schemeClr val="accent1"/>
+          </a:effectRef>
+          <a:fontRef idx="minor">
+            <a:schemeClr val="tx1"/>
+          </a:fontRef>
+        </p:style>
+      </p:cxnSp>
+      <p:cxnSp>
+        <p:nvCxnSpPr>
+          <p:cNvPr id="32" name="Straight Arrow Connector 31">
+            <a:extLst>
+              <a:ext uri="{FF2B5EF4-FFF2-40B4-BE49-F238E27FC236}">
+                <a16:creationId xmlns:a16="http://schemas.microsoft.com/office/drawing/2014/main" id="{3A6C80AF-1EBD-F65B-0784-779C99E76265}"/>
+              </a:ext>
+            </a:extLst>
+          </p:cNvPr>
+          <p:cNvCxnSpPr>
+            <a:cxnSpLocks/>
+            <a:endCxn id="6" idx="1"/>
+          </p:cNvCxnSpPr>
+          <p:nvPr/>
+        </p:nvCxnSpPr>
+        <p:spPr>
+          <a:xfrm flipV="1">
+            <a:off x="6533321" y="3429000"/>
+            <a:ext cx="2291856" cy="272130"/>
+          </a:xfrm>
+          <a:prstGeom prst="straightConnector1">
+            <a:avLst/>
+          </a:prstGeom>
+          <a:ln w="38100">
+            <a:solidFill>
+              <a:schemeClr val="accent2"/>
+            </a:solidFill>
+            <a:headEnd type="triangle" w="med" len="med"/>
+            <a:tailEnd type="none" w="med" len="med"/>
+          </a:ln>
+        </p:spPr>
+        <p:style>
+          <a:lnRef idx="1">
+            <a:schemeClr val="accent1"/>
+          </a:lnRef>
+          <a:fillRef idx="0">
+            <a:schemeClr val="accent1"/>
+          </a:fillRef>
+          <a:effectRef idx="0">
+            <a:schemeClr val="accent1"/>
+          </a:effectRef>
+          <a:fontRef idx="minor">
+            <a:schemeClr val="tx1"/>
+          </a:fontRef>
+        </p:style>
+      </p:cxnSp>
+      <p:sp>
+        <p:nvSpPr>
+          <p:cNvPr id="56" name="TextBox 55">
+            <a:extLst>
+              <a:ext uri="{FF2B5EF4-FFF2-40B4-BE49-F238E27FC236}">
+                <a16:creationId xmlns:a16="http://schemas.microsoft.com/office/drawing/2014/main" id="{B5F2A0E8-D17D-1E89-8E3C-176E5E2A3EA2}"/>
+              </a:ext>
+            </a:extLst>
+          </p:cNvPr>
+          <p:cNvSpPr txBox="1"/>
+          <p:nvPr/>
+        </p:nvSpPr>
+        <p:spPr>
+          <a:xfrm rot="1763165">
+            <a:off x="4066561" y="1205346"/>
+            <a:ext cx="435440" cy="369332"/>
+          </a:xfrm>
+          <a:prstGeom prst="rect">
+            <a:avLst/>
+          </a:prstGeom>
+          <a:noFill/>
+        </p:spPr>
+        <p:txBody>
+          <a:bodyPr wrap="none" rtlCol="0">
+            <a:spAutoFit/>
+          </a:bodyPr>
+          <a:lstStyle/>
+          <a:p>
+            <a:r>
+              <a:rPr lang="en-US" dirty="0"/>
+              <a:t>LTI</a:t>
+            </a:r>
+          </a:p>
+        </p:txBody>
+      </p:sp>
+      <p:sp>
+        <p:nvSpPr>
+          <p:cNvPr id="58" name="TextBox 57">
+            <a:extLst>
+              <a:ext uri="{FF2B5EF4-FFF2-40B4-BE49-F238E27FC236}">
+                <a16:creationId xmlns:a16="http://schemas.microsoft.com/office/drawing/2014/main" id="{424FBB07-409E-6A00-1A84-43D87F6EE050}"/>
+              </a:ext>
+            </a:extLst>
+          </p:cNvPr>
+          <p:cNvSpPr txBox="1"/>
+          <p:nvPr/>
+        </p:nvSpPr>
+        <p:spPr>
+          <a:xfrm rot="18900000">
+            <a:off x="3919856" y="4231742"/>
+            <a:ext cx="435440" cy="369332"/>
+          </a:xfrm>
+          <a:prstGeom prst="rect">
+            <a:avLst/>
+          </a:prstGeom>
+          <a:noFill/>
+        </p:spPr>
+        <p:txBody>
+          <a:bodyPr wrap="none" rtlCol="0">
+            <a:spAutoFit/>
+          </a:bodyPr>
+          <a:lstStyle/>
+          <a:p>
+            <a:r>
+              <a:rPr lang="en-US" dirty="0"/>
+              <a:t>LTI</a:t>
+            </a:r>
+          </a:p>
+        </p:txBody>
+      </p:sp>
+      <p:sp>
+        <p:nvSpPr>
+          <p:cNvPr id="59" name="TextBox 58">
+            <a:extLst>
+              <a:ext uri="{FF2B5EF4-FFF2-40B4-BE49-F238E27FC236}">
+                <a16:creationId xmlns:a16="http://schemas.microsoft.com/office/drawing/2014/main" id="{F5686B50-230F-EA8C-2E2A-8AC6CFFCA572}"/>
+              </a:ext>
+            </a:extLst>
+          </p:cNvPr>
+          <p:cNvSpPr txBox="1"/>
+          <p:nvPr/>
+        </p:nvSpPr>
+        <p:spPr>
+          <a:xfrm>
+            <a:off x="7608658" y="2852635"/>
+            <a:ext cx="675121" cy="369332"/>
+          </a:xfrm>
+          <a:prstGeom prst="rect">
+            <a:avLst/>
+          </a:prstGeom>
+          <a:noFill/>
+        </p:spPr>
+        <p:txBody>
+          <a:bodyPr wrap="none" rtlCol="0">
+            <a:spAutoFit/>
+          </a:bodyPr>
+          <a:lstStyle/>
+          <a:p>
+            <a:r>
+              <a:rPr lang="en-US" dirty="0"/>
+              <a:t>HTTP</a:t>
+            </a:r>
+          </a:p>
+        </p:txBody>
+      </p:sp>
+      <p:sp>
+        <p:nvSpPr>
+          <p:cNvPr id="60" name="TextBox 59">
+            <a:extLst>
+              <a:ext uri="{FF2B5EF4-FFF2-40B4-BE49-F238E27FC236}">
+                <a16:creationId xmlns:a16="http://schemas.microsoft.com/office/drawing/2014/main" id="{5D08E77F-D1B8-BA0D-CDB8-7029C963651C}"/>
+              </a:ext>
+            </a:extLst>
+          </p:cNvPr>
+          <p:cNvSpPr txBox="1"/>
+          <p:nvPr/>
+        </p:nvSpPr>
+        <p:spPr>
+          <a:xfrm>
+            <a:off x="7659433" y="3653713"/>
+            <a:ext cx="675121" cy="369332"/>
+          </a:xfrm>
+          <a:prstGeom prst="rect">
+            <a:avLst/>
+          </a:prstGeom>
+          <a:noFill/>
+        </p:spPr>
+        <p:txBody>
+          <a:bodyPr wrap="none" rtlCol="0">
+            <a:spAutoFit/>
+          </a:bodyPr>
+          <a:lstStyle/>
+          <a:p>
+            <a:r>
+              <a:rPr lang="en-US" dirty="0"/>
+              <a:t>HTTP</a:t>
+            </a:r>
+          </a:p>
+        </p:txBody>
+      </p:sp>
+    </p:spTree>
+    <p:extLst>
+      <p:ext uri="{BB962C8B-B14F-4D97-AF65-F5344CB8AC3E}">
+        <p14:creationId xmlns:p14="http://schemas.microsoft.com/office/powerpoint/2010/main" val="2621068711"/>
+      </p:ext>
+    </p:extLst>
+  </p:cSld>
+  <p:clrMapOvr>
+    <a:masterClrMapping/>
+  </p:clrMapOvr>
+</p:sld>
+</file>
+
+<file path=ppt/slides/slide4.xml><?xml version="1.0" encoding="utf-8"?>
+<p:sld xmlns:a="http://schemas.openxmlformats.org/drawingml/2006/main" xmlns:r="http://schemas.openxmlformats.org/officeDocument/2006/relationships" xmlns:p="http://schemas.openxmlformats.org/presentationml/2006/main">
+  <p:cSld>
+    <p:spTree>
+      <p:nvGrpSpPr>
+        <p:cNvPr id="1" name=""/>
+        <p:cNvGrpSpPr/>
+        <p:nvPr/>
+      </p:nvGrpSpPr>
+      <p:grpSpPr>
+        <a:xfrm>
+          <a:off x="0" y="0"/>
+          <a:ext cx="0" cy="0"/>
+          <a:chOff x="0" y="0"/>
+          <a:chExt cx="0" cy="0"/>
+        </a:xfrm>
+      </p:grpSpPr>
+      <p:sp>
+        <p:nvSpPr>
+          <p:cNvPr id="2" name="Title 1">
+            <a:extLst>
+              <a:ext uri="{FF2B5EF4-FFF2-40B4-BE49-F238E27FC236}">
+                <a16:creationId xmlns:a16="http://schemas.microsoft.com/office/drawing/2014/main" id="{EB4B6D43-C0BC-0D2A-1C9E-01FAEECF88E5}"/>
+              </a:ext>
+            </a:extLst>
+          </p:cNvPr>
+          <p:cNvSpPr>
+            <a:spLocks noGrp="1"/>
+          </p:cNvSpPr>
+          <p:nvPr>
+            <p:ph type="title"/>
+          </p:nvPr>
+        </p:nvSpPr>
+        <p:spPr/>
+        <p:txBody>
+          <a:bodyPr/>
+          <a:lstStyle/>
+          <a:p>
+            <a:r>
+              <a:rPr lang="en-US" dirty="0"/>
+              <a:t>What does </a:t>
+            </a:r>
+            <a:r>
+              <a:rPr lang="en-US" dirty="0" err="1"/>
+              <a:t>autograder</a:t>
+            </a:r>
+            <a:r>
+              <a:rPr lang="en-US" dirty="0"/>
+              <a:t> code look like?</a:t>
+            </a:r>
+          </a:p>
+        </p:txBody>
+      </p:sp>
+      <p:sp>
+        <p:nvSpPr>
+          <p:cNvPr id="4" name="TextBox 3">
+            <a:extLst>
+              <a:ext uri="{FF2B5EF4-FFF2-40B4-BE49-F238E27FC236}">
+                <a16:creationId xmlns:a16="http://schemas.microsoft.com/office/drawing/2014/main" id="{DF128034-EA87-6D3C-CE7F-6EBB734A87A9}"/>
+              </a:ext>
+            </a:extLst>
+          </p:cNvPr>
+          <p:cNvSpPr txBox="1"/>
+          <p:nvPr/>
+        </p:nvSpPr>
+        <p:spPr>
+          <a:xfrm>
+            <a:off x="2358887" y="1558166"/>
+            <a:ext cx="7077579" cy="4524315"/>
+          </a:xfrm>
+          <a:prstGeom prst="rect">
+            <a:avLst/>
+          </a:prstGeom>
+          <a:noFill/>
+        </p:spPr>
+        <p:txBody>
+          <a:bodyPr wrap="none" rtlCol="0">
+            <a:spAutoFit/>
+          </a:bodyPr>
+          <a:lstStyle/>
+          <a:p>
+            <a:r>
+              <a:rPr lang="en-US" b="1" dirty="0">
+                <a:latin typeface="Courier New" panose="02070309020205020404" pitchFamily="49" charset="0"/>
+                <a:cs typeface="Courier New" panose="02070309020205020404" pitchFamily="49" charset="0"/>
+              </a:rPr>
+              <a:t>$crawler = </a:t>
+            </a:r>
+            <a:r>
+              <a:rPr lang="en-US" b="1" dirty="0" err="1">
+                <a:latin typeface="Courier New" panose="02070309020205020404" pitchFamily="49" charset="0"/>
+                <a:cs typeface="Courier New" panose="02070309020205020404" pitchFamily="49" charset="0"/>
+              </a:rPr>
+              <a:t>webauto_retrieve_url</a:t>
+            </a:r>
+            <a:r>
+              <a:rPr lang="en-US" b="1" dirty="0">
+                <a:latin typeface="Courier New" panose="02070309020205020404" pitchFamily="49" charset="0"/>
+                <a:cs typeface="Courier New" panose="02070309020205020404" pitchFamily="49" charset="0"/>
+              </a:rPr>
+              <a:t>($client, $</a:t>
+            </a:r>
+            <a:r>
+              <a:rPr lang="en-US" b="1" dirty="0" err="1">
+                <a:latin typeface="Courier New" panose="02070309020205020404" pitchFamily="49" charset="0"/>
+                <a:cs typeface="Courier New" panose="02070309020205020404" pitchFamily="49" charset="0"/>
+              </a:rPr>
+              <a:t>url</a:t>
+            </a:r>
+            <a:r>
+              <a:rPr lang="en-US" b="1" dirty="0">
+                <a:latin typeface="Courier New" panose="02070309020205020404" pitchFamily="49" charset="0"/>
+                <a:cs typeface="Courier New" panose="02070309020205020404" pitchFamily="49" charset="0"/>
+              </a:rPr>
+              <a:t>);</a:t>
+            </a:r>
+          </a:p>
+          <a:p>
+            <a:r>
+              <a:rPr lang="en-US" b="1" dirty="0">
+                <a:latin typeface="Courier New" panose="02070309020205020404" pitchFamily="49" charset="0"/>
+                <a:cs typeface="Courier New" panose="02070309020205020404" pitchFamily="49" charset="0"/>
+              </a:rPr>
+              <a:t>if ( $crawler === false ) return;</a:t>
+            </a:r>
+          </a:p>
+          <a:p>
+            <a:endParaRPr lang="en-US" b="1" dirty="0">
+              <a:latin typeface="Courier New" panose="02070309020205020404" pitchFamily="49" charset="0"/>
+              <a:cs typeface="Courier New" panose="02070309020205020404" pitchFamily="49" charset="0"/>
+            </a:endParaRPr>
+          </a:p>
+          <a:p>
+            <a:r>
+              <a:rPr lang="en-US" b="1" dirty="0">
+                <a:latin typeface="Courier New" panose="02070309020205020404" pitchFamily="49" charset="0"/>
+                <a:cs typeface="Courier New" panose="02070309020205020404" pitchFamily="49" charset="0"/>
+              </a:rPr>
+              <a:t>$html = </a:t>
+            </a:r>
+            <a:r>
+              <a:rPr lang="en-US" b="1" dirty="0" err="1">
+                <a:latin typeface="Courier New" panose="02070309020205020404" pitchFamily="49" charset="0"/>
+                <a:cs typeface="Courier New" panose="02070309020205020404" pitchFamily="49" charset="0"/>
+              </a:rPr>
+              <a:t>webauto_get_html</a:t>
+            </a:r>
+            <a:r>
+              <a:rPr lang="en-US" b="1" dirty="0">
+                <a:latin typeface="Courier New" panose="02070309020205020404" pitchFamily="49" charset="0"/>
+                <a:cs typeface="Courier New" panose="02070309020205020404" pitchFamily="49" charset="0"/>
+              </a:rPr>
+              <a:t>($crawler);</a:t>
+            </a:r>
+          </a:p>
+          <a:p>
+            <a:r>
+              <a:rPr lang="en-US" b="1" dirty="0" err="1">
+                <a:latin typeface="Courier New" panose="02070309020205020404" pitchFamily="49" charset="0"/>
+                <a:cs typeface="Courier New" panose="02070309020205020404" pitchFamily="49" charset="0"/>
+              </a:rPr>
+              <a:t>webauto_search_for</a:t>
+            </a:r>
+            <a:r>
+              <a:rPr lang="en-US" b="1" dirty="0">
+                <a:latin typeface="Courier New" panose="02070309020205020404" pitchFamily="49" charset="0"/>
+                <a:cs typeface="Courier New" panose="02070309020205020404" pitchFamily="49" charset="0"/>
+              </a:rPr>
+              <a:t>($html, 'Hello');</a:t>
+            </a:r>
+          </a:p>
+          <a:p>
+            <a:endParaRPr lang="en-US" b="1" dirty="0">
+              <a:latin typeface="Courier New" panose="02070309020205020404" pitchFamily="49" charset="0"/>
+              <a:cs typeface="Courier New" panose="02070309020205020404" pitchFamily="49" charset="0"/>
+            </a:endParaRPr>
+          </a:p>
+          <a:p>
+            <a:r>
+              <a:rPr lang="en-US" b="1" dirty="0">
+                <a:latin typeface="Courier New" panose="02070309020205020404" pitchFamily="49" charset="0"/>
+                <a:cs typeface="Courier New" panose="02070309020205020404" pitchFamily="49" charset="0"/>
+              </a:rPr>
+              <a:t>$check = </a:t>
+            </a:r>
+            <a:r>
+              <a:rPr lang="en-US" b="1" dirty="0" err="1">
+                <a:latin typeface="Courier New" panose="02070309020205020404" pitchFamily="49" charset="0"/>
+                <a:cs typeface="Courier New" panose="02070309020205020404" pitchFamily="49" charset="0"/>
+              </a:rPr>
+              <a:t>webauto_get_check</a:t>
+            </a:r>
+            <a:r>
+              <a:rPr lang="en-US" b="1" dirty="0">
+                <a:latin typeface="Courier New" panose="02070309020205020404" pitchFamily="49" charset="0"/>
+                <a:cs typeface="Courier New" panose="02070309020205020404" pitchFamily="49" charset="0"/>
+              </a:rPr>
+              <a:t>();</a:t>
+            </a:r>
+          </a:p>
+          <a:p>
+            <a:endParaRPr lang="en-US" b="1" dirty="0">
+              <a:latin typeface="Courier New" panose="02070309020205020404" pitchFamily="49" charset="0"/>
+              <a:cs typeface="Courier New" panose="02070309020205020404" pitchFamily="49" charset="0"/>
+            </a:endParaRPr>
+          </a:p>
+          <a:p>
+            <a:r>
+              <a:rPr lang="en-US" b="1" dirty="0">
+                <a:latin typeface="Courier New" panose="02070309020205020404" pitchFamily="49" charset="0"/>
+                <a:cs typeface="Courier New" panose="02070309020205020404" pitchFamily="49" charset="0"/>
+              </a:rPr>
+              <a:t>if ( $check &amp;&amp; </a:t>
+            </a:r>
+            <a:r>
+              <a:rPr lang="en-US" b="1" dirty="0" err="1">
+                <a:latin typeface="Courier New" panose="02070309020205020404" pitchFamily="49" charset="0"/>
+                <a:cs typeface="Courier New" panose="02070309020205020404" pitchFamily="49" charset="0"/>
+              </a:rPr>
+              <a:t>stripos</a:t>
+            </a:r>
+            <a:r>
+              <a:rPr lang="en-US" b="1" dirty="0">
+                <a:latin typeface="Courier New" panose="02070309020205020404" pitchFamily="49" charset="0"/>
+                <a:cs typeface="Courier New" panose="02070309020205020404" pitchFamily="49" charset="0"/>
+              </a:rPr>
+              <a:t>($</a:t>
+            </a:r>
+            <a:r>
+              <a:rPr lang="en-US" b="1" dirty="0" err="1">
+                <a:latin typeface="Courier New" panose="02070309020205020404" pitchFamily="49" charset="0"/>
+                <a:cs typeface="Courier New" panose="02070309020205020404" pitchFamily="49" charset="0"/>
+              </a:rPr>
+              <a:t>html,$check</a:t>
+            </a:r>
+            <a:r>
+              <a:rPr lang="en-US" b="1" dirty="0">
+                <a:latin typeface="Courier New" panose="02070309020205020404" pitchFamily="49" charset="0"/>
+                <a:cs typeface="Courier New" panose="02070309020205020404" pitchFamily="49" charset="0"/>
+              </a:rPr>
+              <a:t>) !== false ) {</a:t>
+            </a:r>
+          </a:p>
+          <a:p>
+            <a:r>
+              <a:rPr lang="en-US" b="1" dirty="0">
+                <a:latin typeface="Courier New" panose="02070309020205020404" pitchFamily="49" charset="0"/>
+                <a:cs typeface="Courier New" panose="02070309020205020404" pitchFamily="49" charset="0"/>
+              </a:rPr>
+              <a:t>    </a:t>
+            </a:r>
+            <a:r>
+              <a:rPr lang="en-US" b="1" dirty="0" err="1">
+                <a:latin typeface="Courier New" panose="02070309020205020404" pitchFamily="49" charset="0"/>
+                <a:cs typeface="Courier New" panose="02070309020205020404" pitchFamily="49" charset="0"/>
+              </a:rPr>
+              <a:t>success_out</a:t>
+            </a:r>
+            <a:r>
+              <a:rPr lang="en-US" b="1" dirty="0">
+                <a:latin typeface="Courier New" panose="02070309020205020404" pitchFamily="49" charset="0"/>
+                <a:cs typeface="Courier New" panose="02070309020205020404" pitchFamily="49" charset="0"/>
+              </a:rPr>
+              <a:t>("Found ($check) in your html");</a:t>
+            </a:r>
+          </a:p>
+          <a:p>
+            <a:r>
+              <a:rPr lang="en-US" b="1" dirty="0">
+                <a:latin typeface="Courier New" panose="02070309020205020404" pitchFamily="49" charset="0"/>
+                <a:cs typeface="Courier New" panose="02070309020205020404" pitchFamily="49" charset="0"/>
+              </a:rPr>
+              <a:t>    $passed += 1;</a:t>
+            </a:r>
+          </a:p>
+          <a:p>
+            <a:r>
+              <a:rPr lang="en-US" b="1" dirty="0">
+                <a:latin typeface="Courier New" panose="02070309020205020404" pitchFamily="49" charset="0"/>
+                <a:cs typeface="Courier New" panose="02070309020205020404" pitchFamily="49" charset="0"/>
+              </a:rPr>
+              <a:t>} else {</a:t>
+            </a:r>
+          </a:p>
+          <a:p>
+            <a:r>
+              <a:rPr lang="en-US" b="1" dirty="0">
+                <a:latin typeface="Courier New" panose="02070309020205020404" pitchFamily="49" charset="0"/>
+                <a:cs typeface="Courier New" panose="02070309020205020404" pitchFamily="49" charset="0"/>
+              </a:rPr>
+              <a:t>    </a:t>
+            </a:r>
+            <a:r>
+              <a:rPr lang="en-US" b="1" dirty="0" err="1">
+                <a:latin typeface="Courier New" panose="02070309020205020404" pitchFamily="49" charset="0"/>
+                <a:cs typeface="Courier New" panose="02070309020205020404" pitchFamily="49" charset="0"/>
+              </a:rPr>
+              <a:t>error_out</a:t>
+            </a:r>
+            <a:r>
+              <a:rPr lang="en-US" b="1" dirty="0">
+                <a:latin typeface="Courier New" panose="02070309020205020404" pitchFamily="49" charset="0"/>
+                <a:cs typeface="Courier New" panose="02070309020205020404" pitchFamily="49" charset="0"/>
+              </a:rPr>
+              <a:t>("Did not find $check in your html");</a:t>
+            </a:r>
+          </a:p>
+          <a:p>
+            <a:r>
+              <a:rPr lang="en-US" b="1" dirty="0">
+                <a:latin typeface="Courier New" panose="02070309020205020404" pitchFamily="49" charset="0"/>
+                <a:cs typeface="Courier New" panose="02070309020205020404" pitchFamily="49" charset="0"/>
+              </a:rPr>
+              <a:t>    </a:t>
+            </a:r>
+            <a:r>
+              <a:rPr lang="en-US" b="1" dirty="0" err="1">
+                <a:latin typeface="Courier New" panose="02070309020205020404" pitchFamily="49" charset="0"/>
+                <a:cs typeface="Courier New" panose="02070309020205020404" pitchFamily="49" charset="0"/>
+              </a:rPr>
+              <a:t>error_out</a:t>
+            </a:r>
+            <a:r>
+              <a:rPr lang="en-US" b="1" dirty="0">
+                <a:latin typeface="Courier New" panose="02070309020205020404" pitchFamily="49" charset="0"/>
+                <a:cs typeface="Courier New" panose="02070309020205020404" pitchFamily="49" charset="0"/>
+              </a:rPr>
+              <a:t>("No score sent");</a:t>
+            </a:r>
+          </a:p>
+          <a:p>
+            <a:r>
+              <a:rPr lang="en-US" b="1" dirty="0">
+                <a:latin typeface="Courier New" panose="02070309020205020404" pitchFamily="49" charset="0"/>
+                <a:cs typeface="Courier New" panose="02070309020205020404" pitchFamily="49" charset="0"/>
+              </a:rPr>
+              <a:t>    return;</a:t>
+            </a:r>
+          </a:p>
+          <a:p>
+            <a:r>
+              <a:rPr lang="en-US" b="1" dirty="0">
+                <a:latin typeface="Courier New" panose="02070309020205020404" pitchFamily="49" charset="0"/>
+                <a:cs typeface="Courier New" panose="02070309020205020404" pitchFamily="49" charset="0"/>
+              </a:rPr>
+              <a:t>}</a:t>
+            </a:r>
+          </a:p>
+        </p:txBody>
+      </p:sp>
+    </p:spTree>
+    <p:extLst>
+      <p:ext uri="{BB962C8B-B14F-4D97-AF65-F5344CB8AC3E}">
+        <p14:creationId xmlns:p14="http://schemas.microsoft.com/office/powerpoint/2010/main" val="3585768341"/>
+      </p:ext>
+    </p:extLst>
+  </p:cSld>
+  <p:clrMapOvr>
+    <a:masterClrMapping/>
+  </p:clrMapOvr>
+</p:sld>
+</file>
+
+<file path=ppt/slides/slide5.xml><?xml version="1.0" encoding="utf-8"?>
+<p:sld xmlns:a="http://schemas.openxmlformats.org/drawingml/2006/main" xmlns:r="http://schemas.openxmlformats.org/officeDocument/2006/relationships" xmlns:p="http://schemas.openxmlformats.org/presentationml/2006/main">
+  <p:cSld>
+    <p:spTree>
+      <p:nvGrpSpPr>
+        <p:cNvPr id="1" name="">
+          <a:extLst>
+            <a:ext uri="{FF2B5EF4-FFF2-40B4-BE49-F238E27FC236}">
+              <a16:creationId xmlns:a16="http://schemas.microsoft.com/office/drawing/2014/main" id="{804FE576-096E-9574-D1BF-10E3E7F4A2AD}"/>
+            </a:ext>
+          </a:extLst>
+        </p:cNvPr>
+        <p:cNvGrpSpPr/>
+        <p:nvPr/>
+      </p:nvGrpSpPr>
+      <p:grpSpPr>
+        <a:xfrm>
+          <a:off x="0" y="0"/>
+          <a:ext cx="0" cy="0"/>
+          <a:chOff x="0" y="0"/>
+          <a:chExt cx="0" cy="0"/>
+        </a:xfrm>
+      </p:grpSpPr>
+      <p:sp>
+        <p:nvSpPr>
+          <p:cNvPr id="4" name="Rectangle 3">
+            <a:extLst>
+              <a:ext uri="{FF2B5EF4-FFF2-40B4-BE49-F238E27FC236}">
+                <a16:creationId xmlns:a16="http://schemas.microsoft.com/office/drawing/2014/main" id="{6E81F6F1-F563-B7D3-5021-5D569FA78CD9}"/>
+              </a:ext>
+            </a:extLst>
+          </p:cNvPr>
+          <p:cNvSpPr/>
+          <p:nvPr/>
+        </p:nvSpPr>
+        <p:spPr>
+          <a:xfrm>
+            <a:off x="1354033" y="657264"/>
+            <a:ext cx="2190307" cy="5543474"/>
+          </a:xfrm>
+          <a:prstGeom prst="rect">
+            <a:avLst/>
+          </a:prstGeom>
+        </p:spPr>
+        <p:style>
+          <a:lnRef idx="2">
+            <a:schemeClr val="accent1">
+              <a:shade val="15000"/>
+            </a:schemeClr>
+          </a:lnRef>
+          <a:fillRef idx="1">
+            <a:schemeClr val="accent1"/>
+          </a:fillRef>
+          <a:effectRef idx="0">
+            <a:schemeClr val="accent1"/>
+          </a:effectRef>
+          <a:fontRef idx="minor">
+            <a:schemeClr val="lt1"/>
+          </a:fontRef>
+        </p:style>
+        <p:txBody>
+          <a:bodyPr rtlCol="0" anchor="ctr"/>
+          <a:lstStyle/>
+          <a:p>
+            <a:pPr algn="ctr"/>
+            <a:endParaRPr lang="en-US" dirty="0"/>
+          </a:p>
+        </p:txBody>
+      </p:sp>
+      <p:sp>
+        <p:nvSpPr>
+          <p:cNvPr id="5" name="Rectangle 4">
+            <a:extLst>
+              <a:ext uri="{FF2B5EF4-FFF2-40B4-BE49-F238E27FC236}">
+                <a16:creationId xmlns:a16="http://schemas.microsoft.com/office/drawing/2014/main" id="{1F31EAFD-B3A5-AFF2-EFC7-6C96FE79B52D}"/>
+              </a:ext>
+            </a:extLst>
+          </p:cNvPr>
+          <p:cNvSpPr/>
+          <p:nvPr/>
+        </p:nvSpPr>
+        <p:spPr>
+          <a:xfrm>
+            <a:off x="4876954" y="657262"/>
+            <a:ext cx="2190307" cy="5543475"/>
+          </a:xfrm>
+          <a:prstGeom prst="rect">
+            <a:avLst/>
+          </a:prstGeom>
+        </p:spPr>
+        <p:style>
+          <a:lnRef idx="2">
+            <a:schemeClr val="accent1">
+              <a:shade val="15000"/>
+            </a:schemeClr>
+          </a:lnRef>
+          <a:fillRef idx="1">
+            <a:schemeClr val="accent1"/>
+          </a:fillRef>
+          <a:effectRef idx="0">
+            <a:schemeClr val="accent1"/>
+          </a:effectRef>
+          <a:fontRef idx="minor">
+            <a:schemeClr val="lt1"/>
+          </a:fontRef>
+        </p:style>
+        <p:txBody>
+          <a:bodyPr rtlCol="0" anchor="ctr"/>
+          <a:lstStyle/>
+          <a:p>
+            <a:pPr algn="ctr"/>
+            <a:endParaRPr lang="en-US" dirty="0"/>
+          </a:p>
+          <a:p>
+            <a:pPr algn="ctr"/>
+            <a:r>
+              <a:rPr lang="en-US" dirty="0"/>
+              <a:t>Retrieve Page</a:t>
+            </a:r>
+          </a:p>
+          <a:p>
+            <a:pPr algn="ctr"/>
+            <a:r>
+              <a:rPr lang="en-US" dirty="0"/>
+              <a:t>Check Page</a:t>
+            </a:r>
+          </a:p>
+          <a:p>
+            <a:pPr algn="ctr"/>
+            <a:r>
+              <a:rPr lang="en-US" dirty="0"/>
+              <a:t>Retrieve Page</a:t>
+            </a:r>
+          </a:p>
+          <a:p>
+            <a:pPr algn="ctr"/>
+            <a:r>
+              <a:rPr lang="en-US" dirty="0"/>
+              <a:t>Check Page</a:t>
+            </a:r>
+          </a:p>
+          <a:p>
+            <a:pPr algn="ctr"/>
+            <a:r>
+              <a:rPr lang="en-US" dirty="0"/>
+              <a:t>Retrieve Page</a:t>
+            </a:r>
+          </a:p>
+          <a:p>
+            <a:pPr algn="ctr"/>
+            <a:r>
+              <a:rPr lang="en-US" dirty="0"/>
+              <a:t>Check Page</a:t>
+            </a:r>
+          </a:p>
+          <a:p>
+            <a:pPr algn="ctr"/>
+            <a:r>
+              <a:rPr lang="en-US" dirty="0"/>
+              <a:t>Retrieve Page</a:t>
+            </a:r>
+          </a:p>
+          <a:p>
+            <a:pPr algn="ctr"/>
+            <a:r>
+              <a:rPr lang="en-US" dirty="0"/>
+              <a:t>Check Page</a:t>
+            </a:r>
+          </a:p>
+          <a:p>
+            <a:pPr algn="ctr"/>
+            <a:r>
+              <a:rPr lang="en-US" dirty="0"/>
+              <a:t>Retrieve Page</a:t>
+            </a:r>
+          </a:p>
+          <a:p>
+            <a:pPr algn="ctr"/>
+            <a:r>
+              <a:rPr lang="en-US" dirty="0"/>
+              <a:t>Check Page</a:t>
+            </a:r>
+          </a:p>
+          <a:p>
+            <a:pPr algn="ctr"/>
+            <a:r>
+              <a:rPr lang="en-US" dirty="0"/>
+              <a:t>Retrieve Page</a:t>
+            </a:r>
+          </a:p>
+          <a:p>
+            <a:pPr algn="ctr"/>
+            <a:r>
+              <a:rPr lang="en-US" dirty="0"/>
+              <a:t>Check Page</a:t>
+            </a:r>
+          </a:p>
+          <a:p>
+            <a:pPr algn="ctr"/>
+            <a:r>
+              <a:rPr lang="en-US" dirty="0"/>
+              <a:t>Retrieve Page</a:t>
+            </a:r>
+          </a:p>
+          <a:p>
+            <a:pPr algn="ctr"/>
+            <a:r>
+              <a:rPr lang="en-US" dirty="0"/>
+              <a:t>Check Page</a:t>
+            </a:r>
+          </a:p>
+          <a:p>
+            <a:pPr algn="ctr"/>
+            <a:r>
+              <a:rPr lang="en-US" dirty="0"/>
+              <a:t>Retrieve Page</a:t>
+            </a:r>
+          </a:p>
+          <a:p>
+            <a:pPr algn="ctr"/>
+            <a:r>
+              <a:rPr lang="en-US" dirty="0"/>
+              <a:t>Check Page</a:t>
+            </a:r>
+          </a:p>
+          <a:p>
+            <a:pPr algn="ctr"/>
+            <a:endParaRPr lang="en-US" dirty="0"/>
+          </a:p>
+        </p:txBody>
+      </p:sp>
+      <p:sp>
+        <p:nvSpPr>
+          <p:cNvPr id="6" name="Rectangle 5">
+            <a:extLst>
+              <a:ext uri="{FF2B5EF4-FFF2-40B4-BE49-F238E27FC236}">
+                <a16:creationId xmlns:a16="http://schemas.microsoft.com/office/drawing/2014/main" id="{1DE1F107-5644-4A84-F759-ED41A2092347}"/>
+              </a:ext>
+            </a:extLst>
+          </p:cNvPr>
+          <p:cNvSpPr/>
+          <p:nvPr/>
+        </p:nvSpPr>
+        <p:spPr>
+          <a:xfrm>
+            <a:off x="8825177" y="657262"/>
+            <a:ext cx="2190307" cy="5543476"/>
+          </a:xfrm>
+          <a:prstGeom prst="rect">
+            <a:avLst/>
+          </a:prstGeom>
+        </p:spPr>
+        <p:style>
+          <a:lnRef idx="2">
+            <a:schemeClr val="accent1">
+              <a:shade val="15000"/>
+            </a:schemeClr>
+          </a:lnRef>
+          <a:fillRef idx="1">
+            <a:schemeClr val="accent1"/>
+          </a:fillRef>
+          <a:effectRef idx="0">
+            <a:schemeClr val="accent1"/>
+          </a:effectRef>
+          <a:fontRef idx="minor">
+            <a:schemeClr val="lt1"/>
+          </a:fontRef>
+        </p:style>
+        <p:txBody>
+          <a:bodyPr rtlCol="0" anchor="ctr"/>
+          <a:lstStyle/>
+          <a:p>
+            <a:pPr algn="ctr"/>
+            <a:endParaRPr lang="en-US" dirty="0"/>
+          </a:p>
+          <a:p>
+            <a:pPr algn="ctr"/>
+            <a:r>
+              <a:rPr lang="en-US" dirty="0"/>
+              <a:t>Django</a:t>
+            </a:r>
+          </a:p>
+          <a:p>
+            <a:pPr algn="ctr"/>
+            <a:r>
+              <a:rPr lang="en-US" dirty="0" err="1"/>
+              <a:t>settings.py</a:t>
+            </a:r>
+            <a:endParaRPr lang="en-US" dirty="0"/>
+          </a:p>
+          <a:p>
+            <a:pPr algn="ctr"/>
+            <a:r>
+              <a:rPr lang="en-US" dirty="0" err="1"/>
+              <a:t>urls.py</a:t>
+            </a:r>
+            <a:endParaRPr lang="en-US" dirty="0"/>
+          </a:p>
+          <a:p>
+            <a:pPr algn="ctr"/>
+            <a:r>
+              <a:rPr lang="en-US" dirty="0" err="1"/>
+              <a:t>views.py</a:t>
+            </a:r>
+            <a:endParaRPr lang="en-US" dirty="0"/>
+          </a:p>
+          <a:p>
+            <a:pPr algn="ctr"/>
+            <a:endParaRPr lang="en-US" dirty="0"/>
+          </a:p>
+        </p:txBody>
+      </p:sp>
+      <p:cxnSp>
+        <p:nvCxnSpPr>
+          <p:cNvPr id="7" name="Straight Arrow Connector 6">
+            <a:extLst>
+              <a:ext uri="{FF2B5EF4-FFF2-40B4-BE49-F238E27FC236}">
+                <a16:creationId xmlns:a16="http://schemas.microsoft.com/office/drawing/2014/main" id="{AC0725BC-6B4C-F872-668D-D5EB34E38EB9}"/>
+              </a:ext>
+            </a:extLst>
+          </p:cNvPr>
+          <p:cNvCxnSpPr>
+            <a:cxnSpLocks/>
+          </p:cNvCxnSpPr>
+          <p:nvPr/>
+        </p:nvCxnSpPr>
+        <p:spPr>
+          <a:xfrm flipH="1">
+            <a:off x="3544340" y="841929"/>
+            <a:ext cx="1332614" cy="0"/>
+          </a:xfrm>
+          <a:prstGeom prst="straightConnector1">
+            <a:avLst/>
+          </a:prstGeom>
+          <a:ln w="38100">
+            <a:solidFill>
+              <a:schemeClr val="accent2"/>
+            </a:solidFill>
+            <a:headEnd type="triangle" w="med" len="med"/>
+            <a:tailEnd type="none" w="med" len="med"/>
+          </a:ln>
+        </p:spPr>
+        <p:style>
+          <a:lnRef idx="1">
+            <a:schemeClr val="accent1"/>
+          </a:lnRef>
+          <a:fillRef idx="0">
+            <a:schemeClr val="accent1"/>
+          </a:fillRef>
+          <a:effectRef idx="0">
+            <a:schemeClr val="accent1"/>
+          </a:effectRef>
+          <a:fontRef idx="minor">
+            <a:schemeClr val="tx1"/>
+          </a:fontRef>
+        </p:style>
+      </p:cxnSp>
+      <p:sp>
+        <p:nvSpPr>
+          <p:cNvPr id="11" name="TextBox 10">
+            <a:extLst>
+              <a:ext uri="{FF2B5EF4-FFF2-40B4-BE49-F238E27FC236}">
+                <a16:creationId xmlns:a16="http://schemas.microsoft.com/office/drawing/2014/main" id="{D6A3948D-FBE2-49B5-E4A4-325A13427C1B}"/>
+              </a:ext>
+            </a:extLst>
+          </p:cNvPr>
+          <p:cNvSpPr txBox="1"/>
+          <p:nvPr/>
+        </p:nvSpPr>
+        <p:spPr>
+          <a:xfrm>
+            <a:off x="1756496" y="5498990"/>
+            <a:ext cx="1385379" cy="369332"/>
+          </a:xfrm>
+          <a:prstGeom prst="rect">
+            <a:avLst/>
+          </a:prstGeom>
+          <a:noFill/>
+        </p:spPr>
+        <p:txBody>
+          <a:bodyPr wrap="none" rtlCol="0">
+            <a:spAutoFit/>
+          </a:bodyPr>
+          <a:lstStyle/>
+          <a:p>
+            <a:r>
+              <a:rPr lang="en-US" dirty="0">
+                <a:solidFill>
+                  <a:schemeClr val="bg1"/>
+                </a:solidFill>
+              </a:rPr>
+              <a:t>Grade: 100%</a:t>
+            </a:r>
+          </a:p>
+        </p:txBody>
+      </p:sp>
+      <p:sp>
+        <p:nvSpPr>
+          <p:cNvPr id="12" name="TextBox 11">
+            <a:extLst>
+              <a:ext uri="{FF2B5EF4-FFF2-40B4-BE49-F238E27FC236}">
+                <a16:creationId xmlns:a16="http://schemas.microsoft.com/office/drawing/2014/main" id="{24148792-79D9-A6E3-D274-5C7D8573CEA0}"/>
+              </a:ext>
+            </a:extLst>
+          </p:cNvPr>
+          <p:cNvSpPr txBox="1"/>
+          <p:nvPr/>
+        </p:nvSpPr>
+        <p:spPr>
+          <a:xfrm>
+            <a:off x="2030257" y="253225"/>
+            <a:ext cx="837858" cy="369332"/>
+          </a:xfrm>
+          <a:prstGeom prst="rect">
+            <a:avLst/>
+          </a:prstGeom>
+          <a:noFill/>
+        </p:spPr>
+        <p:txBody>
+          <a:bodyPr wrap="none" rtlCol="0">
+            <a:spAutoFit/>
+          </a:bodyPr>
+          <a:lstStyle/>
+          <a:p>
+            <a:r>
+              <a:rPr lang="en-US" dirty="0"/>
+              <a:t>Canvas</a:t>
+            </a:r>
+          </a:p>
+        </p:txBody>
+      </p:sp>
+      <p:sp>
+        <p:nvSpPr>
+          <p:cNvPr id="13" name="TextBox 12">
+            <a:extLst>
+              <a:ext uri="{FF2B5EF4-FFF2-40B4-BE49-F238E27FC236}">
+                <a16:creationId xmlns:a16="http://schemas.microsoft.com/office/drawing/2014/main" id="{CB585325-F829-09A3-EE94-D3217697F0EC}"/>
+              </a:ext>
+            </a:extLst>
+          </p:cNvPr>
+          <p:cNvSpPr txBox="1"/>
+          <p:nvPr/>
+        </p:nvSpPr>
+        <p:spPr>
+          <a:xfrm>
+            <a:off x="5175478" y="128441"/>
+            <a:ext cx="1593257" cy="369332"/>
+          </a:xfrm>
+          <a:prstGeom prst="rect">
+            <a:avLst/>
+          </a:prstGeom>
+          <a:noFill/>
+        </p:spPr>
+        <p:txBody>
+          <a:bodyPr wrap="none" rtlCol="0">
+            <a:spAutoFit/>
+          </a:bodyPr>
+          <a:lstStyle/>
+          <a:p>
+            <a:r>
+              <a:rPr lang="en-US" dirty="0"/>
+              <a:t>www.dj4e.com</a:t>
+            </a:r>
+          </a:p>
+        </p:txBody>
+      </p:sp>
+      <p:sp>
+        <p:nvSpPr>
+          <p:cNvPr id="14" name="TextBox 13">
+            <a:extLst>
+              <a:ext uri="{FF2B5EF4-FFF2-40B4-BE49-F238E27FC236}">
+                <a16:creationId xmlns:a16="http://schemas.microsoft.com/office/drawing/2014/main" id="{9F71A664-EB60-642F-D4C1-2E8E6B517068}"/>
+              </a:ext>
+            </a:extLst>
+          </p:cNvPr>
+          <p:cNvSpPr txBox="1"/>
+          <p:nvPr/>
+        </p:nvSpPr>
+        <p:spPr>
+          <a:xfrm>
+            <a:off x="8930796" y="150865"/>
+            <a:ext cx="1979068" cy="369332"/>
+          </a:xfrm>
+          <a:prstGeom prst="rect">
+            <a:avLst/>
+          </a:prstGeom>
+          <a:noFill/>
+        </p:spPr>
+        <p:txBody>
+          <a:bodyPr wrap="none" rtlCol="0">
+            <a:spAutoFit/>
+          </a:bodyPr>
+          <a:lstStyle/>
+          <a:p>
+            <a:r>
+              <a:rPr lang="en-US" dirty="0"/>
+              <a:t>djtutorial.dj4e.com</a:t>
+            </a:r>
+          </a:p>
+        </p:txBody>
+      </p:sp>
+      <p:cxnSp>
+        <p:nvCxnSpPr>
+          <p:cNvPr id="15" name="Straight Arrow Connector 14">
+            <a:extLst>
+              <a:ext uri="{FF2B5EF4-FFF2-40B4-BE49-F238E27FC236}">
+                <a16:creationId xmlns:a16="http://schemas.microsoft.com/office/drawing/2014/main" id="{C49B9F81-4040-4249-B0CB-D6CFA6E541F0}"/>
+              </a:ext>
+            </a:extLst>
+          </p:cNvPr>
+          <p:cNvCxnSpPr>
+            <a:cxnSpLocks/>
+          </p:cNvCxnSpPr>
+          <p:nvPr/>
+        </p:nvCxnSpPr>
+        <p:spPr>
+          <a:xfrm>
+            <a:off x="3561705" y="5683656"/>
+            <a:ext cx="1315249" cy="0"/>
+          </a:xfrm>
+          <a:prstGeom prst="straightConnector1">
+            <a:avLst/>
+          </a:prstGeom>
+          <a:ln w="38100">
+            <a:solidFill>
+              <a:schemeClr val="accent2"/>
+            </a:solidFill>
+            <a:headEnd type="triangle" w="med" len="med"/>
+            <a:tailEnd type="none" w="med" len="med"/>
+          </a:ln>
+        </p:spPr>
+        <p:style>
+          <a:lnRef idx="1">
+            <a:schemeClr val="accent1"/>
+          </a:lnRef>
+          <a:fillRef idx="0">
+            <a:schemeClr val="accent1"/>
+          </a:fillRef>
+          <a:effectRef idx="0">
+            <a:schemeClr val="accent1"/>
+          </a:effectRef>
+          <a:fontRef idx="minor">
+            <a:schemeClr val="tx1"/>
+          </a:fontRef>
+        </p:style>
+      </p:cxnSp>
+      <p:sp>
+        <p:nvSpPr>
+          <p:cNvPr id="18" name="Rounded Rectangle 17">
+            <a:extLst>
+              <a:ext uri="{FF2B5EF4-FFF2-40B4-BE49-F238E27FC236}">
+                <a16:creationId xmlns:a16="http://schemas.microsoft.com/office/drawing/2014/main" id="{4DA1C4D5-80DD-4A54-AE72-E577028B8458}"/>
+              </a:ext>
+            </a:extLst>
+          </p:cNvPr>
+          <p:cNvSpPr/>
+          <p:nvPr/>
+        </p:nvSpPr>
+        <p:spPr>
+          <a:xfrm>
+            <a:off x="1556052" y="841929"/>
+            <a:ext cx="1786269" cy="369332"/>
+          </a:xfrm>
+          <a:prstGeom prst="roundRect">
+            <a:avLst/>
+          </a:prstGeom>
+        </p:spPr>
+        <p:style>
+          <a:lnRef idx="2">
+            <a:schemeClr val="accent3">
+              <a:shade val="15000"/>
+            </a:schemeClr>
+          </a:lnRef>
+          <a:fillRef idx="1">
+            <a:schemeClr val="accent3"/>
+          </a:fillRef>
+          <a:effectRef idx="0">
+            <a:schemeClr val="accent3"/>
+          </a:effectRef>
+          <a:fontRef idx="minor">
+            <a:schemeClr val="lt1"/>
+          </a:fontRef>
+        </p:style>
+        <p:txBody>
+          <a:bodyPr rtlCol="0" anchor="ctr"/>
+          <a:lstStyle/>
+          <a:p>
+            <a:pPr algn="ctr"/>
+            <a:r>
+              <a:rPr lang="en-US" b="1" dirty="0"/>
+              <a:t>AG: Tutorial 01</a:t>
+            </a:r>
+          </a:p>
+        </p:txBody>
+      </p:sp>
+      <p:sp>
+        <p:nvSpPr>
+          <p:cNvPr id="20" name="Rounded Rectangle 19">
+            <a:extLst>
+              <a:ext uri="{FF2B5EF4-FFF2-40B4-BE49-F238E27FC236}">
+                <a16:creationId xmlns:a16="http://schemas.microsoft.com/office/drawing/2014/main" id="{63B4050A-CFBC-5EA9-B65B-989C85511EF5}"/>
+              </a:ext>
+            </a:extLst>
+          </p:cNvPr>
+          <p:cNvSpPr/>
+          <p:nvPr/>
+        </p:nvSpPr>
+        <p:spPr>
+          <a:xfrm>
+            <a:off x="5163613" y="840200"/>
+            <a:ext cx="1567301" cy="371061"/>
+          </a:xfrm>
+          <a:prstGeom prst="roundRect">
+            <a:avLst/>
+          </a:prstGeom>
+          <a:solidFill>
+            <a:srgbClr val="094B33"/>
+          </a:solidFill>
+        </p:spPr>
+        <p:style>
+          <a:lnRef idx="2">
+            <a:schemeClr val="accent1">
+              <a:shade val="15000"/>
+            </a:schemeClr>
+          </a:lnRef>
+          <a:fillRef idx="1">
+            <a:schemeClr val="accent1"/>
+          </a:fillRef>
+          <a:effectRef idx="0">
+            <a:schemeClr val="accent1"/>
+          </a:effectRef>
+          <a:fontRef idx="minor">
+            <a:schemeClr val="lt1"/>
+          </a:fontRef>
+        </p:style>
+        <p:txBody>
+          <a:bodyPr rtlCol="0" anchor="ctr"/>
+          <a:lstStyle/>
+          <a:p>
+            <a:pPr algn="ctr"/>
+            <a:r>
+              <a:rPr lang="en-US" b="1" dirty="0"/>
+              <a:t>Evaluate</a:t>
+            </a:r>
+          </a:p>
+        </p:txBody>
+      </p:sp>
+      <p:cxnSp>
+        <p:nvCxnSpPr>
+          <p:cNvPr id="21" name="Straight Arrow Connector 20">
+            <a:extLst>
+              <a:ext uri="{FF2B5EF4-FFF2-40B4-BE49-F238E27FC236}">
+                <a16:creationId xmlns:a16="http://schemas.microsoft.com/office/drawing/2014/main" id="{FE4A9C37-0B71-8188-E376-79DBD6EF679B}"/>
+              </a:ext>
+            </a:extLst>
+          </p:cNvPr>
+          <p:cNvCxnSpPr>
+            <a:cxnSpLocks/>
+          </p:cNvCxnSpPr>
+          <p:nvPr/>
+        </p:nvCxnSpPr>
+        <p:spPr>
+          <a:xfrm flipH="1">
+            <a:off x="6730914" y="1372170"/>
+            <a:ext cx="2094263" cy="22029"/>
+          </a:xfrm>
+          <a:prstGeom prst="straightConnector1">
+            <a:avLst/>
+          </a:prstGeom>
+          <a:ln w="38100">
+            <a:solidFill>
+              <a:schemeClr val="accent2"/>
+            </a:solidFill>
+            <a:headEnd type="triangle" w="med" len="med"/>
+            <a:tailEnd type="none" w="med" len="med"/>
+          </a:ln>
+        </p:spPr>
+        <p:style>
+          <a:lnRef idx="1">
+            <a:schemeClr val="accent1"/>
+          </a:lnRef>
+          <a:fillRef idx="0">
+            <a:schemeClr val="accent1"/>
+          </a:fillRef>
+          <a:effectRef idx="0">
+            <a:schemeClr val="accent1"/>
+          </a:effectRef>
+          <a:fontRef idx="minor">
+            <a:schemeClr val="tx1"/>
+          </a:fontRef>
+        </p:style>
+      </p:cxnSp>
+      <p:cxnSp>
+        <p:nvCxnSpPr>
+          <p:cNvPr id="24" name="Straight Arrow Connector 23">
+            <a:extLst>
+              <a:ext uri="{FF2B5EF4-FFF2-40B4-BE49-F238E27FC236}">
+                <a16:creationId xmlns:a16="http://schemas.microsoft.com/office/drawing/2014/main" id="{2C46436B-B81C-D002-CC95-84C536DC7FC7}"/>
+              </a:ext>
+            </a:extLst>
+          </p:cNvPr>
+          <p:cNvCxnSpPr>
+            <a:cxnSpLocks/>
+          </p:cNvCxnSpPr>
+          <p:nvPr/>
+        </p:nvCxnSpPr>
+        <p:spPr>
+          <a:xfrm flipV="1">
+            <a:off x="6533321" y="1394199"/>
+            <a:ext cx="2291856" cy="296023"/>
+          </a:xfrm>
+          <a:prstGeom prst="straightConnector1">
+            <a:avLst/>
+          </a:prstGeom>
+          <a:ln w="38100">
+            <a:solidFill>
+              <a:schemeClr val="accent2"/>
+            </a:solidFill>
+            <a:headEnd type="triangle" w="med" len="med"/>
+            <a:tailEnd type="none" w="med" len="med"/>
+          </a:ln>
+        </p:spPr>
+        <p:style>
+          <a:lnRef idx="1">
+            <a:schemeClr val="accent1"/>
+          </a:lnRef>
+          <a:fillRef idx="0">
+            <a:schemeClr val="accent1"/>
+          </a:fillRef>
+          <a:effectRef idx="0">
+            <a:schemeClr val="accent1"/>
+          </a:effectRef>
+          <a:fontRef idx="minor">
+            <a:schemeClr val="tx1"/>
+          </a:fontRef>
+        </p:style>
+      </p:cxnSp>
+      <p:cxnSp>
+        <p:nvCxnSpPr>
+          <p:cNvPr id="27" name="Straight Arrow Connector 26">
+            <a:extLst>
+              <a:ext uri="{FF2B5EF4-FFF2-40B4-BE49-F238E27FC236}">
+                <a16:creationId xmlns:a16="http://schemas.microsoft.com/office/drawing/2014/main" id="{92B6E8F2-47D5-FD43-13D6-D485AB0EDDC3}"/>
+              </a:ext>
+            </a:extLst>
+          </p:cNvPr>
+          <p:cNvCxnSpPr>
+            <a:cxnSpLocks/>
+          </p:cNvCxnSpPr>
+          <p:nvPr/>
+        </p:nvCxnSpPr>
+        <p:spPr>
+          <a:xfrm flipH="1">
+            <a:off x="6730914" y="1915617"/>
+            <a:ext cx="2094263" cy="22029"/>
+          </a:xfrm>
+          <a:prstGeom prst="straightConnector1">
+            <a:avLst/>
+          </a:prstGeom>
+          <a:ln w="38100">
+            <a:solidFill>
+              <a:schemeClr val="accent2"/>
+            </a:solidFill>
+            <a:headEnd type="triangle" w="med" len="med"/>
+            <a:tailEnd type="none" w="med" len="med"/>
+          </a:ln>
+        </p:spPr>
+        <p:style>
+          <a:lnRef idx="1">
+            <a:schemeClr val="accent1"/>
+          </a:lnRef>
+          <a:fillRef idx="0">
+            <a:schemeClr val="accent1"/>
+          </a:fillRef>
+          <a:effectRef idx="0">
+            <a:schemeClr val="accent1"/>
+          </a:effectRef>
+          <a:fontRef idx="minor">
+            <a:schemeClr val="tx1"/>
+          </a:fontRef>
+        </p:style>
+      </p:cxnSp>
+      <p:cxnSp>
+        <p:nvCxnSpPr>
+          <p:cNvPr id="28" name="Straight Arrow Connector 27">
+            <a:extLst>
+              <a:ext uri="{FF2B5EF4-FFF2-40B4-BE49-F238E27FC236}">
+                <a16:creationId xmlns:a16="http://schemas.microsoft.com/office/drawing/2014/main" id="{8960E402-9298-7EB8-2DF7-2FF7AFD4ED8F}"/>
+              </a:ext>
+            </a:extLst>
+          </p:cNvPr>
+          <p:cNvCxnSpPr>
+            <a:cxnSpLocks/>
+          </p:cNvCxnSpPr>
+          <p:nvPr/>
+        </p:nvCxnSpPr>
+        <p:spPr>
+          <a:xfrm flipV="1">
+            <a:off x="6533321" y="1937646"/>
+            <a:ext cx="2291856" cy="296023"/>
+          </a:xfrm>
+          <a:prstGeom prst="straightConnector1">
+            <a:avLst/>
+          </a:prstGeom>
+          <a:ln w="38100">
+            <a:solidFill>
+              <a:schemeClr val="accent2"/>
+            </a:solidFill>
+            <a:headEnd type="triangle" w="med" len="med"/>
+            <a:tailEnd type="none" w="med" len="med"/>
+          </a:ln>
+        </p:spPr>
+        <p:style>
+          <a:lnRef idx="1">
+            <a:schemeClr val="accent1"/>
+          </a:lnRef>
+          <a:fillRef idx="0">
+            <a:schemeClr val="accent1"/>
+          </a:fillRef>
+          <a:effectRef idx="0">
+            <a:schemeClr val="accent1"/>
+          </a:effectRef>
+          <a:fontRef idx="minor">
+            <a:schemeClr val="tx1"/>
+          </a:fontRef>
+        </p:style>
+      </p:cxnSp>
+      <p:cxnSp>
+        <p:nvCxnSpPr>
+          <p:cNvPr id="29" name="Straight Arrow Connector 28">
+            <a:extLst>
+              <a:ext uri="{FF2B5EF4-FFF2-40B4-BE49-F238E27FC236}">
+                <a16:creationId xmlns:a16="http://schemas.microsoft.com/office/drawing/2014/main" id="{00260F34-C702-BD37-7A85-B9B317B3CCD6}"/>
+              </a:ext>
+            </a:extLst>
+          </p:cNvPr>
+          <p:cNvCxnSpPr>
+            <a:cxnSpLocks/>
+          </p:cNvCxnSpPr>
+          <p:nvPr/>
+        </p:nvCxnSpPr>
+        <p:spPr>
+          <a:xfrm flipH="1">
+            <a:off x="6730914" y="2413751"/>
+            <a:ext cx="2094263" cy="22029"/>
+          </a:xfrm>
+          <a:prstGeom prst="straightConnector1">
+            <a:avLst/>
+          </a:prstGeom>
+          <a:ln w="38100">
+            <a:solidFill>
+              <a:schemeClr val="accent2"/>
+            </a:solidFill>
+            <a:headEnd type="triangle" w="med" len="med"/>
+            <a:tailEnd type="none" w="med" len="med"/>
+          </a:ln>
+        </p:spPr>
+        <p:style>
+          <a:lnRef idx="1">
+            <a:schemeClr val="accent1"/>
+          </a:lnRef>
+          <a:fillRef idx="0">
+            <a:schemeClr val="accent1"/>
+          </a:fillRef>
+          <a:effectRef idx="0">
+            <a:schemeClr val="accent1"/>
+          </a:effectRef>
+          <a:fontRef idx="minor">
+            <a:schemeClr val="tx1"/>
+          </a:fontRef>
+        </p:style>
+      </p:cxnSp>
+      <p:cxnSp>
+        <p:nvCxnSpPr>
+          <p:cNvPr id="30" name="Straight Arrow Connector 29">
+            <a:extLst>
+              <a:ext uri="{FF2B5EF4-FFF2-40B4-BE49-F238E27FC236}">
+                <a16:creationId xmlns:a16="http://schemas.microsoft.com/office/drawing/2014/main" id="{A40D3285-510C-E09C-13B5-0F439A403A88}"/>
+              </a:ext>
+            </a:extLst>
+          </p:cNvPr>
+          <p:cNvCxnSpPr>
+            <a:cxnSpLocks/>
+          </p:cNvCxnSpPr>
+          <p:nvPr/>
+        </p:nvCxnSpPr>
+        <p:spPr>
+          <a:xfrm flipV="1">
+            <a:off x="6533321" y="2435780"/>
+            <a:ext cx="2291856" cy="296023"/>
+          </a:xfrm>
+          <a:prstGeom prst="straightConnector1">
+            <a:avLst/>
+          </a:prstGeom>
+          <a:ln w="38100">
+            <a:solidFill>
+              <a:schemeClr val="accent2"/>
+            </a:solidFill>
+            <a:headEnd type="triangle" w="med" len="med"/>
+            <a:tailEnd type="none" w="med" len="med"/>
+          </a:ln>
+        </p:spPr>
+        <p:style>
+          <a:lnRef idx="1">
+            <a:schemeClr val="accent1"/>
+          </a:lnRef>
+          <a:fillRef idx="0">
+            <a:schemeClr val="accent1"/>
+          </a:fillRef>
+          <a:effectRef idx="0">
+            <a:schemeClr val="accent1"/>
+          </a:effectRef>
+          <a:fontRef idx="minor">
+            <a:schemeClr val="tx1"/>
+          </a:fontRef>
+        </p:style>
+      </p:cxnSp>
+      <p:cxnSp>
+        <p:nvCxnSpPr>
+          <p:cNvPr id="31" name="Straight Arrow Connector 30">
+            <a:extLst>
+              <a:ext uri="{FF2B5EF4-FFF2-40B4-BE49-F238E27FC236}">
+                <a16:creationId xmlns:a16="http://schemas.microsoft.com/office/drawing/2014/main" id="{7C1F6AC9-D252-C833-612D-206C1AA98B34}"/>
+              </a:ext>
+            </a:extLst>
+          </p:cNvPr>
+          <p:cNvCxnSpPr>
+            <a:cxnSpLocks/>
+          </p:cNvCxnSpPr>
+          <p:nvPr/>
+        </p:nvCxnSpPr>
+        <p:spPr>
+          <a:xfrm flipH="1">
+            <a:off x="6730914" y="2957198"/>
+            <a:ext cx="2094263" cy="22029"/>
+          </a:xfrm>
+          <a:prstGeom prst="straightConnector1">
+            <a:avLst/>
+          </a:prstGeom>
+          <a:ln w="38100">
+            <a:solidFill>
+              <a:schemeClr val="accent2"/>
+            </a:solidFill>
+            <a:headEnd type="triangle" w="med" len="med"/>
+            <a:tailEnd type="none" w="med" len="med"/>
+          </a:ln>
+        </p:spPr>
+        <p:style>
+          <a:lnRef idx="1">
+            <a:schemeClr val="accent1"/>
+          </a:lnRef>
+          <a:fillRef idx="0">
+            <a:schemeClr val="accent1"/>
+          </a:fillRef>
+          <a:effectRef idx="0">
+            <a:schemeClr val="accent1"/>
+          </a:effectRef>
+          <a:fontRef idx="minor">
+            <a:schemeClr val="tx1"/>
+          </a:fontRef>
+        </p:style>
+      </p:cxnSp>
+      <p:cxnSp>
+        <p:nvCxnSpPr>
+          <p:cNvPr id="32" name="Straight Arrow Connector 31">
+            <a:extLst>
+              <a:ext uri="{FF2B5EF4-FFF2-40B4-BE49-F238E27FC236}">
+                <a16:creationId xmlns:a16="http://schemas.microsoft.com/office/drawing/2014/main" id="{1B21D8CF-7635-7441-309A-4FD1371FED4D}"/>
+              </a:ext>
+            </a:extLst>
+          </p:cNvPr>
+          <p:cNvCxnSpPr>
+            <a:cxnSpLocks/>
+          </p:cNvCxnSpPr>
+          <p:nvPr/>
+        </p:nvCxnSpPr>
+        <p:spPr>
+          <a:xfrm flipV="1">
+            <a:off x="6533321" y="2979227"/>
+            <a:ext cx="2291856" cy="296023"/>
+          </a:xfrm>
+          <a:prstGeom prst="straightConnector1">
+            <a:avLst/>
+          </a:prstGeom>
+          <a:ln w="38100">
+            <a:solidFill>
+              <a:schemeClr val="accent2"/>
+            </a:solidFill>
+            <a:headEnd type="triangle" w="med" len="med"/>
+            <a:tailEnd type="none" w="med" len="med"/>
+          </a:ln>
+        </p:spPr>
+        <p:style>
+          <a:lnRef idx="1">
+            <a:schemeClr val="accent1"/>
+          </a:lnRef>
+          <a:fillRef idx="0">
+            <a:schemeClr val="accent1"/>
+          </a:fillRef>
+          <a:effectRef idx="0">
+            <a:schemeClr val="accent1"/>
+          </a:effectRef>
+          <a:fontRef idx="minor">
+            <a:schemeClr val="tx1"/>
+          </a:fontRef>
+        </p:style>
+      </p:cxnSp>
+      <p:cxnSp>
+        <p:nvCxnSpPr>
+          <p:cNvPr id="33" name="Straight Arrow Connector 32">
+            <a:extLst>
+              <a:ext uri="{FF2B5EF4-FFF2-40B4-BE49-F238E27FC236}">
+                <a16:creationId xmlns:a16="http://schemas.microsoft.com/office/drawing/2014/main" id="{9A1652C6-17C7-3F1B-9D3D-CB20F2AFA149}"/>
+              </a:ext>
+            </a:extLst>
+          </p:cNvPr>
+          <p:cNvCxnSpPr>
+            <a:cxnSpLocks/>
+          </p:cNvCxnSpPr>
+          <p:nvPr/>
+        </p:nvCxnSpPr>
+        <p:spPr>
+          <a:xfrm flipH="1">
+            <a:off x="6730914" y="3593756"/>
+            <a:ext cx="2094263" cy="22029"/>
+          </a:xfrm>
+          <a:prstGeom prst="straightConnector1">
+            <a:avLst/>
+          </a:prstGeom>
+          <a:ln w="38100">
+            <a:solidFill>
+              <a:schemeClr val="accent2"/>
+            </a:solidFill>
+            <a:headEnd type="triangle" w="med" len="med"/>
+            <a:tailEnd type="none" w="med" len="med"/>
+          </a:ln>
+        </p:spPr>
+        <p:style>
+          <a:lnRef idx="1">
+            <a:schemeClr val="accent1"/>
+          </a:lnRef>
+          <a:fillRef idx="0">
+            <a:schemeClr val="accent1"/>
+          </a:fillRef>
+          <a:effectRef idx="0">
+            <a:schemeClr val="accent1"/>
+          </a:effectRef>
+          <a:fontRef idx="minor">
+            <a:schemeClr val="tx1"/>
+          </a:fontRef>
+        </p:style>
+      </p:cxnSp>
+      <p:cxnSp>
+        <p:nvCxnSpPr>
+          <p:cNvPr id="34" name="Straight Arrow Connector 33">
+            <a:extLst>
+              <a:ext uri="{FF2B5EF4-FFF2-40B4-BE49-F238E27FC236}">
+                <a16:creationId xmlns:a16="http://schemas.microsoft.com/office/drawing/2014/main" id="{76F9B9F3-3E75-BB65-FDD4-1B03124B9585}"/>
+              </a:ext>
+            </a:extLst>
+          </p:cNvPr>
+          <p:cNvCxnSpPr>
+            <a:cxnSpLocks/>
+          </p:cNvCxnSpPr>
+          <p:nvPr/>
+        </p:nvCxnSpPr>
+        <p:spPr>
+          <a:xfrm flipV="1">
+            <a:off x="6533321" y="3615785"/>
+            <a:ext cx="2291856" cy="296023"/>
+          </a:xfrm>
+          <a:prstGeom prst="straightConnector1">
+            <a:avLst/>
+          </a:prstGeom>
+          <a:ln w="38100">
+            <a:solidFill>
+              <a:schemeClr val="accent2"/>
+            </a:solidFill>
+            <a:headEnd type="triangle" w="med" len="med"/>
+            <a:tailEnd type="none" w="med" len="med"/>
+          </a:ln>
+        </p:spPr>
+        <p:style>
+          <a:lnRef idx="1">
+            <a:schemeClr val="accent1"/>
+          </a:lnRef>
+          <a:fillRef idx="0">
+            <a:schemeClr val="accent1"/>
+          </a:fillRef>
+          <a:effectRef idx="0">
+            <a:schemeClr val="accent1"/>
+          </a:effectRef>
+          <a:fontRef idx="minor">
+            <a:schemeClr val="tx1"/>
+          </a:fontRef>
+        </p:style>
+      </p:cxnSp>
+      <p:cxnSp>
+        <p:nvCxnSpPr>
+          <p:cNvPr id="35" name="Straight Arrow Connector 34">
+            <a:extLst>
+              <a:ext uri="{FF2B5EF4-FFF2-40B4-BE49-F238E27FC236}">
+                <a16:creationId xmlns:a16="http://schemas.microsoft.com/office/drawing/2014/main" id="{DF3F342F-6DF3-EB4C-277E-5A93B9C96BDD}"/>
+              </a:ext>
+            </a:extLst>
+          </p:cNvPr>
+          <p:cNvCxnSpPr>
+            <a:cxnSpLocks/>
+          </p:cNvCxnSpPr>
+          <p:nvPr/>
+        </p:nvCxnSpPr>
+        <p:spPr>
+          <a:xfrm flipH="1">
+            <a:off x="6730914" y="4137203"/>
+            <a:ext cx="2094263" cy="22029"/>
+          </a:xfrm>
+          <a:prstGeom prst="straightConnector1">
+            <a:avLst/>
+          </a:prstGeom>
+          <a:ln w="38100">
+            <a:solidFill>
+              <a:schemeClr val="accent2"/>
+            </a:solidFill>
+            <a:headEnd type="triangle" w="med" len="med"/>
+            <a:tailEnd type="none" w="med" len="med"/>
+          </a:ln>
+        </p:spPr>
+        <p:style>
+          <a:lnRef idx="1">
+            <a:schemeClr val="accent1"/>
+          </a:lnRef>
+          <a:fillRef idx="0">
+            <a:schemeClr val="accent1"/>
+          </a:fillRef>
+          <a:effectRef idx="0">
+            <a:schemeClr val="accent1"/>
+          </a:effectRef>
+          <a:fontRef idx="minor">
+            <a:schemeClr val="tx1"/>
+          </a:fontRef>
+        </p:style>
+      </p:cxnSp>
+      <p:cxnSp>
+        <p:nvCxnSpPr>
+          <p:cNvPr id="36" name="Straight Arrow Connector 35">
+            <a:extLst>
+              <a:ext uri="{FF2B5EF4-FFF2-40B4-BE49-F238E27FC236}">
+                <a16:creationId xmlns:a16="http://schemas.microsoft.com/office/drawing/2014/main" id="{2A46AA3F-A717-BDFB-5B1C-0D3D595827F3}"/>
+              </a:ext>
+            </a:extLst>
+          </p:cNvPr>
+          <p:cNvCxnSpPr>
+            <a:cxnSpLocks/>
+          </p:cNvCxnSpPr>
+          <p:nvPr/>
+        </p:nvCxnSpPr>
+        <p:spPr>
+          <a:xfrm flipV="1">
+            <a:off x="6533321" y="4159232"/>
+            <a:ext cx="2291856" cy="296023"/>
+          </a:xfrm>
+          <a:prstGeom prst="straightConnector1">
+            <a:avLst/>
+          </a:prstGeom>
+          <a:ln w="38100">
+            <a:solidFill>
+              <a:schemeClr val="accent2"/>
+            </a:solidFill>
+            <a:headEnd type="triangle" w="med" len="med"/>
+            <a:tailEnd type="none" w="med" len="med"/>
+          </a:ln>
+        </p:spPr>
+        <p:style>
+          <a:lnRef idx="1">
+            <a:schemeClr val="accent1"/>
+          </a:lnRef>
+          <a:fillRef idx="0">
+            <a:schemeClr val="accent1"/>
+          </a:fillRef>
+          <a:effectRef idx="0">
+            <a:schemeClr val="accent1"/>
+          </a:effectRef>
+          <a:fontRef idx="minor">
+            <a:schemeClr val="tx1"/>
+          </a:fontRef>
+        </p:style>
+      </p:cxnSp>
+      <p:cxnSp>
+        <p:nvCxnSpPr>
+          <p:cNvPr id="41" name="Straight Arrow Connector 40">
+            <a:extLst>
+              <a:ext uri="{FF2B5EF4-FFF2-40B4-BE49-F238E27FC236}">
+                <a16:creationId xmlns:a16="http://schemas.microsoft.com/office/drawing/2014/main" id="{C10B99F2-E776-A26D-AD70-60767C22EBB9}"/>
+              </a:ext>
+            </a:extLst>
+          </p:cNvPr>
+          <p:cNvCxnSpPr>
+            <a:cxnSpLocks/>
+          </p:cNvCxnSpPr>
+          <p:nvPr/>
+        </p:nvCxnSpPr>
+        <p:spPr>
+          <a:xfrm flipH="1">
+            <a:off x="6730914" y="4627430"/>
+            <a:ext cx="2094263" cy="22029"/>
+          </a:xfrm>
+          <a:prstGeom prst="straightConnector1">
+            <a:avLst/>
+          </a:prstGeom>
+          <a:ln w="38100">
+            <a:solidFill>
+              <a:schemeClr val="accent2"/>
+            </a:solidFill>
+            <a:headEnd type="triangle" w="med" len="med"/>
+            <a:tailEnd type="none" w="med" len="med"/>
+          </a:ln>
+        </p:spPr>
+        <p:style>
+          <a:lnRef idx="1">
+            <a:schemeClr val="accent1"/>
+          </a:lnRef>
+          <a:fillRef idx="0">
+            <a:schemeClr val="accent1"/>
+          </a:fillRef>
+          <a:effectRef idx="0">
+            <a:schemeClr val="accent1"/>
+          </a:effectRef>
+          <a:fontRef idx="minor">
+            <a:schemeClr val="tx1"/>
+          </a:fontRef>
+        </p:style>
+      </p:cxnSp>
+      <p:cxnSp>
+        <p:nvCxnSpPr>
+          <p:cNvPr id="42" name="Straight Arrow Connector 41">
+            <a:extLst>
+              <a:ext uri="{FF2B5EF4-FFF2-40B4-BE49-F238E27FC236}">
+                <a16:creationId xmlns:a16="http://schemas.microsoft.com/office/drawing/2014/main" id="{3FDA7C94-701B-DE76-F4F6-3C0CCAAEC66F}"/>
+              </a:ext>
+            </a:extLst>
+          </p:cNvPr>
+          <p:cNvCxnSpPr>
+            <a:cxnSpLocks/>
+          </p:cNvCxnSpPr>
+          <p:nvPr/>
+        </p:nvCxnSpPr>
+        <p:spPr>
+          <a:xfrm flipV="1">
+            <a:off x="6533321" y="4649459"/>
+            <a:ext cx="2291856" cy="296023"/>
+          </a:xfrm>
+          <a:prstGeom prst="straightConnector1">
+            <a:avLst/>
+          </a:prstGeom>
+          <a:ln w="38100">
+            <a:solidFill>
+              <a:schemeClr val="accent2"/>
+            </a:solidFill>
+            <a:headEnd type="triangle" w="med" len="med"/>
+            <a:tailEnd type="none" w="med" len="med"/>
+          </a:ln>
+        </p:spPr>
+        <p:style>
+          <a:lnRef idx="1">
+            <a:schemeClr val="accent1"/>
+          </a:lnRef>
+          <a:fillRef idx="0">
+            <a:schemeClr val="accent1"/>
+          </a:fillRef>
+          <a:effectRef idx="0">
+            <a:schemeClr val="accent1"/>
+          </a:effectRef>
+          <a:fontRef idx="minor">
+            <a:schemeClr val="tx1"/>
+          </a:fontRef>
+        </p:style>
+      </p:cxnSp>
+      <p:cxnSp>
+        <p:nvCxnSpPr>
+          <p:cNvPr id="43" name="Straight Arrow Connector 42">
+            <a:extLst>
+              <a:ext uri="{FF2B5EF4-FFF2-40B4-BE49-F238E27FC236}">
+                <a16:creationId xmlns:a16="http://schemas.microsoft.com/office/drawing/2014/main" id="{3A30730C-BA81-0B1C-8290-C7293A7F8DA4}"/>
+              </a:ext>
+            </a:extLst>
+          </p:cNvPr>
+          <p:cNvCxnSpPr>
+            <a:cxnSpLocks/>
+          </p:cNvCxnSpPr>
+          <p:nvPr/>
+        </p:nvCxnSpPr>
+        <p:spPr>
+          <a:xfrm flipH="1">
+            <a:off x="6730914" y="5170877"/>
+            <a:ext cx="2094263" cy="22029"/>
+          </a:xfrm>
+          <a:prstGeom prst="straightConnector1">
+            <a:avLst/>
+          </a:prstGeom>
+          <a:ln w="38100">
+            <a:solidFill>
+              <a:schemeClr val="accent2"/>
+            </a:solidFill>
+            <a:headEnd type="triangle" w="med" len="med"/>
+            <a:tailEnd type="none" w="med" len="med"/>
+          </a:ln>
+        </p:spPr>
+        <p:style>
+          <a:lnRef idx="1">
+            <a:schemeClr val="accent1"/>
+          </a:lnRef>
+          <a:fillRef idx="0">
+            <a:schemeClr val="accent1"/>
+          </a:fillRef>
+          <a:effectRef idx="0">
+            <a:schemeClr val="accent1"/>
+          </a:effectRef>
+          <a:fontRef idx="minor">
+            <a:schemeClr val="tx1"/>
+          </a:fontRef>
+        </p:style>
+      </p:cxnSp>
+      <p:cxnSp>
+        <p:nvCxnSpPr>
+          <p:cNvPr id="44" name="Straight Arrow Connector 43">
+            <a:extLst>
+              <a:ext uri="{FF2B5EF4-FFF2-40B4-BE49-F238E27FC236}">
+                <a16:creationId xmlns:a16="http://schemas.microsoft.com/office/drawing/2014/main" id="{D52DAC18-8677-C469-FFC6-771EB65BF07B}"/>
+              </a:ext>
+            </a:extLst>
+          </p:cNvPr>
+          <p:cNvCxnSpPr>
+            <a:cxnSpLocks/>
+          </p:cNvCxnSpPr>
+          <p:nvPr/>
+        </p:nvCxnSpPr>
+        <p:spPr>
+          <a:xfrm flipV="1">
+            <a:off x="6533321" y="5192906"/>
+            <a:ext cx="2291856" cy="296023"/>
+          </a:xfrm>
+          <a:prstGeom prst="straightConnector1">
+            <a:avLst/>
+          </a:prstGeom>
+          <a:ln w="38100">
+            <a:solidFill>
+              <a:schemeClr val="accent2"/>
+            </a:solidFill>
+            <a:headEnd type="triangle" w="med" len="med"/>
+            <a:tailEnd type="none" w="med" len="med"/>
           </a:ln>
         </p:spPr>
         <p:style>
@@ -4120,7 +6002,7 @@
     </p:spTree>
     <p:extLst>
       <p:ext uri="{BB962C8B-B14F-4D97-AF65-F5344CB8AC3E}">
-        <p14:creationId xmlns:p14="http://schemas.microsoft.com/office/powerpoint/2010/main" val="1832871605"/>
+        <p14:creationId xmlns:p14="http://schemas.microsoft.com/office/powerpoint/2010/main" val="3165316891"/>
       </p:ext>
     </p:extLst>
   </p:cSld>

--- a/lectures/00-Auto-Grader.pptx
+++ b/lectures/00-Auto-Grader.pptx
@@ -5,14 +5,15 @@
     <p:sldMasterId id="2147483648" r:id="rId1"/>
   </p:sldMasterIdLst>
   <p:notesMasterIdLst>
-    <p:notesMasterId r:id="rId7"/>
+    <p:notesMasterId r:id="rId8"/>
   </p:notesMasterIdLst>
   <p:sldIdLst>
     <p:sldId id="256" r:id="rId2"/>
     <p:sldId id="258" r:id="rId3"/>
-    <p:sldId id="259" r:id="rId4"/>
-    <p:sldId id="260" r:id="rId5"/>
-    <p:sldId id="261" r:id="rId6"/>
+    <p:sldId id="265" r:id="rId4"/>
+    <p:sldId id="263" r:id="rId5"/>
+    <p:sldId id="264" r:id="rId6"/>
+    <p:sldId id="260" r:id="rId7"/>
   </p:sldIdLst>
   <p:sldSz cx="12192000" cy="6858000"/>
   <p:notesSz cx="6858000" cy="9144000"/>
@@ -201,7 +202,7 @@
           <a:p>
             <a:fld id="{41C6F6A4-A735-3141-97AA-DF08CBAB5168}" type="datetimeFigureOut">
               <a:rPr lang="en-US" smtClean="0"/>
-              <a:t>12/30/25</a:t>
+              <a:t>12/31/25</a:t>
             </a:fld>
             <a:endParaRPr lang="en-US"/>
           </a:p>
@@ -597,7 +598,7 @@
           <a:p>
             <a:fld id="{57DAE149-BB27-FA42-992B-FEE3681658DC}" type="datetimeFigureOut">
               <a:rPr lang="en-US" smtClean="0"/>
-              <a:t>12/30/25</a:t>
+              <a:t>12/31/25</a:t>
             </a:fld>
             <a:endParaRPr lang="en-US"/>
           </a:p>
@@ -765,7 +766,7 @@
           <a:p>
             <a:fld id="{57DAE149-BB27-FA42-992B-FEE3681658DC}" type="datetimeFigureOut">
               <a:rPr lang="en-US" smtClean="0"/>
-              <a:t>12/30/25</a:t>
+              <a:t>12/31/25</a:t>
             </a:fld>
             <a:endParaRPr lang="en-US"/>
           </a:p>
@@ -943,7 +944,7 @@
           <a:p>
             <a:fld id="{57DAE149-BB27-FA42-992B-FEE3681658DC}" type="datetimeFigureOut">
               <a:rPr lang="en-US" smtClean="0"/>
-              <a:t>12/30/25</a:t>
+              <a:t>12/31/25</a:t>
             </a:fld>
             <a:endParaRPr lang="en-US"/>
           </a:p>
@@ -1111,7 +1112,7 @@
           <a:p>
             <a:fld id="{57DAE149-BB27-FA42-992B-FEE3681658DC}" type="datetimeFigureOut">
               <a:rPr lang="en-US" smtClean="0"/>
-              <a:t>12/30/25</a:t>
+              <a:t>12/31/25</a:t>
             </a:fld>
             <a:endParaRPr lang="en-US"/>
           </a:p>
@@ -1356,7 +1357,7 @@
           <a:p>
             <a:fld id="{57DAE149-BB27-FA42-992B-FEE3681658DC}" type="datetimeFigureOut">
               <a:rPr lang="en-US" smtClean="0"/>
-              <a:t>12/30/25</a:t>
+              <a:t>12/31/25</a:t>
             </a:fld>
             <a:endParaRPr lang="en-US"/>
           </a:p>
@@ -1585,7 +1586,7 @@
           <a:p>
             <a:fld id="{57DAE149-BB27-FA42-992B-FEE3681658DC}" type="datetimeFigureOut">
               <a:rPr lang="en-US" smtClean="0"/>
-              <a:t>12/30/25</a:t>
+              <a:t>12/31/25</a:t>
             </a:fld>
             <a:endParaRPr lang="en-US"/>
           </a:p>
@@ -1949,7 +1950,7 @@
           <a:p>
             <a:fld id="{57DAE149-BB27-FA42-992B-FEE3681658DC}" type="datetimeFigureOut">
               <a:rPr lang="en-US" smtClean="0"/>
-              <a:t>12/30/25</a:t>
+              <a:t>12/31/25</a:t>
             </a:fld>
             <a:endParaRPr lang="en-US"/>
           </a:p>
@@ -2066,7 +2067,7 @@
           <a:p>
             <a:fld id="{57DAE149-BB27-FA42-992B-FEE3681658DC}" type="datetimeFigureOut">
               <a:rPr lang="en-US" smtClean="0"/>
-              <a:t>12/30/25</a:t>
+              <a:t>12/31/25</a:t>
             </a:fld>
             <a:endParaRPr lang="en-US"/>
           </a:p>
@@ -2161,7 +2162,7 @@
           <a:p>
             <a:fld id="{57DAE149-BB27-FA42-992B-FEE3681658DC}" type="datetimeFigureOut">
               <a:rPr lang="en-US" smtClean="0"/>
-              <a:t>12/30/25</a:t>
+              <a:t>12/31/25</a:t>
             </a:fld>
             <a:endParaRPr lang="en-US"/>
           </a:p>
@@ -2436,7 +2437,7 @@
           <a:p>
             <a:fld id="{57DAE149-BB27-FA42-992B-FEE3681658DC}" type="datetimeFigureOut">
               <a:rPr lang="en-US" smtClean="0"/>
-              <a:t>12/30/25</a:t>
+              <a:t>12/31/25</a:t>
             </a:fld>
             <a:endParaRPr lang="en-US"/>
           </a:p>
@@ -2688,7 +2689,7 @@
           <a:p>
             <a:fld id="{57DAE149-BB27-FA42-992B-FEE3681658DC}" type="datetimeFigureOut">
               <a:rPr lang="en-US" smtClean="0"/>
-              <a:t>12/30/25</a:t>
+              <a:t>12/31/25</a:t>
             </a:fld>
             <a:endParaRPr lang="en-US"/>
           </a:p>
@@ -2899,7 +2900,7 @@
           <a:p>
             <a:fld id="{57DAE149-BB27-FA42-992B-FEE3681658DC}" type="datetimeFigureOut">
               <a:rPr lang="en-US" smtClean="0"/>
-              <a:t>12/30/25</a:t>
+              <a:t>12/31/25</a:t>
             </a:fld>
             <a:endParaRPr lang="en-US"/>
           </a:p>
@@ -3290,6 +3291,14 @@
 <file path=ppt/slides/slide1.xml><?xml version="1.0" encoding="utf-8"?>
 <p:sld xmlns:a="http://schemas.openxmlformats.org/drawingml/2006/main" xmlns:r="http://schemas.openxmlformats.org/officeDocument/2006/relationships" xmlns:p="http://schemas.openxmlformats.org/presentationml/2006/main">
   <p:cSld>
+    <p:bg>
+      <p:bgPr>
+        <a:solidFill>
+          <a:schemeClr val="bg1"/>
+        </a:solidFill>
+        <a:effectLst/>
+      </p:bgPr>
+    </p:bg>
     <p:spTree>
       <p:nvGrpSpPr>
         <p:cNvPr id="1" name=""/>
@@ -3304,6 +3313,188 @@
           <a:chExt cx="0" cy="0"/>
         </a:xfrm>
       </p:grpSpPr>
+      <p:sp useBgFill="1">
+        <p:nvSpPr>
+          <p:cNvPr id="12" name="Rectangle 11">
+            <a:extLst>
+              <a:ext uri="{FF2B5EF4-FFF2-40B4-BE49-F238E27FC236}">
+                <a16:creationId xmlns:a16="http://schemas.microsoft.com/office/drawing/2014/main" id="{C1DD1A8A-57D5-4A81-AD04-532B043C5611}"/>
+              </a:ext>
+              <a:ext uri="{C183D7F6-B498-43B3-948B-1728B52AA6E4}">
+                <adec:decorative xmlns:adec="http://schemas.microsoft.com/office/drawing/2017/decorative" val="1"/>
+              </a:ext>
+            </a:extLst>
+          </p:cNvPr>
+          <p:cNvSpPr>
+            <a:spLocks noGrp="1" noRot="1" noChangeAspect="1" noMove="1" noResize="1" noEditPoints="1" noAdjustHandles="1" noChangeArrowheads="1" noChangeShapeType="1" noTextEdit="1"/>
+          </p:cNvSpPr>
+          <p:nvPr>
+            <p:extLst>
+              <p:ext uri="{386F3935-93C4-4BCD-93E2-E3B085C9AB24}">
+                <p16:designElem xmlns:p16="http://schemas.microsoft.com/office/powerpoint/2015/main" val="1"/>
+              </p:ext>
+            </p:extLst>
+          </p:nvPr>
+        </p:nvSpPr>
+        <p:spPr>
+          <a:xfrm>
+            <a:off x="-1" y="0"/>
+            <a:ext cx="12188952" cy="6858000"/>
+          </a:xfrm>
+          <a:prstGeom prst="rect">
+            <a:avLst/>
+          </a:prstGeom>
+          <a:ln>
+            <a:noFill/>
+          </a:ln>
+        </p:spPr>
+        <p:style>
+          <a:lnRef idx="2">
+            <a:schemeClr val="accent1">
+              <a:shade val="50000"/>
+            </a:schemeClr>
+          </a:lnRef>
+          <a:fillRef idx="1">
+            <a:schemeClr val="accent1"/>
+          </a:fillRef>
+          <a:effectRef idx="0">
+            <a:schemeClr val="accent1"/>
+          </a:effectRef>
+          <a:fontRef idx="minor">
+            <a:schemeClr val="lt1"/>
+          </a:fontRef>
+        </p:style>
+        <p:txBody>
+          <a:bodyPr rtlCol="0" anchor="ctr"/>
+          <a:lstStyle/>
+          <a:p>
+            <a:pPr algn="ctr"/>
+            <a:endParaRPr lang="en-US"/>
+          </a:p>
+        </p:txBody>
+      </p:sp>
+      <p:pic>
+        <p:nvPicPr>
+          <p:cNvPr id="7" name="Picture 6" descr="A group of people sitting around a table with computers&#10;&#10;AI-generated content may be incorrect.">
+            <a:extLst>
+              <a:ext uri="{FF2B5EF4-FFF2-40B4-BE49-F238E27FC236}">
+                <a16:creationId xmlns:a16="http://schemas.microsoft.com/office/drawing/2014/main" id="{BA042739-06B5-8044-D657-DD719A8EFF33}"/>
+              </a:ext>
+            </a:extLst>
+          </p:cNvPr>
+          <p:cNvPicPr>
+            <a:picLocks noChangeAspect="1"/>
+          </p:cNvPicPr>
+          <p:nvPr/>
+        </p:nvPicPr>
+        <p:blipFill>
+          <a:blip r:embed="rId2"/>
+          <a:srcRect b="15730"/>
+          <a:stretch>
+            <a:fillRect/>
+          </a:stretch>
+        </p:blipFill>
+        <p:spPr>
+          <a:xfrm>
+            <a:off x="-3047" y="10"/>
+            <a:ext cx="12191999" cy="6857990"/>
+          </a:xfrm>
+          <a:prstGeom prst="rect">
+            <a:avLst/>
+          </a:prstGeom>
+        </p:spPr>
+      </p:pic>
+      <p:sp>
+        <p:nvSpPr>
+          <p:cNvPr id="14" name="Rectangle 13">
+            <a:extLst>
+              <a:ext uri="{FF2B5EF4-FFF2-40B4-BE49-F238E27FC236}">
+                <a16:creationId xmlns:a16="http://schemas.microsoft.com/office/drawing/2014/main" id="{007891EC-4501-44ED-A8C8-B11B6DB767AB}"/>
+              </a:ext>
+              <a:ext uri="{C183D7F6-B498-43B3-948B-1728B52AA6E4}">
+                <adec:decorative xmlns:adec="http://schemas.microsoft.com/office/drawing/2017/decorative" val="1"/>
+              </a:ext>
+            </a:extLst>
+          </p:cNvPr>
+          <p:cNvSpPr>
+            <a:spLocks noGrp="1" noRot="1" noChangeAspect="1" noMove="1" noResize="1" noEditPoints="1" noAdjustHandles="1" noChangeArrowheads="1" noChangeShapeType="1" noTextEdit="1"/>
+          </p:cNvSpPr>
+          <p:nvPr>
+            <p:extLst>
+              <p:ext uri="{386F3935-93C4-4BCD-93E2-E3B085C9AB24}">
+                <p16:designElem xmlns:p16="http://schemas.microsoft.com/office/powerpoint/2015/main" val="1"/>
+              </p:ext>
+            </p:extLst>
+          </p:nvPr>
+        </p:nvSpPr>
+        <p:spPr>
+          <a:xfrm>
+            <a:off x="0" y="2207602"/>
+            <a:ext cx="12191999" cy="3162146"/>
+          </a:xfrm>
+          <a:prstGeom prst="rect">
+            <a:avLst/>
+          </a:prstGeom>
+          <a:gradFill flip="none" rotWithShape="1">
+            <a:gsLst>
+              <a:gs pos="0">
+                <a:srgbClr val="000000">
+                  <a:alpha val="0"/>
+                </a:srgbClr>
+              </a:gs>
+              <a:gs pos="25000">
+                <a:srgbClr val="000000">
+                  <a:alpha val="15000"/>
+                </a:srgbClr>
+              </a:gs>
+              <a:gs pos="75000">
+                <a:srgbClr val="000000">
+                  <a:alpha val="15000"/>
+                </a:srgbClr>
+              </a:gs>
+              <a:gs pos="50000">
+                <a:srgbClr val="000000">
+                  <a:alpha val="30000"/>
+                </a:srgbClr>
+              </a:gs>
+              <a:gs pos="100000">
+                <a:srgbClr val="000000">
+                  <a:alpha val="0"/>
+                </a:srgbClr>
+              </a:gs>
+            </a:gsLst>
+            <a:lin ang="16200000" scaled="1"/>
+            <a:tileRect/>
+          </a:gradFill>
+          <a:ln>
+            <a:noFill/>
+          </a:ln>
+        </p:spPr>
+        <p:style>
+          <a:lnRef idx="2">
+            <a:schemeClr val="accent1">
+              <a:shade val="50000"/>
+            </a:schemeClr>
+          </a:lnRef>
+          <a:fillRef idx="1">
+            <a:schemeClr val="accent1"/>
+          </a:fillRef>
+          <a:effectRef idx="0">
+            <a:schemeClr val="accent1"/>
+          </a:effectRef>
+          <a:fontRef idx="minor">
+            <a:schemeClr val="lt1"/>
+          </a:fontRef>
+        </p:style>
+        <p:txBody>
+          <a:bodyPr rtlCol="0" anchor="ctr"/>
+          <a:lstStyle/>
+          <a:p>
+            <a:pPr algn="ctr"/>
+            <a:endParaRPr lang="en-US"/>
+          </a:p>
+        </p:txBody>
+      </p:sp>
       <p:sp>
         <p:nvSpPr>
           <p:cNvPr id="2" name="Title 1"/>
@@ -3314,20 +3505,33 @@
             <p:ph type="ctrTitle"/>
           </p:nvPr>
         </p:nvSpPr>
-        <p:spPr/>
-        <p:txBody>
-          <a:bodyPr/>
-          <a:lstStyle/>
-          <a:p>
-            <a:r>
-              <a:rPr lang="en-US" dirty="0"/>
-              <a:t>Inside the </a:t>
-            </a:r>
-            <a:r>
-              <a:rPr lang="en-US" dirty="0" err="1"/>
-              <a:t>Autograder</a:t>
-            </a:r>
-            <a:endParaRPr lang="en-US" dirty="0"/>
+        <p:spPr>
+          <a:xfrm>
+            <a:off x="1097280" y="325550"/>
+            <a:ext cx="10058400" cy="3272673"/>
+          </a:xfrm>
+          <a:effectLst>
+            <a:outerShdw blurRad="50800" dist="38100" dir="2700000" algn="tl" rotWithShape="0">
+              <a:prstClr val="black">
+                <a:alpha val="40000"/>
+              </a:prstClr>
+            </a:outerShdw>
+          </a:effectLst>
+        </p:spPr>
+        <p:txBody>
+          <a:bodyPr>
+            <a:normAutofit/>
+          </a:bodyPr>
+          <a:lstStyle/>
+          <a:p>
+            <a:r>
+              <a:rPr lang="en-US" sz="5200" dirty="0">
+                <a:solidFill>
+                  <a:srgbClr val="FFFFFF"/>
+                </a:solidFill>
+              </a:rPr>
+              <a:t>How the Auto-grader Works</a:t>
+            </a:r>
           </a:p>
         </p:txBody>
       </p:sp>
@@ -3341,12 +3545,43 @@
             <p:ph type="subTitle" idx="1"/>
           </p:nvPr>
         </p:nvSpPr>
-        <p:spPr/>
-        <p:txBody>
-          <a:bodyPr/>
-          <a:lstStyle/>
-          <a:p>
-            <a:endParaRPr lang="en-US"/>
+        <p:spPr>
+          <a:xfrm>
+            <a:off x="1097280" y="3598223"/>
+            <a:ext cx="10058400" cy="1282707"/>
+          </a:xfrm>
+          <a:effectLst>
+            <a:outerShdw blurRad="50800" dist="38100" dir="2700000" algn="tl" rotWithShape="0">
+              <a:prstClr val="black">
+                <a:alpha val="40000"/>
+              </a:prstClr>
+            </a:outerShdw>
+          </a:effectLst>
+        </p:spPr>
+        <p:txBody>
+          <a:bodyPr>
+            <a:normAutofit/>
+          </a:bodyPr>
+          <a:lstStyle/>
+          <a:p>
+            <a:r>
+              <a:rPr lang="en-US" dirty="0">
+                <a:solidFill>
+                  <a:srgbClr val="FFFFFF"/>
+                </a:solidFill>
+              </a:rPr>
+              <a:t>Django for Everybody</a:t>
+            </a:r>
+          </a:p>
+          <a:p>
+            <a:r>
+              <a:rPr lang="en-US" dirty="0">
+                <a:solidFill>
+                  <a:srgbClr val="FFFFFF"/>
+                </a:solidFill>
+              </a:rPr>
+              <a:t>www.dj4e.com</a:t>
+            </a:r>
           </a:p>
         </p:txBody>
       </p:sp>
@@ -3457,7 +3692,42 @@
           <a:p>
             <a:r>
               <a:rPr lang="en-US" dirty="0"/>
-              <a:t>If the web site responds correctly to all the requests correctly a grace is sent back to Canvas (or Coursera) </a:t>
+              <a:t>If the web site responds correctly to all the requests correctly a grade is sent back to Canvas (or Coursera) </a:t>
+            </a:r>
+          </a:p>
+        </p:txBody>
+      </p:sp>
+      <p:sp>
+        <p:nvSpPr>
+          <p:cNvPr id="4" name="TextBox 3">
+            <a:extLst>
+              <a:ext uri="{FF2B5EF4-FFF2-40B4-BE49-F238E27FC236}">
+                <a16:creationId xmlns:a16="http://schemas.microsoft.com/office/drawing/2014/main" id="{F10F4FA8-951E-41BA-470F-67D18D0CC004}"/>
+              </a:ext>
+            </a:extLst>
+          </p:cNvPr>
+          <p:cNvSpPr txBox="1"/>
+          <p:nvPr/>
+        </p:nvSpPr>
+        <p:spPr>
+          <a:xfrm>
+            <a:off x="483843" y="5629945"/>
+            <a:ext cx="5772862" cy="400110"/>
+          </a:xfrm>
+          <a:prstGeom prst="rect">
+            <a:avLst/>
+          </a:prstGeom>
+          <a:noFill/>
+        </p:spPr>
+        <p:txBody>
+          <a:bodyPr wrap="none" rtlCol="0">
+            <a:spAutoFit/>
+          </a:bodyPr>
+          <a:lstStyle/>
+          <a:p>
+            <a:r>
+              <a:rPr lang="en-US" sz="2000" dirty="0"/>
+              <a:t>AI: Tell me how the www.dj4e.com auto-grader works</a:t>
             </a:r>
           </a:p>
         </p:txBody>
@@ -3494,10 +3764,132 @@
       </p:grpSpPr>
       <p:sp>
         <p:nvSpPr>
+          <p:cNvPr id="2" name="Title 1">
+            <a:extLst>
+              <a:ext uri="{FF2B5EF4-FFF2-40B4-BE49-F238E27FC236}">
+                <a16:creationId xmlns:a16="http://schemas.microsoft.com/office/drawing/2014/main" id="{478A564C-AE2C-56DD-64E8-A9BEEE351A4A}"/>
+              </a:ext>
+            </a:extLst>
+          </p:cNvPr>
+          <p:cNvSpPr>
+            <a:spLocks noGrp="1"/>
+          </p:cNvSpPr>
+          <p:nvPr>
+            <p:ph type="title"/>
+          </p:nvPr>
+        </p:nvSpPr>
+        <p:spPr/>
+        <p:txBody>
+          <a:bodyPr/>
+          <a:lstStyle/>
+          <a:p>
+            <a:r>
+              <a:rPr lang="en-US" dirty="0"/>
+              <a:t>Auto grader Philosophy</a:t>
+            </a:r>
+          </a:p>
+        </p:txBody>
+      </p:sp>
+      <p:sp>
+        <p:nvSpPr>
+          <p:cNvPr id="3" name="Content Placeholder 2">
+            <a:extLst>
+              <a:ext uri="{FF2B5EF4-FFF2-40B4-BE49-F238E27FC236}">
+                <a16:creationId xmlns:a16="http://schemas.microsoft.com/office/drawing/2014/main" id="{27FE27FF-A284-81D2-C3E8-BC3237222741}"/>
+              </a:ext>
+            </a:extLst>
+          </p:cNvPr>
+          <p:cNvSpPr>
+            <a:spLocks noGrp="1"/>
+          </p:cNvSpPr>
+          <p:nvPr>
+            <p:ph idx="1"/>
+          </p:nvPr>
+        </p:nvSpPr>
+        <p:spPr/>
+        <p:txBody>
+          <a:bodyPr/>
+          <a:lstStyle/>
+          <a:p>
+            <a:r>
+              <a:rPr lang="en-US" dirty="0"/>
+              <a:t>Keep it simple</a:t>
+            </a:r>
+          </a:p>
+          <a:p>
+            <a:r>
+              <a:rPr lang="en-US" dirty="0"/>
+              <a:t>Check for basic stuff</a:t>
+            </a:r>
+          </a:p>
+          <a:p>
+            <a:r>
+              <a:rPr lang="en-US" dirty="0"/>
+              <a:t>Lots of feedback (you need to read the output)</a:t>
+            </a:r>
+          </a:p>
+          <a:p>
+            <a:r>
+              <a:rPr lang="en-US" dirty="0"/>
+              <a:t>Check if instructions were followed</a:t>
+            </a:r>
+          </a:p>
+          <a:p>
+            <a:r>
+              <a:rPr lang="en-US" dirty="0"/>
+              <a:t>No guarantee that AI generated code that "looks good in a browser" will pass the auto grader</a:t>
+            </a:r>
+          </a:p>
+          <a:p>
+            <a:r>
+              <a:rPr lang="en-US" dirty="0"/>
+              <a:t>Follow the instructions, do your own work, and the auto-grader will lead you to any bugs you have and give you a grade when they are fixed </a:t>
+            </a:r>
+          </a:p>
+        </p:txBody>
+      </p:sp>
+    </p:spTree>
+    <p:extLst>
+      <p:ext uri="{BB962C8B-B14F-4D97-AF65-F5344CB8AC3E}">
+        <p14:creationId xmlns:p14="http://schemas.microsoft.com/office/powerpoint/2010/main" val="3429118819"/>
+      </p:ext>
+    </p:extLst>
+  </p:cSld>
+  <p:clrMapOvr>
+    <a:masterClrMapping/>
+  </p:clrMapOvr>
+</p:sld>
+</file>
+
+<file path=ppt/slides/slide4.xml><?xml version="1.0" encoding="utf-8"?>
+<p:sld xmlns:a="http://schemas.openxmlformats.org/drawingml/2006/main" xmlns:r="http://schemas.openxmlformats.org/officeDocument/2006/relationships" xmlns:p="http://schemas.openxmlformats.org/presentationml/2006/main">
+  <p:cSld>
+    <p:spTree>
+      <p:nvGrpSpPr>
+        <p:cNvPr id="1" name="">
+          <a:extLst>
+            <a:ext uri="{FF2B5EF4-FFF2-40B4-BE49-F238E27FC236}">
+              <a16:creationId xmlns:a16="http://schemas.microsoft.com/office/drawing/2014/main" id="{1555FDC4-12F1-0AE2-3A0C-67F27F61FBA1}"/>
+            </a:ext>
+          </a:extLst>
+        </p:cNvPr>
+        <p:cNvGrpSpPr/>
+        <p:nvPr/>
+      </p:nvGrpSpPr>
+      <p:grpSpPr>
+        <a:xfrm>
+          <a:off x="0" y="0"/>
+          <a:ext cx="0" cy="0"/>
+          <a:chOff x="0" y="0"/>
+          <a:chExt cx="0" cy="0"/>
+        </a:xfrm>
+      </p:grpSpPr>
+      <p:sp>
+        <p:nvSpPr>
           <p:cNvPr id="4" name="Rectangle 3">
             <a:extLst>
               <a:ext uri="{FF2B5EF4-FFF2-40B4-BE49-F238E27FC236}">
-                <a16:creationId xmlns:a16="http://schemas.microsoft.com/office/drawing/2014/main" id="{6ED6E6AE-F793-6C8A-DA03-0C91B5C3E90D}"/>
+                <a16:creationId xmlns:a16="http://schemas.microsoft.com/office/drawing/2014/main" id="{FE9DEF83-57E1-E721-773B-6F947F8863B6}"/>
               </a:ext>
             </a:extLst>
           </p:cNvPr>
@@ -3506,8 +3898,8 @@
         </p:nvSpPr>
         <p:spPr>
           <a:xfrm>
-            <a:off x="1354033" y="657264"/>
-            <a:ext cx="2190307" cy="5543474"/>
+            <a:off x="8495414" y="861237"/>
+            <a:ext cx="3253563" cy="5007935"/>
           </a:xfrm>
           <a:prstGeom prst="rect">
             <a:avLst/>
@@ -3534,7 +3926,77 @@
           <a:lstStyle/>
           <a:p>
             <a:pPr algn="ctr"/>
+            <a:r>
+              <a:rPr lang="en-US" dirty="0" err="1"/>
+              <a:t>drchuck.pythonanywhere.com</a:t>
+            </a:r>
             <a:endParaRPr lang="en-US" dirty="0"/>
+          </a:p>
+          <a:p>
+            <a:pPr algn="ctr"/>
+            <a:endParaRPr lang="en-US" dirty="0"/>
+          </a:p>
+          <a:p>
+            <a:pPr algn="ctr"/>
+            <a:r>
+              <a:rPr lang="en-US" dirty="0" err="1"/>
+              <a:t>settings.py</a:t>
+            </a:r>
+            <a:endParaRPr lang="en-US" dirty="0"/>
+          </a:p>
+          <a:p>
+            <a:pPr algn="ctr"/>
+            <a:r>
+              <a:rPr lang="en-US" dirty="0" err="1"/>
+              <a:t>mysite</a:t>
+            </a:r>
+            <a:r>
+              <a:rPr lang="en-US" dirty="0"/>
+              <a:t>/</a:t>
+            </a:r>
+            <a:r>
+              <a:rPr lang="en-US" dirty="0" err="1"/>
+              <a:t>urls.py</a:t>
+            </a:r>
+            <a:endParaRPr lang="en-US" dirty="0"/>
+          </a:p>
+          <a:p>
+            <a:pPr algn="ctr"/>
+            <a:r>
+              <a:rPr lang="en-US" dirty="0"/>
+              <a:t>polls/</a:t>
+            </a:r>
+            <a:r>
+              <a:rPr lang="en-US" dirty="0" err="1"/>
+              <a:t>urls.py</a:t>
+            </a:r>
+            <a:endParaRPr lang="en-US" dirty="0"/>
+          </a:p>
+          <a:p>
+            <a:pPr algn="ctr"/>
+            <a:r>
+              <a:rPr lang="en-US" dirty="0"/>
+              <a:t>polls/</a:t>
+            </a:r>
+            <a:r>
+              <a:rPr lang="en-US" dirty="0" err="1"/>
+              <a:t>views.py</a:t>
+            </a:r>
+            <a:endParaRPr lang="en-US" dirty="0"/>
+          </a:p>
+          <a:p>
+            <a:pPr algn="ctr"/>
+            <a:r>
+              <a:rPr lang="en-US" dirty="0"/>
+              <a:t>magic codes</a:t>
+            </a:r>
+          </a:p>
+          <a:p>
+            <a:pPr algn="ctr"/>
+            <a:r>
+              <a:rPr lang="en-US" dirty="0"/>
+              <a:t>signatures</a:t>
+            </a:r>
           </a:p>
         </p:txBody>
       </p:sp>
@@ -3543,7 +4005,7 @@
           <p:cNvPr id="5" name="Rectangle 4">
             <a:extLst>
               <a:ext uri="{FF2B5EF4-FFF2-40B4-BE49-F238E27FC236}">
-                <a16:creationId xmlns:a16="http://schemas.microsoft.com/office/drawing/2014/main" id="{733FED3A-3AC3-C204-07B2-5ECE6E6CA3D3}"/>
+                <a16:creationId xmlns:a16="http://schemas.microsoft.com/office/drawing/2014/main" id="{1FB1EB2A-6CE4-8139-00EE-F9AC1F53B1EA}"/>
               </a:ext>
             </a:extLst>
           </p:cNvPr>
@@ -3552,8 +4014,8 @@
         </p:nvSpPr>
         <p:spPr>
           <a:xfrm>
-            <a:off x="4876954" y="657262"/>
-            <a:ext cx="2190307" cy="5543475"/>
+            <a:off x="1981201" y="925032"/>
+            <a:ext cx="1431851" cy="5007935"/>
           </a:xfrm>
           <a:prstGeom prst="rect">
             <a:avLst/>
@@ -3580,38 +4042,34 @@
           <a:lstStyle/>
           <a:p>
             <a:pPr algn="ctr"/>
+            <a:r>
+              <a:rPr lang="en-US" dirty="0"/>
+              <a:t>Browser</a:t>
+            </a:r>
+          </a:p>
+          <a:p>
+            <a:pPr algn="ctr"/>
+            <a:r>
+              <a:rPr lang="en-US" dirty="0" err="1"/>
+              <a:t>FireFox</a:t>
+            </a:r>
             <a:endParaRPr lang="en-US" dirty="0"/>
           </a:p>
           <a:p>
             <a:pPr algn="ctr"/>
             <a:r>
               <a:rPr lang="en-US" dirty="0"/>
-              <a:t>Retrieve Page</a:t>
-            </a:r>
-          </a:p>
-          <a:p>
-            <a:pPr algn="ctr"/>
-            <a:endParaRPr lang="en-US" dirty="0"/>
-          </a:p>
-          <a:p>
-            <a:pPr algn="ctr"/>
-            <a:r>
-              <a:rPr lang="en-US" dirty="0"/>
-              <a:t>Check Page</a:t>
-            </a:r>
-          </a:p>
-          <a:p>
-            <a:pPr algn="ctr"/>
-            <a:endParaRPr lang="en-US" dirty="0"/>
-          </a:p>
-        </p:txBody>
-      </p:sp>
-      <p:sp>
-        <p:nvSpPr>
-          <p:cNvPr id="6" name="Rectangle 5">
+              <a:t>Chrome</a:t>
+            </a:r>
+          </a:p>
+        </p:txBody>
+      </p:sp>
+      <p:sp>
+        <p:nvSpPr>
+          <p:cNvPr id="6" name="Left-Right Arrow 5">
             <a:extLst>
               <a:ext uri="{FF2B5EF4-FFF2-40B4-BE49-F238E27FC236}">
-                <a16:creationId xmlns:a16="http://schemas.microsoft.com/office/drawing/2014/main" id="{55AB71BF-3D9D-0576-20B3-28E4D34F571C}"/>
+                <a16:creationId xmlns:a16="http://schemas.microsoft.com/office/drawing/2014/main" id="{45FCBCA5-ACA0-3864-8A5D-CF40FC23C45C}"/>
               </a:ext>
             </a:extLst>
           </p:cNvPr>
@@ -3620,10 +4078,10 @@
         </p:nvSpPr>
         <p:spPr>
           <a:xfrm>
-            <a:off x="8825177" y="657262"/>
-            <a:ext cx="2190307" cy="5543476"/>
-          </a:xfrm>
-          <a:prstGeom prst="rect">
+            <a:off x="3413052" y="1233377"/>
+            <a:ext cx="4997301" cy="797442"/>
+          </a:xfrm>
+          <a:prstGeom prst="leftRightArrow">
             <a:avLst/>
           </a:prstGeom>
         </p:spPr>
@@ -3648,287 +4106,49 @@
           <a:lstStyle/>
           <a:p>
             <a:pPr algn="ctr"/>
-            <a:endParaRPr lang="en-US" dirty="0"/>
-          </a:p>
-          <a:p>
-            <a:pPr algn="ctr"/>
             <a:r>
               <a:rPr lang="en-US" dirty="0"/>
-              <a:t>Django</a:t>
-            </a:r>
-          </a:p>
-          <a:p>
-            <a:pPr algn="ctr"/>
-            <a:r>
-              <a:rPr lang="en-US" dirty="0" err="1"/>
-              <a:t>settings.py</a:t>
-            </a:r>
-            <a:endParaRPr lang="en-US" dirty="0"/>
-          </a:p>
-          <a:p>
-            <a:pPr algn="ctr"/>
-            <a:r>
-              <a:rPr lang="en-US" dirty="0" err="1"/>
-              <a:t>urls.py</a:t>
-            </a:r>
-            <a:endParaRPr lang="en-US" dirty="0"/>
-          </a:p>
-          <a:p>
-            <a:pPr algn="ctr"/>
-            <a:r>
-              <a:rPr lang="en-US" dirty="0" err="1"/>
-              <a:t>views.py</a:t>
-            </a:r>
-            <a:endParaRPr lang="en-US" dirty="0"/>
-          </a:p>
-          <a:p>
-            <a:pPr algn="ctr"/>
-            <a:endParaRPr lang="en-US" dirty="0"/>
-          </a:p>
-        </p:txBody>
-      </p:sp>
-      <p:cxnSp>
-        <p:nvCxnSpPr>
-          <p:cNvPr id="7" name="Straight Arrow Connector 6">
+              <a:t>Develop / Test</a:t>
+            </a:r>
+          </a:p>
+        </p:txBody>
+      </p:sp>
+      <p:pic>
+        <p:nvPicPr>
+          <p:cNvPr id="8" name="Picture 7" descr="A person in a black hat and grey jacket&#10;&#10;AI-generated content may be incorrect.">
             <a:extLst>
               <a:ext uri="{FF2B5EF4-FFF2-40B4-BE49-F238E27FC236}">
-                <a16:creationId xmlns:a16="http://schemas.microsoft.com/office/drawing/2014/main" id="{A6434215-EB18-FC0E-DC5C-C4C9D2B96828}"/>
+                <a16:creationId xmlns:a16="http://schemas.microsoft.com/office/drawing/2014/main" id="{22AE014C-4E50-7F37-BB2C-0852578A1C06}"/>
               </a:ext>
             </a:extLst>
           </p:cNvPr>
-          <p:cNvCxnSpPr>
-            <a:cxnSpLocks/>
-            <a:endCxn id="18" idx="3"/>
-          </p:cNvCxnSpPr>
+          <p:cNvPicPr>
+            <a:picLocks noChangeAspect="1"/>
+          </p:cNvPicPr>
           <p:nvPr/>
-        </p:nvCxnSpPr>
-        <p:spPr>
-          <a:xfrm flipH="1" flipV="1">
-            <a:off x="3342321" y="1026595"/>
-            <a:ext cx="1833157" cy="1152601"/>
-          </a:xfrm>
-          <a:prstGeom prst="straightConnector1">
-            <a:avLst/>
-          </a:prstGeom>
-          <a:ln w="38100">
-            <a:solidFill>
-              <a:schemeClr val="accent2"/>
-            </a:solidFill>
-            <a:headEnd type="triangle" w="med" len="med"/>
-            <a:tailEnd type="none" w="med" len="med"/>
-          </a:ln>
-        </p:spPr>
-        <p:style>
-          <a:lnRef idx="1">
-            <a:schemeClr val="accent1"/>
-          </a:lnRef>
-          <a:fillRef idx="0">
-            <a:schemeClr val="accent1"/>
-          </a:fillRef>
-          <a:effectRef idx="0">
-            <a:schemeClr val="accent1"/>
-          </a:effectRef>
-          <a:fontRef idx="minor">
-            <a:schemeClr val="tx1"/>
-          </a:fontRef>
-        </p:style>
-      </p:cxnSp>
-      <p:sp>
-        <p:nvSpPr>
-          <p:cNvPr id="11" name="TextBox 10">
-            <a:extLst>
-              <a:ext uri="{FF2B5EF4-FFF2-40B4-BE49-F238E27FC236}">
-                <a16:creationId xmlns:a16="http://schemas.microsoft.com/office/drawing/2014/main" id="{C77D54F8-349B-7E48-E043-C1B009E8A358}"/>
-              </a:ext>
-            </a:extLst>
-          </p:cNvPr>
-          <p:cNvSpPr txBox="1"/>
-          <p:nvPr/>
-        </p:nvSpPr>
+        </p:nvPicPr>
+        <p:blipFill>
+          <a:blip r:embed="rId2"/>
+          <a:stretch>
+            <a:fillRect/>
+          </a:stretch>
+        </p:blipFill>
         <p:spPr>
           <a:xfrm>
-            <a:off x="1756496" y="5498990"/>
-            <a:ext cx="1385379" cy="369332"/>
+            <a:off x="614917" y="2695353"/>
+            <a:ext cx="914400" cy="914400"/>
           </a:xfrm>
           <a:prstGeom prst="rect">
             <a:avLst/>
           </a:prstGeom>
-          <a:noFill/>
-        </p:spPr>
-        <p:txBody>
-          <a:bodyPr wrap="none" rtlCol="0">
-            <a:spAutoFit/>
-          </a:bodyPr>
-          <a:lstStyle/>
-          <a:p>
-            <a:r>
-              <a:rPr lang="en-US" dirty="0">
-                <a:solidFill>
-                  <a:schemeClr val="bg1"/>
-                </a:solidFill>
-              </a:rPr>
-              <a:t>Grade: 100%</a:t>
-            </a:r>
-          </a:p>
-        </p:txBody>
-      </p:sp>
-      <p:sp>
-        <p:nvSpPr>
-          <p:cNvPr id="12" name="TextBox 11">
+        </p:spPr>
+      </p:pic>
+      <p:sp>
+        <p:nvSpPr>
+          <p:cNvPr id="9" name="Rectangle 8">
             <a:extLst>
               <a:ext uri="{FF2B5EF4-FFF2-40B4-BE49-F238E27FC236}">
-                <a16:creationId xmlns:a16="http://schemas.microsoft.com/office/drawing/2014/main" id="{56A5EF57-3B7A-DA05-ADEC-F1AF23BD4EBE}"/>
-              </a:ext>
-            </a:extLst>
-          </p:cNvPr>
-          <p:cNvSpPr txBox="1"/>
-          <p:nvPr/>
-        </p:nvSpPr>
-        <p:spPr>
-          <a:xfrm>
-            <a:off x="2030257" y="253225"/>
-            <a:ext cx="585417" cy="369332"/>
-          </a:xfrm>
-          <a:prstGeom prst="rect">
-            <a:avLst/>
-          </a:prstGeom>
-          <a:noFill/>
-        </p:spPr>
-        <p:txBody>
-          <a:bodyPr wrap="none" rtlCol="0">
-            <a:spAutoFit/>
-          </a:bodyPr>
-          <a:lstStyle/>
-          <a:p>
-            <a:r>
-              <a:rPr lang="en-US" dirty="0"/>
-              <a:t>LMS</a:t>
-            </a:r>
-          </a:p>
-        </p:txBody>
-      </p:sp>
-      <p:sp>
-        <p:nvSpPr>
-          <p:cNvPr id="13" name="TextBox 12">
-            <a:extLst>
-              <a:ext uri="{FF2B5EF4-FFF2-40B4-BE49-F238E27FC236}">
-                <a16:creationId xmlns:a16="http://schemas.microsoft.com/office/drawing/2014/main" id="{C9C3A224-369C-C61B-0ADB-21057AFA87B6}"/>
-              </a:ext>
-            </a:extLst>
-          </p:cNvPr>
-          <p:cNvSpPr txBox="1"/>
-          <p:nvPr/>
-        </p:nvSpPr>
-        <p:spPr>
-          <a:xfrm>
-            <a:off x="5175478" y="128441"/>
-            <a:ext cx="1593257" cy="369332"/>
-          </a:xfrm>
-          <a:prstGeom prst="rect">
-            <a:avLst/>
-          </a:prstGeom>
-          <a:noFill/>
-        </p:spPr>
-        <p:txBody>
-          <a:bodyPr wrap="none" rtlCol="0">
-            <a:spAutoFit/>
-          </a:bodyPr>
-          <a:lstStyle/>
-          <a:p>
-            <a:r>
-              <a:rPr lang="en-US" dirty="0"/>
-              <a:t>www.dj4e.com</a:t>
-            </a:r>
-          </a:p>
-        </p:txBody>
-      </p:sp>
-      <p:sp>
-        <p:nvSpPr>
-          <p:cNvPr id="14" name="TextBox 13">
-            <a:extLst>
-              <a:ext uri="{FF2B5EF4-FFF2-40B4-BE49-F238E27FC236}">
-                <a16:creationId xmlns:a16="http://schemas.microsoft.com/office/drawing/2014/main" id="{33D73443-01F1-53AF-4344-E3551CD8944F}"/>
-              </a:ext>
-            </a:extLst>
-          </p:cNvPr>
-          <p:cNvSpPr txBox="1"/>
-          <p:nvPr/>
-        </p:nvSpPr>
-        <p:spPr>
-          <a:xfrm>
-            <a:off x="8930796" y="150865"/>
-            <a:ext cx="1979068" cy="369332"/>
-          </a:xfrm>
-          <a:prstGeom prst="rect">
-            <a:avLst/>
-          </a:prstGeom>
-          <a:noFill/>
-        </p:spPr>
-        <p:txBody>
-          <a:bodyPr wrap="none" rtlCol="0">
-            <a:spAutoFit/>
-          </a:bodyPr>
-          <a:lstStyle/>
-          <a:p>
-            <a:r>
-              <a:rPr lang="en-US" dirty="0"/>
-              <a:t>djtutorial.dj4e.com</a:t>
-            </a:r>
-          </a:p>
-        </p:txBody>
-      </p:sp>
-      <p:cxnSp>
-        <p:nvCxnSpPr>
-          <p:cNvPr id="15" name="Straight Arrow Connector 14">
-            <a:extLst>
-              <a:ext uri="{FF2B5EF4-FFF2-40B4-BE49-F238E27FC236}">
-                <a16:creationId xmlns:a16="http://schemas.microsoft.com/office/drawing/2014/main" id="{12C719AF-CDB5-7F37-2815-A7E7036F06C4}"/>
-              </a:ext>
-            </a:extLst>
-          </p:cNvPr>
-          <p:cNvCxnSpPr>
-            <a:cxnSpLocks/>
-            <a:stCxn id="11" idx="3"/>
-          </p:cNvCxnSpPr>
-          <p:nvPr/>
-        </p:nvCxnSpPr>
-        <p:spPr>
-          <a:xfrm flipV="1">
-            <a:off x="3141875" y="3701130"/>
-            <a:ext cx="2160381" cy="1982526"/>
-          </a:xfrm>
-          <a:prstGeom prst="straightConnector1">
-            <a:avLst/>
-          </a:prstGeom>
-          <a:ln w="38100">
-            <a:solidFill>
-              <a:schemeClr val="accent2"/>
-            </a:solidFill>
-            <a:headEnd type="triangle" w="med" len="med"/>
-            <a:tailEnd type="none" w="med" len="med"/>
-          </a:ln>
-        </p:spPr>
-        <p:style>
-          <a:lnRef idx="1">
-            <a:schemeClr val="accent1"/>
-          </a:lnRef>
-          <a:fillRef idx="0">
-            <a:schemeClr val="accent1"/>
-          </a:fillRef>
-          <a:effectRef idx="0">
-            <a:schemeClr val="accent1"/>
-          </a:effectRef>
-          <a:fontRef idx="minor">
-            <a:schemeClr val="tx1"/>
-          </a:fontRef>
-        </p:style>
-      </p:cxnSp>
-      <p:sp>
-        <p:nvSpPr>
-          <p:cNvPr id="18" name="Rounded Rectangle 17">
-            <a:extLst>
-              <a:ext uri="{FF2B5EF4-FFF2-40B4-BE49-F238E27FC236}">
-                <a16:creationId xmlns:a16="http://schemas.microsoft.com/office/drawing/2014/main" id="{A93FBFA8-8533-EA10-20CC-8D3518D0BF2D}"/>
+                <a16:creationId xmlns:a16="http://schemas.microsoft.com/office/drawing/2014/main" id="{CD642EF2-B4CD-CC61-9A71-3D1D3F373493}"/>
               </a:ext>
             </a:extLst>
           </p:cNvPr>
@@ -3937,63 +4157,14 @@
         </p:nvSpPr>
         <p:spPr>
           <a:xfrm>
-            <a:off x="1556052" y="841929"/>
-            <a:ext cx="1786269" cy="369332"/>
-          </a:xfrm>
-          <a:prstGeom prst="roundRect">
-            <a:avLst/>
-          </a:prstGeom>
-        </p:spPr>
-        <p:style>
-          <a:lnRef idx="2">
-            <a:schemeClr val="accent3">
-              <a:shade val="15000"/>
-            </a:schemeClr>
-          </a:lnRef>
-          <a:fillRef idx="1">
-            <a:schemeClr val="accent3"/>
-          </a:fillRef>
-          <a:effectRef idx="0">
-            <a:schemeClr val="accent3"/>
-          </a:effectRef>
-          <a:fontRef idx="minor">
-            <a:schemeClr val="lt1"/>
-          </a:fontRef>
-        </p:style>
-        <p:txBody>
-          <a:bodyPr rtlCol="0" anchor="ctr"/>
-          <a:lstStyle/>
-          <a:p>
-            <a:pPr algn="ctr"/>
-            <a:r>
-              <a:rPr lang="en-US" b="1" dirty="0"/>
-              <a:t>AG: Tutorial 01</a:t>
-            </a:r>
-          </a:p>
-        </p:txBody>
-      </p:sp>
-      <p:sp>
-        <p:nvSpPr>
-          <p:cNvPr id="20" name="Rounded Rectangle 19">
-            <a:extLst>
-              <a:ext uri="{FF2B5EF4-FFF2-40B4-BE49-F238E27FC236}">
-                <a16:creationId xmlns:a16="http://schemas.microsoft.com/office/drawing/2014/main" id="{0D9B0484-C982-32AA-65C1-7C61EE1AE934}"/>
-              </a:ext>
-            </a:extLst>
-          </p:cNvPr>
-          <p:cNvSpPr/>
-          <p:nvPr/>
-        </p:nvSpPr>
-        <p:spPr>
-          <a:xfrm>
-            <a:off x="5175478" y="1993666"/>
-            <a:ext cx="1567301" cy="371061"/>
-          </a:xfrm>
-          <a:prstGeom prst="roundRect">
+            <a:off x="5300330" y="2481943"/>
+            <a:ext cx="1307805" cy="1845503"/>
+          </a:xfrm>
+          <a:prstGeom prst="rect">
             <a:avLst/>
           </a:prstGeom>
           <a:solidFill>
-            <a:srgbClr val="094B33"/>
+            <a:srgbClr val="00B050"/>
           </a:solidFill>
         </p:spPr>
         <p:style>
@@ -4018,38 +4189,1030 @@
           <a:p>
             <a:pPr algn="ctr"/>
             <a:r>
-              <a:rPr lang="en-US" b="1" dirty="0"/>
+              <a:rPr lang="en-US" dirty="0"/>
+              <a:t>dj4e.com</a:t>
+            </a:r>
+          </a:p>
+        </p:txBody>
+      </p:sp>
+      <p:sp>
+        <p:nvSpPr>
+          <p:cNvPr id="10" name="Rectangle 9">
+            <a:extLst>
+              <a:ext uri="{FF2B5EF4-FFF2-40B4-BE49-F238E27FC236}">
+                <a16:creationId xmlns:a16="http://schemas.microsoft.com/office/drawing/2014/main" id="{A1F66A7A-6C0A-F342-6792-A179EAA6F862}"/>
+              </a:ext>
+            </a:extLst>
+          </p:cNvPr>
+          <p:cNvSpPr/>
+          <p:nvPr/>
+        </p:nvSpPr>
+        <p:spPr>
+          <a:xfrm>
+            <a:off x="5300330" y="5156791"/>
+            <a:ext cx="1307805" cy="712381"/>
+          </a:xfrm>
+          <a:prstGeom prst="rect">
+            <a:avLst/>
+          </a:prstGeom>
+          <a:solidFill>
+            <a:srgbClr val="7030A0"/>
+          </a:solidFill>
+          <a:ln>
+            <a:solidFill>
+              <a:schemeClr val="tx1"/>
+            </a:solidFill>
+          </a:ln>
+        </p:spPr>
+        <p:style>
+          <a:lnRef idx="2">
+            <a:schemeClr val="accent1">
+              <a:shade val="15000"/>
+            </a:schemeClr>
+          </a:lnRef>
+          <a:fillRef idx="1">
+            <a:schemeClr val="accent1"/>
+          </a:fillRef>
+          <a:effectRef idx="0">
+            <a:schemeClr val="accent1"/>
+          </a:effectRef>
+          <a:fontRef idx="minor">
+            <a:schemeClr val="lt1"/>
+          </a:fontRef>
+        </p:style>
+        <p:txBody>
+          <a:bodyPr rtlCol="0" anchor="ctr"/>
+          <a:lstStyle/>
+          <a:p>
+            <a:pPr algn="ctr"/>
+            <a:r>
+              <a:rPr lang="en-US" dirty="0"/>
+              <a:t>Gradebook</a:t>
+            </a:r>
+          </a:p>
+        </p:txBody>
+      </p:sp>
+      <p:sp>
+        <p:nvSpPr>
+          <p:cNvPr id="11" name="Left-Right Arrow 10">
+            <a:extLst>
+              <a:ext uri="{FF2B5EF4-FFF2-40B4-BE49-F238E27FC236}">
+                <a16:creationId xmlns:a16="http://schemas.microsoft.com/office/drawing/2014/main" id="{331E78AF-12AF-3D5A-55C6-25AD3DE25AB4}"/>
+              </a:ext>
+            </a:extLst>
+          </p:cNvPr>
+          <p:cNvSpPr/>
+          <p:nvPr/>
+        </p:nvSpPr>
+        <p:spPr>
+          <a:xfrm>
+            <a:off x="3413052" y="2950529"/>
+            <a:ext cx="1887279" cy="797442"/>
+          </a:xfrm>
+          <a:prstGeom prst="leftRightArrow">
+            <a:avLst/>
+          </a:prstGeom>
+        </p:spPr>
+        <p:style>
+          <a:lnRef idx="2">
+            <a:schemeClr val="accent1">
+              <a:shade val="15000"/>
+            </a:schemeClr>
+          </a:lnRef>
+          <a:fillRef idx="1">
+            <a:schemeClr val="accent1"/>
+          </a:fillRef>
+          <a:effectRef idx="0">
+            <a:schemeClr val="accent1"/>
+          </a:effectRef>
+          <a:fontRef idx="minor">
+            <a:schemeClr val="lt1"/>
+          </a:fontRef>
+        </p:style>
+        <p:txBody>
+          <a:bodyPr rtlCol="0" anchor="ctr"/>
+          <a:lstStyle/>
+          <a:p>
+            <a:pPr algn="ctr"/>
+            <a:r>
+              <a:rPr lang="en-US" dirty="0"/>
               <a:t>Evaluate</a:t>
+            </a:r>
+          </a:p>
+        </p:txBody>
+      </p:sp>
+      <p:sp>
+        <p:nvSpPr>
+          <p:cNvPr id="13" name="Down Arrow 12">
+            <a:extLst>
+              <a:ext uri="{FF2B5EF4-FFF2-40B4-BE49-F238E27FC236}">
+                <a16:creationId xmlns:a16="http://schemas.microsoft.com/office/drawing/2014/main" id="{6CADFD89-BF71-C900-DEC6-EF28349BECC1}"/>
+              </a:ext>
+            </a:extLst>
+          </p:cNvPr>
+          <p:cNvSpPr/>
+          <p:nvPr/>
+        </p:nvSpPr>
+        <p:spPr>
+          <a:xfrm>
+            <a:off x="5702596" y="4327446"/>
+            <a:ext cx="503273" cy="829345"/>
+          </a:xfrm>
+          <a:prstGeom prst="downArrow">
+            <a:avLst/>
+          </a:prstGeom>
+          <a:solidFill>
+            <a:srgbClr val="7030A0"/>
+          </a:solidFill>
+        </p:spPr>
+        <p:style>
+          <a:lnRef idx="2">
+            <a:schemeClr val="accent1">
+              <a:shade val="15000"/>
+            </a:schemeClr>
+          </a:lnRef>
+          <a:fillRef idx="1">
+            <a:schemeClr val="accent1"/>
+          </a:fillRef>
+          <a:effectRef idx="0">
+            <a:schemeClr val="accent1"/>
+          </a:effectRef>
+          <a:fontRef idx="minor">
+            <a:schemeClr val="lt1"/>
+          </a:fontRef>
+        </p:style>
+        <p:txBody>
+          <a:bodyPr rtlCol="0" anchor="ctr"/>
+          <a:lstStyle/>
+          <a:p>
+            <a:pPr algn="ctr"/>
+            <a:endParaRPr lang="en-US" dirty="0"/>
+          </a:p>
+        </p:txBody>
+      </p:sp>
+      <p:sp>
+        <p:nvSpPr>
+          <p:cNvPr id="14" name="TextBox 13">
+            <a:extLst>
+              <a:ext uri="{FF2B5EF4-FFF2-40B4-BE49-F238E27FC236}">
+                <a16:creationId xmlns:a16="http://schemas.microsoft.com/office/drawing/2014/main" id="{BA1F383E-E548-5ABF-7D15-80266408812B}"/>
+              </a:ext>
+            </a:extLst>
+          </p:cNvPr>
+          <p:cNvSpPr txBox="1"/>
+          <p:nvPr/>
+        </p:nvSpPr>
+        <p:spPr>
+          <a:xfrm>
+            <a:off x="4672382" y="5328315"/>
+            <a:ext cx="585417" cy="369332"/>
+          </a:xfrm>
+          <a:prstGeom prst="rect">
+            <a:avLst/>
+          </a:prstGeom>
+          <a:noFill/>
+        </p:spPr>
+        <p:txBody>
+          <a:bodyPr wrap="none" rtlCol="0">
+            <a:spAutoFit/>
+          </a:bodyPr>
+          <a:lstStyle/>
+          <a:p>
+            <a:r>
+              <a:rPr lang="en-US" dirty="0"/>
+              <a:t>LMS</a:t>
+            </a:r>
+          </a:p>
+        </p:txBody>
+      </p:sp>
+      <p:sp>
+        <p:nvSpPr>
+          <p:cNvPr id="15" name="TextBox 14">
+            <a:extLst>
+              <a:ext uri="{FF2B5EF4-FFF2-40B4-BE49-F238E27FC236}">
+                <a16:creationId xmlns:a16="http://schemas.microsoft.com/office/drawing/2014/main" id="{F208B3C3-277F-1EF7-CF2E-E4CDF4644DDF}"/>
+              </a:ext>
+            </a:extLst>
+          </p:cNvPr>
+          <p:cNvSpPr txBox="1"/>
+          <p:nvPr/>
+        </p:nvSpPr>
+        <p:spPr>
+          <a:xfrm>
+            <a:off x="5251267" y="4475384"/>
+            <a:ext cx="435440" cy="369332"/>
+          </a:xfrm>
+          <a:prstGeom prst="rect">
+            <a:avLst/>
+          </a:prstGeom>
+          <a:noFill/>
+        </p:spPr>
+        <p:txBody>
+          <a:bodyPr wrap="none" rtlCol="0">
+            <a:spAutoFit/>
+          </a:bodyPr>
+          <a:lstStyle/>
+          <a:p>
+            <a:r>
+              <a:rPr lang="en-US" dirty="0"/>
+              <a:t>LTI</a:t>
+            </a:r>
+          </a:p>
+        </p:txBody>
+      </p:sp>
+      <p:sp>
+        <p:nvSpPr>
+          <p:cNvPr id="19" name="TextBox 18">
+            <a:extLst>
+              <a:ext uri="{FF2B5EF4-FFF2-40B4-BE49-F238E27FC236}">
+                <a16:creationId xmlns:a16="http://schemas.microsoft.com/office/drawing/2014/main" id="{F33C7F20-EC47-FB6D-F415-43304566F29E}"/>
+              </a:ext>
+            </a:extLst>
+          </p:cNvPr>
+          <p:cNvSpPr txBox="1"/>
+          <p:nvPr/>
+        </p:nvSpPr>
+        <p:spPr>
+          <a:xfrm>
+            <a:off x="5669935" y="1878428"/>
+            <a:ext cx="736099" cy="369332"/>
+          </a:xfrm>
+          <a:prstGeom prst="rect">
+            <a:avLst/>
+          </a:prstGeom>
+          <a:noFill/>
+        </p:spPr>
+        <p:txBody>
+          <a:bodyPr wrap="none" rtlCol="0">
+            <a:spAutoFit/>
+          </a:bodyPr>
+          <a:lstStyle/>
+          <a:p>
+            <a:r>
+              <a:rPr lang="en-US" dirty="0"/>
+              <a:t>HTML</a:t>
+            </a:r>
+          </a:p>
+        </p:txBody>
+      </p:sp>
+      <p:sp>
+        <p:nvSpPr>
+          <p:cNvPr id="33" name="Left-Right Arrow 32">
+            <a:extLst>
+              <a:ext uri="{FF2B5EF4-FFF2-40B4-BE49-F238E27FC236}">
+                <a16:creationId xmlns:a16="http://schemas.microsoft.com/office/drawing/2014/main" id="{88F04285-C65E-1D14-254F-D61D77AA1A80}"/>
+              </a:ext>
+            </a:extLst>
+          </p:cNvPr>
+          <p:cNvSpPr/>
+          <p:nvPr/>
+        </p:nvSpPr>
+        <p:spPr>
+          <a:xfrm>
+            <a:off x="6608135" y="2973165"/>
+            <a:ext cx="1887278" cy="797442"/>
+          </a:xfrm>
+          <a:prstGeom prst="leftRightArrow">
+            <a:avLst/>
+          </a:prstGeom>
+          <a:solidFill>
+            <a:srgbClr val="00B050"/>
+          </a:solidFill>
+        </p:spPr>
+        <p:style>
+          <a:lnRef idx="2">
+            <a:schemeClr val="accent1">
+              <a:shade val="15000"/>
+            </a:schemeClr>
+          </a:lnRef>
+          <a:fillRef idx="1">
+            <a:schemeClr val="accent1"/>
+          </a:fillRef>
+          <a:effectRef idx="0">
+            <a:schemeClr val="accent1"/>
+          </a:effectRef>
+          <a:fontRef idx="minor">
+            <a:schemeClr val="lt1"/>
+          </a:fontRef>
+        </p:style>
+        <p:txBody>
+          <a:bodyPr rtlCol="0" anchor="ctr"/>
+          <a:lstStyle/>
+          <a:p>
+            <a:pPr algn="ctr"/>
+            <a:r>
+              <a:rPr lang="en-US" dirty="0"/>
+              <a:t>Test</a:t>
+            </a:r>
+          </a:p>
+        </p:txBody>
+      </p:sp>
+      <p:sp>
+        <p:nvSpPr>
+          <p:cNvPr id="34" name="TextBox 33">
+            <a:extLst>
+              <a:ext uri="{FF2B5EF4-FFF2-40B4-BE49-F238E27FC236}">
+                <a16:creationId xmlns:a16="http://schemas.microsoft.com/office/drawing/2014/main" id="{5883D497-AF0A-EF31-1949-84375928E261}"/>
+              </a:ext>
+            </a:extLst>
+          </p:cNvPr>
+          <p:cNvSpPr txBox="1"/>
+          <p:nvPr/>
+        </p:nvSpPr>
+        <p:spPr>
+          <a:xfrm>
+            <a:off x="7214213" y="2838929"/>
+            <a:ext cx="675121" cy="369332"/>
+          </a:xfrm>
+          <a:prstGeom prst="rect">
+            <a:avLst/>
+          </a:prstGeom>
+          <a:noFill/>
+        </p:spPr>
+        <p:txBody>
+          <a:bodyPr wrap="none" rtlCol="0">
+            <a:spAutoFit/>
+          </a:bodyPr>
+          <a:lstStyle/>
+          <a:p>
+            <a:r>
+              <a:rPr lang="en-US" dirty="0"/>
+              <a:t>HTTP</a:t>
+            </a:r>
+          </a:p>
+        </p:txBody>
+      </p:sp>
+      <p:sp>
+        <p:nvSpPr>
+          <p:cNvPr id="35" name="TextBox 34">
+            <a:extLst>
+              <a:ext uri="{FF2B5EF4-FFF2-40B4-BE49-F238E27FC236}">
+                <a16:creationId xmlns:a16="http://schemas.microsoft.com/office/drawing/2014/main" id="{287FD7EA-8B65-D50C-DCD2-221B2FD81E7F}"/>
+              </a:ext>
+            </a:extLst>
+          </p:cNvPr>
+          <p:cNvSpPr txBox="1"/>
+          <p:nvPr/>
+        </p:nvSpPr>
+        <p:spPr>
+          <a:xfrm>
+            <a:off x="7183723" y="3585941"/>
+            <a:ext cx="736099" cy="369332"/>
+          </a:xfrm>
+          <a:prstGeom prst="rect">
+            <a:avLst/>
+          </a:prstGeom>
+          <a:noFill/>
+        </p:spPr>
+        <p:txBody>
+          <a:bodyPr wrap="none" rtlCol="0">
+            <a:spAutoFit/>
+          </a:bodyPr>
+          <a:lstStyle/>
+          <a:p>
+            <a:r>
+              <a:rPr lang="en-US" dirty="0"/>
+              <a:t>HTML</a:t>
+            </a:r>
+          </a:p>
+        </p:txBody>
+      </p:sp>
+      <p:sp>
+        <p:nvSpPr>
+          <p:cNvPr id="36" name="TextBox 35">
+            <a:extLst>
+              <a:ext uri="{FF2B5EF4-FFF2-40B4-BE49-F238E27FC236}">
+                <a16:creationId xmlns:a16="http://schemas.microsoft.com/office/drawing/2014/main" id="{C75E6FF4-43B3-6FD9-96F7-6B7814C47868}"/>
+              </a:ext>
+            </a:extLst>
+          </p:cNvPr>
+          <p:cNvSpPr txBox="1"/>
+          <p:nvPr/>
+        </p:nvSpPr>
+        <p:spPr>
+          <a:xfrm>
+            <a:off x="5669935" y="1083830"/>
+            <a:ext cx="675121" cy="369332"/>
+          </a:xfrm>
+          <a:prstGeom prst="rect">
+            <a:avLst/>
+          </a:prstGeom>
+          <a:noFill/>
+        </p:spPr>
+        <p:txBody>
+          <a:bodyPr wrap="none" rtlCol="0">
+            <a:spAutoFit/>
+          </a:bodyPr>
+          <a:lstStyle/>
+          <a:p>
+            <a:r>
+              <a:rPr lang="en-US" dirty="0"/>
+              <a:t>HTTP</a:t>
+            </a:r>
+          </a:p>
+        </p:txBody>
+      </p:sp>
+    </p:spTree>
+    <p:extLst>
+      <p:ext uri="{BB962C8B-B14F-4D97-AF65-F5344CB8AC3E}">
+        <p14:creationId xmlns:p14="http://schemas.microsoft.com/office/powerpoint/2010/main" val="1260760510"/>
+      </p:ext>
+    </p:extLst>
+  </p:cSld>
+  <p:clrMapOvr>
+    <a:masterClrMapping/>
+  </p:clrMapOvr>
+</p:sld>
+</file>
+
+<file path=ppt/slides/slide5.xml><?xml version="1.0" encoding="utf-8"?>
+<p:sld xmlns:a="http://schemas.openxmlformats.org/drawingml/2006/main" xmlns:r="http://schemas.openxmlformats.org/officeDocument/2006/relationships" xmlns:p="http://schemas.openxmlformats.org/presentationml/2006/main">
+  <p:cSld>
+    <p:spTree>
+      <p:nvGrpSpPr>
+        <p:cNvPr id="1" name="">
+          <a:extLst>
+            <a:ext uri="{FF2B5EF4-FFF2-40B4-BE49-F238E27FC236}">
+              <a16:creationId xmlns:a16="http://schemas.microsoft.com/office/drawing/2014/main" id="{AFC48F48-9718-D9BA-CC1B-1627D1A269AA}"/>
+            </a:ext>
+          </a:extLst>
+        </p:cNvPr>
+        <p:cNvGrpSpPr/>
+        <p:nvPr/>
+      </p:nvGrpSpPr>
+      <p:grpSpPr>
+        <a:xfrm>
+          <a:off x="0" y="0"/>
+          <a:ext cx="0" cy="0"/>
+          <a:chOff x="0" y="0"/>
+          <a:chExt cx="0" cy="0"/>
+        </a:xfrm>
+      </p:grpSpPr>
+      <p:sp>
+        <p:nvSpPr>
+          <p:cNvPr id="4" name="Rectangle 3">
+            <a:extLst>
+              <a:ext uri="{FF2B5EF4-FFF2-40B4-BE49-F238E27FC236}">
+                <a16:creationId xmlns:a16="http://schemas.microsoft.com/office/drawing/2014/main" id="{87F5C84B-14D0-313B-69A4-5399A023026B}"/>
+              </a:ext>
+            </a:extLst>
+          </p:cNvPr>
+          <p:cNvSpPr/>
+          <p:nvPr/>
+        </p:nvSpPr>
+        <p:spPr>
+          <a:xfrm>
+            <a:off x="8495414" y="861237"/>
+            <a:ext cx="3253563" cy="5007935"/>
+          </a:xfrm>
+          <a:prstGeom prst="rect">
+            <a:avLst/>
+          </a:prstGeom>
+        </p:spPr>
+        <p:style>
+          <a:lnRef idx="2">
+            <a:schemeClr val="accent1">
+              <a:shade val="15000"/>
+            </a:schemeClr>
+          </a:lnRef>
+          <a:fillRef idx="1">
+            <a:schemeClr val="accent1"/>
+          </a:fillRef>
+          <a:effectRef idx="0">
+            <a:schemeClr val="accent1"/>
+          </a:effectRef>
+          <a:fontRef idx="minor">
+            <a:schemeClr val="lt1"/>
+          </a:fontRef>
+        </p:style>
+        <p:txBody>
+          <a:bodyPr rtlCol="0" anchor="ctr"/>
+          <a:lstStyle/>
+          <a:p>
+            <a:pPr algn="ctr"/>
+            <a:r>
+              <a:rPr lang="en-US" dirty="0" err="1"/>
+              <a:t>drchuck.pythonanywhere.com</a:t>
+            </a:r>
+            <a:endParaRPr lang="en-US" dirty="0"/>
+          </a:p>
+          <a:p>
+            <a:pPr algn="ctr"/>
+            <a:endParaRPr lang="en-US" dirty="0"/>
+          </a:p>
+          <a:p>
+            <a:pPr algn="ctr"/>
+            <a:r>
+              <a:rPr lang="en-US" dirty="0" err="1"/>
+              <a:t>settings.py</a:t>
+            </a:r>
+            <a:endParaRPr lang="en-US" dirty="0"/>
+          </a:p>
+          <a:p>
+            <a:pPr algn="ctr"/>
+            <a:r>
+              <a:rPr lang="en-US" dirty="0" err="1"/>
+              <a:t>mysite</a:t>
+            </a:r>
+            <a:r>
+              <a:rPr lang="en-US" dirty="0"/>
+              <a:t>/</a:t>
+            </a:r>
+            <a:r>
+              <a:rPr lang="en-US" dirty="0" err="1"/>
+              <a:t>urls.py</a:t>
+            </a:r>
+            <a:endParaRPr lang="en-US" dirty="0"/>
+          </a:p>
+          <a:p>
+            <a:pPr algn="ctr"/>
+            <a:r>
+              <a:rPr lang="en-US" dirty="0"/>
+              <a:t>polls/</a:t>
+            </a:r>
+            <a:r>
+              <a:rPr lang="en-US" dirty="0" err="1"/>
+              <a:t>urls.py</a:t>
+            </a:r>
+            <a:endParaRPr lang="en-US" dirty="0"/>
+          </a:p>
+          <a:p>
+            <a:pPr algn="ctr"/>
+            <a:r>
+              <a:rPr lang="en-US" dirty="0"/>
+              <a:t>polls/</a:t>
+            </a:r>
+            <a:r>
+              <a:rPr lang="en-US" dirty="0" err="1"/>
+              <a:t>views.py</a:t>
+            </a:r>
+            <a:endParaRPr lang="en-US" dirty="0"/>
+          </a:p>
+          <a:p>
+            <a:pPr algn="ctr"/>
+            <a:r>
+              <a:rPr lang="en-US" dirty="0"/>
+              <a:t>magic codes</a:t>
+            </a:r>
+          </a:p>
+          <a:p>
+            <a:pPr algn="ctr"/>
+            <a:r>
+              <a:rPr lang="en-US" dirty="0"/>
+              <a:t>signatures</a:t>
+            </a:r>
+          </a:p>
+          <a:p>
+            <a:pPr algn="ctr"/>
+            <a:endParaRPr lang="en-US" dirty="0"/>
+          </a:p>
+        </p:txBody>
+      </p:sp>
+      <p:sp>
+        <p:nvSpPr>
+          <p:cNvPr id="5" name="Rectangle 4">
+            <a:extLst>
+              <a:ext uri="{FF2B5EF4-FFF2-40B4-BE49-F238E27FC236}">
+                <a16:creationId xmlns:a16="http://schemas.microsoft.com/office/drawing/2014/main" id="{E783863E-73E6-A144-BE5B-30FF1C189A41}"/>
+              </a:ext>
+            </a:extLst>
+          </p:cNvPr>
+          <p:cNvSpPr/>
+          <p:nvPr/>
+        </p:nvSpPr>
+        <p:spPr>
+          <a:xfrm>
+            <a:off x="1981201" y="925032"/>
+            <a:ext cx="1431851" cy="5007935"/>
+          </a:xfrm>
+          <a:prstGeom prst="rect">
+            <a:avLst/>
+          </a:prstGeom>
+        </p:spPr>
+        <p:style>
+          <a:lnRef idx="2">
+            <a:schemeClr val="accent1">
+              <a:shade val="15000"/>
+            </a:schemeClr>
+          </a:lnRef>
+          <a:fillRef idx="1">
+            <a:schemeClr val="accent1"/>
+          </a:fillRef>
+          <a:effectRef idx="0">
+            <a:schemeClr val="accent1"/>
+          </a:effectRef>
+          <a:fontRef idx="minor">
+            <a:schemeClr val="lt1"/>
+          </a:fontRef>
+        </p:style>
+        <p:txBody>
+          <a:bodyPr rtlCol="0" anchor="ctr"/>
+          <a:lstStyle/>
+          <a:p>
+            <a:pPr algn="ctr"/>
+            <a:r>
+              <a:rPr lang="en-US" dirty="0"/>
+              <a:t>Browser</a:t>
+            </a:r>
+          </a:p>
+          <a:p>
+            <a:pPr algn="ctr"/>
+            <a:r>
+              <a:rPr lang="en-US" dirty="0" err="1"/>
+              <a:t>FireFox</a:t>
+            </a:r>
+            <a:endParaRPr lang="en-US" dirty="0"/>
+          </a:p>
+          <a:p>
+            <a:pPr algn="ctr"/>
+            <a:r>
+              <a:rPr lang="en-US" dirty="0"/>
+              <a:t>Chrome</a:t>
+            </a:r>
+          </a:p>
+        </p:txBody>
+      </p:sp>
+      <p:sp>
+        <p:nvSpPr>
+          <p:cNvPr id="6" name="Left-Right Arrow 5">
+            <a:extLst>
+              <a:ext uri="{FF2B5EF4-FFF2-40B4-BE49-F238E27FC236}">
+                <a16:creationId xmlns:a16="http://schemas.microsoft.com/office/drawing/2014/main" id="{5750F831-57B7-2840-77AA-C7AF23A48B11}"/>
+              </a:ext>
+            </a:extLst>
+          </p:cNvPr>
+          <p:cNvSpPr/>
+          <p:nvPr/>
+        </p:nvSpPr>
+        <p:spPr>
+          <a:xfrm>
+            <a:off x="3413052" y="1233377"/>
+            <a:ext cx="4997301" cy="797442"/>
+          </a:xfrm>
+          <a:prstGeom prst="leftRightArrow">
+            <a:avLst/>
+          </a:prstGeom>
+        </p:spPr>
+        <p:style>
+          <a:lnRef idx="2">
+            <a:schemeClr val="accent1">
+              <a:shade val="15000"/>
+            </a:schemeClr>
+          </a:lnRef>
+          <a:fillRef idx="1">
+            <a:schemeClr val="accent1"/>
+          </a:fillRef>
+          <a:effectRef idx="0">
+            <a:schemeClr val="accent1"/>
+          </a:effectRef>
+          <a:fontRef idx="minor">
+            <a:schemeClr val="lt1"/>
+          </a:fontRef>
+        </p:style>
+        <p:txBody>
+          <a:bodyPr rtlCol="0" anchor="ctr"/>
+          <a:lstStyle/>
+          <a:p>
+            <a:pPr algn="ctr"/>
+            <a:r>
+              <a:rPr lang="en-US" dirty="0"/>
+              <a:t>Develop / Test</a:t>
+            </a:r>
+          </a:p>
+        </p:txBody>
+      </p:sp>
+      <p:pic>
+        <p:nvPicPr>
+          <p:cNvPr id="8" name="Picture 7" descr="A person in a black hat and grey jacket&#10;&#10;AI-generated content may be incorrect.">
+            <a:extLst>
+              <a:ext uri="{FF2B5EF4-FFF2-40B4-BE49-F238E27FC236}">
+                <a16:creationId xmlns:a16="http://schemas.microsoft.com/office/drawing/2014/main" id="{B64C9DE7-6850-3566-B644-46C0BDCD2CB6}"/>
+              </a:ext>
+            </a:extLst>
+          </p:cNvPr>
+          <p:cNvPicPr>
+            <a:picLocks noChangeAspect="1"/>
+          </p:cNvPicPr>
+          <p:nvPr/>
+        </p:nvPicPr>
+        <p:blipFill>
+          <a:blip r:embed="rId2"/>
+          <a:stretch>
+            <a:fillRect/>
+          </a:stretch>
+        </p:blipFill>
+        <p:spPr>
+          <a:xfrm>
+            <a:off x="614917" y="2695353"/>
+            <a:ext cx="914400" cy="914400"/>
+          </a:xfrm>
+          <a:prstGeom prst="rect">
+            <a:avLst/>
+          </a:prstGeom>
+        </p:spPr>
+      </p:pic>
+      <p:sp>
+        <p:nvSpPr>
+          <p:cNvPr id="9" name="Rectangle 8">
+            <a:extLst>
+              <a:ext uri="{FF2B5EF4-FFF2-40B4-BE49-F238E27FC236}">
+                <a16:creationId xmlns:a16="http://schemas.microsoft.com/office/drawing/2014/main" id="{7CA65433-A6FA-9E45-B41E-C1DA417474B7}"/>
+              </a:ext>
+            </a:extLst>
+          </p:cNvPr>
+          <p:cNvSpPr/>
+          <p:nvPr/>
+        </p:nvSpPr>
+        <p:spPr>
+          <a:xfrm>
+            <a:off x="5300330" y="2481943"/>
+            <a:ext cx="1307805" cy="1845503"/>
+          </a:xfrm>
+          <a:prstGeom prst="rect">
+            <a:avLst/>
+          </a:prstGeom>
+          <a:solidFill>
+            <a:srgbClr val="00B050"/>
+          </a:solidFill>
+        </p:spPr>
+        <p:style>
+          <a:lnRef idx="2">
+            <a:schemeClr val="accent1">
+              <a:shade val="15000"/>
+            </a:schemeClr>
+          </a:lnRef>
+          <a:fillRef idx="1">
+            <a:schemeClr val="accent1"/>
+          </a:fillRef>
+          <a:effectRef idx="0">
+            <a:schemeClr val="accent1"/>
+          </a:effectRef>
+          <a:fontRef idx="minor">
+            <a:schemeClr val="lt1"/>
+          </a:fontRef>
+        </p:style>
+        <p:txBody>
+          <a:bodyPr rtlCol="0" anchor="ctr"/>
+          <a:lstStyle/>
+          <a:p>
+            <a:pPr algn="ctr"/>
+            <a:r>
+              <a:rPr lang="en-US" dirty="0"/>
+              <a:t>dj4e.com</a:t>
+            </a:r>
+          </a:p>
+        </p:txBody>
+      </p:sp>
+      <p:sp>
+        <p:nvSpPr>
+          <p:cNvPr id="10" name="Rectangle 9">
+            <a:extLst>
+              <a:ext uri="{FF2B5EF4-FFF2-40B4-BE49-F238E27FC236}">
+                <a16:creationId xmlns:a16="http://schemas.microsoft.com/office/drawing/2014/main" id="{90D3989D-416C-6A03-D0CC-6B47F714797C}"/>
+              </a:ext>
+            </a:extLst>
+          </p:cNvPr>
+          <p:cNvSpPr/>
+          <p:nvPr/>
+        </p:nvSpPr>
+        <p:spPr>
+          <a:xfrm>
+            <a:off x="5300330" y="5156791"/>
+            <a:ext cx="1307805" cy="712381"/>
+          </a:xfrm>
+          <a:prstGeom prst="rect">
+            <a:avLst/>
+          </a:prstGeom>
+          <a:solidFill>
+            <a:srgbClr val="7030A0"/>
+          </a:solidFill>
+          <a:ln>
+            <a:solidFill>
+              <a:schemeClr val="tx1"/>
+            </a:solidFill>
+          </a:ln>
+        </p:spPr>
+        <p:style>
+          <a:lnRef idx="2">
+            <a:schemeClr val="accent1">
+              <a:shade val="15000"/>
+            </a:schemeClr>
+          </a:lnRef>
+          <a:fillRef idx="1">
+            <a:schemeClr val="accent1"/>
+          </a:fillRef>
+          <a:effectRef idx="0">
+            <a:schemeClr val="accent1"/>
+          </a:effectRef>
+          <a:fontRef idx="minor">
+            <a:schemeClr val="lt1"/>
+          </a:fontRef>
+        </p:style>
+        <p:txBody>
+          <a:bodyPr rtlCol="0" anchor="ctr"/>
+          <a:lstStyle/>
+          <a:p>
+            <a:pPr algn="ctr"/>
+            <a:r>
+              <a:rPr lang="en-US" dirty="0"/>
+              <a:t>Gradebook</a:t>
+            </a:r>
+          </a:p>
+        </p:txBody>
+      </p:sp>
+      <p:sp>
+        <p:nvSpPr>
+          <p:cNvPr id="11" name="Left-Right Arrow 10">
+            <a:extLst>
+              <a:ext uri="{FF2B5EF4-FFF2-40B4-BE49-F238E27FC236}">
+                <a16:creationId xmlns:a16="http://schemas.microsoft.com/office/drawing/2014/main" id="{0F44AFF8-0145-97D4-44CA-6FF3161FC194}"/>
+              </a:ext>
+            </a:extLst>
+          </p:cNvPr>
+          <p:cNvSpPr/>
+          <p:nvPr/>
+        </p:nvSpPr>
+        <p:spPr>
+          <a:xfrm>
+            <a:off x="3413052" y="2950529"/>
+            <a:ext cx="1887279" cy="797442"/>
+          </a:xfrm>
+          <a:prstGeom prst="leftRightArrow">
+            <a:avLst/>
+          </a:prstGeom>
+        </p:spPr>
+        <p:style>
+          <a:lnRef idx="2">
+            <a:schemeClr val="accent1">
+              <a:shade val="15000"/>
+            </a:schemeClr>
+          </a:lnRef>
+          <a:fillRef idx="1">
+            <a:schemeClr val="accent1"/>
+          </a:fillRef>
+          <a:effectRef idx="0">
+            <a:schemeClr val="accent1"/>
+          </a:effectRef>
+          <a:fontRef idx="minor">
+            <a:schemeClr val="lt1"/>
+          </a:fontRef>
+        </p:style>
+        <p:txBody>
+          <a:bodyPr rtlCol="0" anchor="ctr"/>
+          <a:lstStyle/>
+          <a:p>
+            <a:pPr algn="ctr"/>
+            <a:r>
+              <a:rPr lang="en-US" dirty="0"/>
+              <a:t>Evaluate</a:t>
+            </a:r>
+          </a:p>
+        </p:txBody>
+      </p:sp>
+      <p:sp>
+        <p:nvSpPr>
+          <p:cNvPr id="13" name="Down Arrow 12">
+            <a:extLst>
+              <a:ext uri="{FF2B5EF4-FFF2-40B4-BE49-F238E27FC236}">
+                <a16:creationId xmlns:a16="http://schemas.microsoft.com/office/drawing/2014/main" id="{F232ABB2-0FF8-9CAF-6465-887B6FACB2E8}"/>
+              </a:ext>
+            </a:extLst>
+          </p:cNvPr>
+          <p:cNvSpPr/>
+          <p:nvPr/>
+        </p:nvSpPr>
+        <p:spPr>
+          <a:xfrm>
+            <a:off x="5702596" y="4327446"/>
+            <a:ext cx="503273" cy="829345"/>
+          </a:xfrm>
+          <a:prstGeom prst="downArrow">
+            <a:avLst/>
+          </a:prstGeom>
+          <a:solidFill>
+            <a:srgbClr val="7030A0"/>
+          </a:solidFill>
+        </p:spPr>
+        <p:style>
+          <a:lnRef idx="2">
+            <a:schemeClr val="accent1">
+              <a:shade val="15000"/>
+            </a:schemeClr>
+          </a:lnRef>
+          <a:fillRef idx="1">
+            <a:schemeClr val="accent1"/>
+          </a:fillRef>
+          <a:effectRef idx="0">
+            <a:schemeClr val="accent1"/>
+          </a:effectRef>
+          <a:fontRef idx="minor">
+            <a:schemeClr val="lt1"/>
+          </a:fontRef>
+        </p:style>
+        <p:txBody>
+          <a:bodyPr rtlCol="0" anchor="ctr"/>
+          <a:lstStyle/>
+          <a:p>
+            <a:pPr algn="ctr"/>
+            <a:endParaRPr lang="en-US" dirty="0"/>
+          </a:p>
+        </p:txBody>
+      </p:sp>
+      <p:sp>
+        <p:nvSpPr>
+          <p:cNvPr id="14" name="TextBox 13">
+            <a:extLst>
+              <a:ext uri="{FF2B5EF4-FFF2-40B4-BE49-F238E27FC236}">
+                <a16:creationId xmlns:a16="http://schemas.microsoft.com/office/drawing/2014/main" id="{53AE4A2F-FC18-5611-8D56-308844FDD408}"/>
+              </a:ext>
+            </a:extLst>
+          </p:cNvPr>
+          <p:cNvSpPr txBox="1"/>
+          <p:nvPr/>
+        </p:nvSpPr>
+        <p:spPr>
+          <a:xfrm>
+            <a:off x="4672382" y="5328315"/>
+            <a:ext cx="585417" cy="369332"/>
+          </a:xfrm>
+          <a:prstGeom prst="rect">
+            <a:avLst/>
+          </a:prstGeom>
+          <a:noFill/>
+        </p:spPr>
+        <p:txBody>
+          <a:bodyPr wrap="none" rtlCol="0">
+            <a:spAutoFit/>
+          </a:bodyPr>
+          <a:lstStyle/>
+          <a:p>
+            <a:r>
+              <a:rPr lang="en-US" dirty="0"/>
+              <a:t>LMS</a:t>
+            </a:r>
+          </a:p>
+        </p:txBody>
+      </p:sp>
+      <p:sp>
+        <p:nvSpPr>
+          <p:cNvPr id="15" name="TextBox 14">
+            <a:extLst>
+              <a:ext uri="{FF2B5EF4-FFF2-40B4-BE49-F238E27FC236}">
+                <a16:creationId xmlns:a16="http://schemas.microsoft.com/office/drawing/2014/main" id="{CAAAD289-1A5E-CF1B-AD69-75E57C32182F}"/>
+              </a:ext>
+            </a:extLst>
+          </p:cNvPr>
+          <p:cNvSpPr txBox="1"/>
+          <p:nvPr/>
+        </p:nvSpPr>
+        <p:spPr>
+          <a:xfrm>
+            <a:off x="5251267" y="4475384"/>
+            <a:ext cx="435440" cy="369332"/>
+          </a:xfrm>
+          <a:prstGeom prst="rect">
+            <a:avLst/>
+          </a:prstGeom>
+          <a:noFill/>
+        </p:spPr>
+        <p:txBody>
+          <a:bodyPr wrap="none" rtlCol="0">
+            <a:spAutoFit/>
+          </a:bodyPr>
+          <a:lstStyle/>
+          <a:p>
+            <a:r>
+              <a:rPr lang="en-US" dirty="0"/>
+              <a:t>LTI</a:t>
             </a:r>
           </a:p>
         </p:txBody>
       </p:sp>
       <p:cxnSp>
         <p:nvCxnSpPr>
-          <p:cNvPr id="31" name="Straight Arrow Connector 30">
+          <p:cNvPr id="2" name="Straight Arrow Connector 1">
             <a:extLst>
               <a:ext uri="{FF2B5EF4-FFF2-40B4-BE49-F238E27FC236}">
-                <a16:creationId xmlns:a16="http://schemas.microsoft.com/office/drawing/2014/main" id="{FFDDA653-0C9F-D400-2DD7-6DDD35D5A030}"/>
+                <a16:creationId xmlns:a16="http://schemas.microsoft.com/office/drawing/2014/main" id="{46B866E2-D0A2-AC6F-53FC-88ABC2DE3EC9}"/>
               </a:ext>
             </a:extLst>
           </p:cNvPr>
           <p:cNvCxnSpPr>
             <a:cxnSpLocks/>
-            <a:stCxn id="6" idx="1"/>
           </p:cNvCxnSpPr>
           <p:nvPr/>
         </p:nvCxnSpPr>
         <p:spPr>
-          <a:xfrm flipH="1" flipV="1">
-            <a:off x="6730914" y="3167270"/>
-            <a:ext cx="2094263" cy="261730"/>
+          <a:xfrm flipH="1">
+            <a:off x="6618001" y="2620711"/>
+            <a:ext cx="1867547" cy="0"/>
           </a:xfrm>
           <a:prstGeom prst="straightConnector1">
             <a:avLst/>
           </a:prstGeom>
           <a:ln w="38100">
             <a:solidFill>
-              <a:schemeClr val="accent2"/>
+              <a:srgbClr val="00B050"/>
             </a:solidFill>
             <a:headEnd type="triangle" w="med" len="med"/>
             <a:tailEnd type="none" w="med" len="med"/>
@@ -4072,30 +5235,29 @@
       </p:cxnSp>
       <p:cxnSp>
         <p:nvCxnSpPr>
-          <p:cNvPr id="32" name="Straight Arrow Connector 31">
+          <p:cNvPr id="3" name="Straight Arrow Connector 2">
             <a:extLst>
               <a:ext uri="{FF2B5EF4-FFF2-40B4-BE49-F238E27FC236}">
-                <a16:creationId xmlns:a16="http://schemas.microsoft.com/office/drawing/2014/main" id="{3A6C80AF-1EBD-F65B-0784-779C99E76265}"/>
+                <a16:creationId xmlns:a16="http://schemas.microsoft.com/office/drawing/2014/main" id="{E9B57383-207C-CCBD-E9A9-0D77423DF8E4}"/>
               </a:ext>
             </a:extLst>
           </p:cNvPr>
           <p:cNvCxnSpPr>
             <a:cxnSpLocks/>
-            <a:endCxn id="6" idx="1"/>
           </p:cNvCxnSpPr>
           <p:nvPr/>
         </p:nvCxnSpPr>
         <p:spPr>
           <a:xfrm flipV="1">
-            <a:off x="6533321" y="3429000"/>
-            <a:ext cx="2291856" cy="272130"/>
+            <a:off x="6608135" y="2620711"/>
+            <a:ext cx="1877413" cy="266662"/>
           </a:xfrm>
           <a:prstGeom prst="straightConnector1">
             <a:avLst/>
           </a:prstGeom>
           <a:ln w="38100">
             <a:solidFill>
-              <a:schemeClr val="accent2"/>
+              <a:srgbClr val="00B050"/>
             </a:solidFill>
             <a:headEnd type="triangle" w="med" len="med"/>
             <a:tailEnd type="none" w="med" len="med"/>
@@ -4116,840 +5278,12 @@
           </a:fontRef>
         </p:style>
       </p:cxnSp>
-      <p:sp>
-        <p:nvSpPr>
-          <p:cNvPr id="56" name="TextBox 55">
+      <p:cxnSp>
+        <p:nvCxnSpPr>
+          <p:cNvPr id="23" name="Straight Arrow Connector 22">
             <a:extLst>
               <a:ext uri="{FF2B5EF4-FFF2-40B4-BE49-F238E27FC236}">
-                <a16:creationId xmlns:a16="http://schemas.microsoft.com/office/drawing/2014/main" id="{B5F2A0E8-D17D-1E89-8E3C-176E5E2A3EA2}"/>
-              </a:ext>
-            </a:extLst>
-          </p:cNvPr>
-          <p:cNvSpPr txBox="1"/>
-          <p:nvPr/>
-        </p:nvSpPr>
-        <p:spPr>
-          <a:xfrm rot="1763165">
-            <a:off x="4066561" y="1205346"/>
-            <a:ext cx="435440" cy="369332"/>
-          </a:xfrm>
-          <a:prstGeom prst="rect">
-            <a:avLst/>
-          </a:prstGeom>
-          <a:noFill/>
-        </p:spPr>
-        <p:txBody>
-          <a:bodyPr wrap="none" rtlCol="0">
-            <a:spAutoFit/>
-          </a:bodyPr>
-          <a:lstStyle/>
-          <a:p>
-            <a:r>
-              <a:rPr lang="en-US" dirty="0"/>
-              <a:t>LTI</a:t>
-            </a:r>
-          </a:p>
-        </p:txBody>
-      </p:sp>
-      <p:sp>
-        <p:nvSpPr>
-          <p:cNvPr id="58" name="TextBox 57">
-            <a:extLst>
-              <a:ext uri="{FF2B5EF4-FFF2-40B4-BE49-F238E27FC236}">
-                <a16:creationId xmlns:a16="http://schemas.microsoft.com/office/drawing/2014/main" id="{424FBB07-409E-6A00-1A84-43D87F6EE050}"/>
-              </a:ext>
-            </a:extLst>
-          </p:cNvPr>
-          <p:cNvSpPr txBox="1"/>
-          <p:nvPr/>
-        </p:nvSpPr>
-        <p:spPr>
-          <a:xfrm rot="18900000">
-            <a:off x="3919856" y="4231742"/>
-            <a:ext cx="435440" cy="369332"/>
-          </a:xfrm>
-          <a:prstGeom prst="rect">
-            <a:avLst/>
-          </a:prstGeom>
-          <a:noFill/>
-        </p:spPr>
-        <p:txBody>
-          <a:bodyPr wrap="none" rtlCol="0">
-            <a:spAutoFit/>
-          </a:bodyPr>
-          <a:lstStyle/>
-          <a:p>
-            <a:r>
-              <a:rPr lang="en-US" dirty="0"/>
-              <a:t>LTI</a:t>
-            </a:r>
-          </a:p>
-        </p:txBody>
-      </p:sp>
-      <p:sp>
-        <p:nvSpPr>
-          <p:cNvPr id="59" name="TextBox 58">
-            <a:extLst>
-              <a:ext uri="{FF2B5EF4-FFF2-40B4-BE49-F238E27FC236}">
-                <a16:creationId xmlns:a16="http://schemas.microsoft.com/office/drawing/2014/main" id="{F5686B50-230F-EA8C-2E2A-8AC6CFFCA572}"/>
-              </a:ext>
-            </a:extLst>
-          </p:cNvPr>
-          <p:cNvSpPr txBox="1"/>
-          <p:nvPr/>
-        </p:nvSpPr>
-        <p:spPr>
-          <a:xfrm>
-            <a:off x="7608658" y="2852635"/>
-            <a:ext cx="675121" cy="369332"/>
-          </a:xfrm>
-          <a:prstGeom prst="rect">
-            <a:avLst/>
-          </a:prstGeom>
-          <a:noFill/>
-        </p:spPr>
-        <p:txBody>
-          <a:bodyPr wrap="none" rtlCol="0">
-            <a:spAutoFit/>
-          </a:bodyPr>
-          <a:lstStyle/>
-          <a:p>
-            <a:r>
-              <a:rPr lang="en-US" dirty="0"/>
-              <a:t>HTTP</a:t>
-            </a:r>
-          </a:p>
-        </p:txBody>
-      </p:sp>
-      <p:sp>
-        <p:nvSpPr>
-          <p:cNvPr id="60" name="TextBox 59">
-            <a:extLst>
-              <a:ext uri="{FF2B5EF4-FFF2-40B4-BE49-F238E27FC236}">
-                <a16:creationId xmlns:a16="http://schemas.microsoft.com/office/drawing/2014/main" id="{5D08E77F-D1B8-BA0D-CDB8-7029C963651C}"/>
-              </a:ext>
-            </a:extLst>
-          </p:cNvPr>
-          <p:cNvSpPr txBox="1"/>
-          <p:nvPr/>
-        </p:nvSpPr>
-        <p:spPr>
-          <a:xfrm>
-            <a:off x="7659433" y="3653713"/>
-            <a:ext cx="675121" cy="369332"/>
-          </a:xfrm>
-          <a:prstGeom prst="rect">
-            <a:avLst/>
-          </a:prstGeom>
-          <a:noFill/>
-        </p:spPr>
-        <p:txBody>
-          <a:bodyPr wrap="none" rtlCol="0">
-            <a:spAutoFit/>
-          </a:bodyPr>
-          <a:lstStyle/>
-          <a:p>
-            <a:r>
-              <a:rPr lang="en-US" dirty="0"/>
-              <a:t>HTTP</a:t>
-            </a:r>
-          </a:p>
-        </p:txBody>
-      </p:sp>
-    </p:spTree>
-    <p:extLst>
-      <p:ext uri="{BB962C8B-B14F-4D97-AF65-F5344CB8AC3E}">
-        <p14:creationId xmlns:p14="http://schemas.microsoft.com/office/powerpoint/2010/main" val="2621068711"/>
-      </p:ext>
-    </p:extLst>
-  </p:cSld>
-  <p:clrMapOvr>
-    <a:masterClrMapping/>
-  </p:clrMapOvr>
-</p:sld>
-</file>
-
-<file path=ppt/slides/slide4.xml><?xml version="1.0" encoding="utf-8"?>
-<p:sld xmlns:a="http://schemas.openxmlformats.org/drawingml/2006/main" xmlns:r="http://schemas.openxmlformats.org/officeDocument/2006/relationships" xmlns:p="http://schemas.openxmlformats.org/presentationml/2006/main">
-  <p:cSld>
-    <p:spTree>
-      <p:nvGrpSpPr>
-        <p:cNvPr id="1" name=""/>
-        <p:cNvGrpSpPr/>
-        <p:nvPr/>
-      </p:nvGrpSpPr>
-      <p:grpSpPr>
-        <a:xfrm>
-          <a:off x="0" y="0"/>
-          <a:ext cx="0" cy="0"/>
-          <a:chOff x="0" y="0"/>
-          <a:chExt cx="0" cy="0"/>
-        </a:xfrm>
-      </p:grpSpPr>
-      <p:sp>
-        <p:nvSpPr>
-          <p:cNvPr id="2" name="Title 1">
-            <a:extLst>
-              <a:ext uri="{FF2B5EF4-FFF2-40B4-BE49-F238E27FC236}">
-                <a16:creationId xmlns:a16="http://schemas.microsoft.com/office/drawing/2014/main" id="{EB4B6D43-C0BC-0D2A-1C9E-01FAEECF88E5}"/>
-              </a:ext>
-            </a:extLst>
-          </p:cNvPr>
-          <p:cNvSpPr>
-            <a:spLocks noGrp="1"/>
-          </p:cNvSpPr>
-          <p:nvPr>
-            <p:ph type="title"/>
-          </p:nvPr>
-        </p:nvSpPr>
-        <p:spPr/>
-        <p:txBody>
-          <a:bodyPr/>
-          <a:lstStyle/>
-          <a:p>
-            <a:r>
-              <a:rPr lang="en-US" dirty="0"/>
-              <a:t>What does </a:t>
-            </a:r>
-            <a:r>
-              <a:rPr lang="en-US" dirty="0" err="1"/>
-              <a:t>autograder</a:t>
-            </a:r>
-            <a:r>
-              <a:rPr lang="en-US" dirty="0"/>
-              <a:t> code look like?</a:t>
-            </a:r>
-          </a:p>
-        </p:txBody>
-      </p:sp>
-      <p:sp>
-        <p:nvSpPr>
-          <p:cNvPr id="4" name="TextBox 3">
-            <a:extLst>
-              <a:ext uri="{FF2B5EF4-FFF2-40B4-BE49-F238E27FC236}">
-                <a16:creationId xmlns:a16="http://schemas.microsoft.com/office/drawing/2014/main" id="{DF128034-EA87-6D3C-CE7F-6EBB734A87A9}"/>
-              </a:ext>
-            </a:extLst>
-          </p:cNvPr>
-          <p:cNvSpPr txBox="1"/>
-          <p:nvPr/>
-        </p:nvSpPr>
-        <p:spPr>
-          <a:xfrm>
-            <a:off x="2358887" y="1558166"/>
-            <a:ext cx="7077579" cy="4524315"/>
-          </a:xfrm>
-          <a:prstGeom prst="rect">
-            <a:avLst/>
-          </a:prstGeom>
-          <a:noFill/>
-        </p:spPr>
-        <p:txBody>
-          <a:bodyPr wrap="none" rtlCol="0">
-            <a:spAutoFit/>
-          </a:bodyPr>
-          <a:lstStyle/>
-          <a:p>
-            <a:r>
-              <a:rPr lang="en-US" b="1" dirty="0">
-                <a:latin typeface="Courier New" panose="02070309020205020404" pitchFamily="49" charset="0"/>
-                <a:cs typeface="Courier New" panose="02070309020205020404" pitchFamily="49" charset="0"/>
-              </a:rPr>
-              <a:t>$crawler = </a:t>
-            </a:r>
-            <a:r>
-              <a:rPr lang="en-US" b="1" dirty="0" err="1">
-                <a:latin typeface="Courier New" panose="02070309020205020404" pitchFamily="49" charset="0"/>
-                <a:cs typeface="Courier New" panose="02070309020205020404" pitchFamily="49" charset="0"/>
-              </a:rPr>
-              <a:t>webauto_retrieve_url</a:t>
-            </a:r>
-            <a:r>
-              <a:rPr lang="en-US" b="1" dirty="0">
-                <a:latin typeface="Courier New" panose="02070309020205020404" pitchFamily="49" charset="0"/>
-                <a:cs typeface="Courier New" panose="02070309020205020404" pitchFamily="49" charset="0"/>
-              </a:rPr>
-              <a:t>($client, $</a:t>
-            </a:r>
-            <a:r>
-              <a:rPr lang="en-US" b="1" dirty="0" err="1">
-                <a:latin typeface="Courier New" panose="02070309020205020404" pitchFamily="49" charset="0"/>
-                <a:cs typeface="Courier New" panose="02070309020205020404" pitchFamily="49" charset="0"/>
-              </a:rPr>
-              <a:t>url</a:t>
-            </a:r>
-            <a:r>
-              <a:rPr lang="en-US" b="1" dirty="0">
-                <a:latin typeface="Courier New" panose="02070309020205020404" pitchFamily="49" charset="0"/>
-                <a:cs typeface="Courier New" panose="02070309020205020404" pitchFamily="49" charset="0"/>
-              </a:rPr>
-              <a:t>);</a:t>
-            </a:r>
-          </a:p>
-          <a:p>
-            <a:r>
-              <a:rPr lang="en-US" b="1" dirty="0">
-                <a:latin typeface="Courier New" panose="02070309020205020404" pitchFamily="49" charset="0"/>
-                <a:cs typeface="Courier New" panose="02070309020205020404" pitchFamily="49" charset="0"/>
-              </a:rPr>
-              <a:t>if ( $crawler === false ) return;</a:t>
-            </a:r>
-          </a:p>
-          <a:p>
-            <a:endParaRPr lang="en-US" b="1" dirty="0">
-              <a:latin typeface="Courier New" panose="02070309020205020404" pitchFamily="49" charset="0"/>
-              <a:cs typeface="Courier New" panose="02070309020205020404" pitchFamily="49" charset="0"/>
-            </a:endParaRPr>
-          </a:p>
-          <a:p>
-            <a:r>
-              <a:rPr lang="en-US" b="1" dirty="0">
-                <a:latin typeface="Courier New" panose="02070309020205020404" pitchFamily="49" charset="0"/>
-                <a:cs typeface="Courier New" panose="02070309020205020404" pitchFamily="49" charset="0"/>
-              </a:rPr>
-              <a:t>$html = </a:t>
-            </a:r>
-            <a:r>
-              <a:rPr lang="en-US" b="1" dirty="0" err="1">
-                <a:latin typeface="Courier New" panose="02070309020205020404" pitchFamily="49" charset="0"/>
-                <a:cs typeface="Courier New" panose="02070309020205020404" pitchFamily="49" charset="0"/>
-              </a:rPr>
-              <a:t>webauto_get_html</a:t>
-            </a:r>
-            <a:r>
-              <a:rPr lang="en-US" b="1" dirty="0">
-                <a:latin typeface="Courier New" panose="02070309020205020404" pitchFamily="49" charset="0"/>
-                <a:cs typeface="Courier New" panose="02070309020205020404" pitchFamily="49" charset="0"/>
-              </a:rPr>
-              <a:t>($crawler);</a:t>
-            </a:r>
-          </a:p>
-          <a:p>
-            <a:r>
-              <a:rPr lang="en-US" b="1" dirty="0" err="1">
-                <a:latin typeface="Courier New" panose="02070309020205020404" pitchFamily="49" charset="0"/>
-                <a:cs typeface="Courier New" panose="02070309020205020404" pitchFamily="49" charset="0"/>
-              </a:rPr>
-              <a:t>webauto_search_for</a:t>
-            </a:r>
-            <a:r>
-              <a:rPr lang="en-US" b="1" dirty="0">
-                <a:latin typeface="Courier New" panose="02070309020205020404" pitchFamily="49" charset="0"/>
-                <a:cs typeface="Courier New" panose="02070309020205020404" pitchFamily="49" charset="0"/>
-              </a:rPr>
-              <a:t>($html, 'Hello');</a:t>
-            </a:r>
-          </a:p>
-          <a:p>
-            <a:endParaRPr lang="en-US" b="1" dirty="0">
-              <a:latin typeface="Courier New" panose="02070309020205020404" pitchFamily="49" charset="0"/>
-              <a:cs typeface="Courier New" panose="02070309020205020404" pitchFamily="49" charset="0"/>
-            </a:endParaRPr>
-          </a:p>
-          <a:p>
-            <a:r>
-              <a:rPr lang="en-US" b="1" dirty="0">
-                <a:latin typeface="Courier New" panose="02070309020205020404" pitchFamily="49" charset="0"/>
-                <a:cs typeface="Courier New" panose="02070309020205020404" pitchFamily="49" charset="0"/>
-              </a:rPr>
-              <a:t>$check = </a:t>
-            </a:r>
-            <a:r>
-              <a:rPr lang="en-US" b="1" dirty="0" err="1">
-                <a:latin typeface="Courier New" panose="02070309020205020404" pitchFamily="49" charset="0"/>
-                <a:cs typeface="Courier New" panose="02070309020205020404" pitchFamily="49" charset="0"/>
-              </a:rPr>
-              <a:t>webauto_get_check</a:t>
-            </a:r>
-            <a:r>
-              <a:rPr lang="en-US" b="1" dirty="0">
-                <a:latin typeface="Courier New" panose="02070309020205020404" pitchFamily="49" charset="0"/>
-                <a:cs typeface="Courier New" panose="02070309020205020404" pitchFamily="49" charset="0"/>
-              </a:rPr>
-              <a:t>();</a:t>
-            </a:r>
-          </a:p>
-          <a:p>
-            <a:endParaRPr lang="en-US" b="1" dirty="0">
-              <a:latin typeface="Courier New" panose="02070309020205020404" pitchFamily="49" charset="0"/>
-              <a:cs typeface="Courier New" panose="02070309020205020404" pitchFamily="49" charset="0"/>
-            </a:endParaRPr>
-          </a:p>
-          <a:p>
-            <a:r>
-              <a:rPr lang="en-US" b="1" dirty="0">
-                <a:latin typeface="Courier New" panose="02070309020205020404" pitchFamily="49" charset="0"/>
-                <a:cs typeface="Courier New" panose="02070309020205020404" pitchFamily="49" charset="0"/>
-              </a:rPr>
-              <a:t>if ( $check &amp;&amp; </a:t>
-            </a:r>
-            <a:r>
-              <a:rPr lang="en-US" b="1" dirty="0" err="1">
-                <a:latin typeface="Courier New" panose="02070309020205020404" pitchFamily="49" charset="0"/>
-                <a:cs typeface="Courier New" panose="02070309020205020404" pitchFamily="49" charset="0"/>
-              </a:rPr>
-              <a:t>stripos</a:t>
-            </a:r>
-            <a:r>
-              <a:rPr lang="en-US" b="1" dirty="0">
-                <a:latin typeface="Courier New" panose="02070309020205020404" pitchFamily="49" charset="0"/>
-                <a:cs typeface="Courier New" panose="02070309020205020404" pitchFamily="49" charset="0"/>
-              </a:rPr>
-              <a:t>($</a:t>
-            </a:r>
-            <a:r>
-              <a:rPr lang="en-US" b="1" dirty="0" err="1">
-                <a:latin typeface="Courier New" panose="02070309020205020404" pitchFamily="49" charset="0"/>
-                <a:cs typeface="Courier New" panose="02070309020205020404" pitchFamily="49" charset="0"/>
-              </a:rPr>
-              <a:t>html,$check</a:t>
-            </a:r>
-            <a:r>
-              <a:rPr lang="en-US" b="1" dirty="0">
-                <a:latin typeface="Courier New" panose="02070309020205020404" pitchFamily="49" charset="0"/>
-                <a:cs typeface="Courier New" panose="02070309020205020404" pitchFamily="49" charset="0"/>
-              </a:rPr>
-              <a:t>) !== false ) {</a:t>
-            </a:r>
-          </a:p>
-          <a:p>
-            <a:r>
-              <a:rPr lang="en-US" b="1" dirty="0">
-                <a:latin typeface="Courier New" panose="02070309020205020404" pitchFamily="49" charset="0"/>
-                <a:cs typeface="Courier New" panose="02070309020205020404" pitchFamily="49" charset="0"/>
-              </a:rPr>
-              <a:t>    </a:t>
-            </a:r>
-            <a:r>
-              <a:rPr lang="en-US" b="1" dirty="0" err="1">
-                <a:latin typeface="Courier New" panose="02070309020205020404" pitchFamily="49" charset="0"/>
-                <a:cs typeface="Courier New" panose="02070309020205020404" pitchFamily="49" charset="0"/>
-              </a:rPr>
-              <a:t>success_out</a:t>
-            </a:r>
-            <a:r>
-              <a:rPr lang="en-US" b="1" dirty="0">
-                <a:latin typeface="Courier New" panose="02070309020205020404" pitchFamily="49" charset="0"/>
-                <a:cs typeface="Courier New" panose="02070309020205020404" pitchFamily="49" charset="0"/>
-              </a:rPr>
-              <a:t>("Found ($check) in your html");</a:t>
-            </a:r>
-          </a:p>
-          <a:p>
-            <a:r>
-              <a:rPr lang="en-US" b="1" dirty="0">
-                <a:latin typeface="Courier New" panose="02070309020205020404" pitchFamily="49" charset="0"/>
-                <a:cs typeface="Courier New" panose="02070309020205020404" pitchFamily="49" charset="0"/>
-              </a:rPr>
-              <a:t>    $passed += 1;</a:t>
-            </a:r>
-          </a:p>
-          <a:p>
-            <a:r>
-              <a:rPr lang="en-US" b="1" dirty="0">
-                <a:latin typeface="Courier New" panose="02070309020205020404" pitchFamily="49" charset="0"/>
-                <a:cs typeface="Courier New" panose="02070309020205020404" pitchFamily="49" charset="0"/>
-              </a:rPr>
-              <a:t>} else {</a:t>
-            </a:r>
-          </a:p>
-          <a:p>
-            <a:r>
-              <a:rPr lang="en-US" b="1" dirty="0">
-                <a:latin typeface="Courier New" panose="02070309020205020404" pitchFamily="49" charset="0"/>
-                <a:cs typeface="Courier New" panose="02070309020205020404" pitchFamily="49" charset="0"/>
-              </a:rPr>
-              <a:t>    </a:t>
-            </a:r>
-            <a:r>
-              <a:rPr lang="en-US" b="1" dirty="0" err="1">
-                <a:latin typeface="Courier New" panose="02070309020205020404" pitchFamily="49" charset="0"/>
-                <a:cs typeface="Courier New" panose="02070309020205020404" pitchFamily="49" charset="0"/>
-              </a:rPr>
-              <a:t>error_out</a:t>
-            </a:r>
-            <a:r>
-              <a:rPr lang="en-US" b="1" dirty="0">
-                <a:latin typeface="Courier New" panose="02070309020205020404" pitchFamily="49" charset="0"/>
-                <a:cs typeface="Courier New" panose="02070309020205020404" pitchFamily="49" charset="0"/>
-              </a:rPr>
-              <a:t>("Did not find $check in your html");</a:t>
-            </a:r>
-          </a:p>
-          <a:p>
-            <a:r>
-              <a:rPr lang="en-US" b="1" dirty="0">
-                <a:latin typeface="Courier New" panose="02070309020205020404" pitchFamily="49" charset="0"/>
-                <a:cs typeface="Courier New" panose="02070309020205020404" pitchFamily="49" charset="0"/>
-              </a:rPr>
-              <a:t>    </a:t>
-            </a:r>
-            <a:r>
-              <a:rPr lang="en-US" b="1" dirty="0" err="1">
-                <a:latin typeface="Courier New" panose="02070309020205020404" pitchFamily="49" charset="0"/>
-                <a:cs typeface="Courier New" panose="02070309020205020404" pitchFamily="49" charset="0"/>
-              </a:rPr>
-              <a:t>error_out</a:t>
-            </a:r>
-            <a:r>
-              <a:rPr lang="en-US" b="1" dirty="0">
-                <a:latin typeface="Courier New" panose="02070309020205020404" pitchFamily="49" charset="0"/>
-                <a:cs typeface="Courier New" panose="02070309020205020404" pitchFamily="49" charset="0"/>
-              </a:rPr>
-              <a:t>("No score sent");</a:t>
-            </a:r>
-          </a:p>
-          <a:p>
-            <a:r>
-              <a:rPr lang="en-US" b="1" dirty="0">
-                <a:latin typeface="Courier New" panose="02070309020205020404" pitchFamily="49" charset="0"/>
-                <a:cs typeface="Courier New" panose="02070309020205020404" pitchFamily="49" charset="0"/>
-              </a:rPr>
-              <a:t>    return;</a:t>
-            </a:r>
-          </a:p>
-          <a:p>
-            <a:r>
-              <a:rPr lang="en-US" b="1" dirty="0">
-                <a:latin typeface="Courier New" panose="02070309020205020404" pitchFamily="49" charset="0"/>
-                <a:cs typeface="Courier New" panose="02070309020205020404" pitchFamily="49" charset="0"/>
-              </a:rPr>
-              <a:t>}</a:t>
-            </a:r>
-          </a:p>
-        </p:txBody>
-      </p:sp>
-    </p:spTree>
-    <p:extLst>
-      <p:ext uri="{BB962C8B-B14F-4D97-AF65-F5344CB8AC3E}">
-        <p14:creationId xmlns:p14="http://schemas.microsoft.com/office/powerpoint/2010/main" val="3585768341"/>
-      </p:ext>
-    </p:extLst>
-  </p:cSld>
-  <p:clrMapOvr>
-    <a:masterClrMapping/>
-  </p:clrMapOvr>
-</p:sld>
-</file>
-
-<file path=ppt/slides/slide5.xml><?xml version="1.0" encoding="utf-8"?>
-<p:sld xmlns:a="http://schemas.openxmlformats.org/drawingml/2006/main" xmlns:r="http://schemas.openxmlformats.org/officeDocument/2006/relationships" xmlns:p="http://schemas.openxmlformats.org/presentationml/2006/main">
-  <p:cSld>
-    <p:spTree>
-      <p:nvGrpSpPr>
-        <p:cNvPr id="1" name="">
-          <a:extLst>
-            <a:ext uri="{FF2B5EF4-FFF2-40B4-BE49-F238E27FC236}">
-              <a16:creationId xmlns:a16="http://schemas.microsoft.com/office/drawing/2014/main" id="{804FE576-096E-9574-D1BF-10E3E7F4A2AD}"/>
-            </a:ext>
-          </a:extLst>
-        </p:cNvPr>
-        <p:cNvGrpSpPr/>
-        <p:nvPr/>
-      </p:nvGrpSpPr>
-      <p:grpSpPr>
-        <a:xfrm>
-          <a:off x="0" y="0"/>
-          <a:ext cx="0" cy="0"/>
-          <a:chOff x="0" y="0"/>
-          <a:chExt cx="0" cy="0"/>
-        </a:xfrm>
-      </p:grpSpPr>
-      <p:sp>
-        <p:nvSpPr>
-          <p:cNvPr id="4" name="Rectangle 3">
-            <a:extLst>
-              <a:ext uri="{FF2B5EF4-FFF2-40B4-BE49-F238E27FC236}">
-                <a16:creationId xmlns:a16="http://schemas.microsoft.com/office/drawing/2014/main" id="{6E81F6F1-F563-B7D3-5021-5D569FA78CD9}"/>
-              </a:ext>
-            </a:extLst>
-          </p:cNvPr>
-          <p:cNvSpPr/>
-          <p:nvPr/>
-        </p:nvSpPr>
-        <p:spPr>
-          <a:xfrm>
-            <a:off x="1354033" y="657264"/>
-            <a:ext cx="2190307" cy="5543474"/>
-          </a:xfrm>
-          <a:prstGeom prst="rect">
-            <a:avLst/>
-          </a:prstGeom>
-        </p:spPr>
-        <p:style>
-          <a:lnRef idx="2">
-            <a:schemeClr val="accent1">
-              <a:shade val="15000"/>
-            </a:schemeClr>
-          </a:lnRef>
-          <a:fillRef idx="1">
-            <a:schemeClr val="accent1"/>
-          </a:fillRef>
-          <a:effectRef idx="0">
-            <a:schemeClr val="accent1"/>
-          </a:effectRef>
-          <a:fontRef idx="minor">
-            <a:schemeClr val="lt1"/>
-          </a:fontRef>
-        </p:style>
-        <p:txBody>
-          <a:bodyPr rtlCol="0" anchor="ctr"/>
-          <a:lstStyle/>
-          <a:p>
-            <a:pPr algn="ctr"/>
-            <a:endParaRPr lang="en-US" dirty="0"/>
-          </a:p>
-        </p:txBody>
-      </p:sp>
-      <p:sp>
-        <p:nvSpPr>
-          <p:cNvPr id="5" name="Rectangle 4">
-            <a:extLst>
-              <a:ext uri="{FF2B5EF4-FFF2-40B4-BE49-F238E27FC236}">
-                <a16:creationId xmlns:a16="http://schemas.microsoft.com/office/drawing/2014/main" id="{1F31EAFD-B3A5-AFF2-EFC7-6C96FE79B52D}"/>
-              </a:ext>
-            </a:extLst>
-          </p:cNvPr>
-          <p:cNvSpPr/>
-          <p:nvPr/>
-        </p:nvSpPr>
-        <p:spPr>
-          <a:xfrm>
-            <a:off x="4876954" y="657262"/>
-            <a:ext cx="2190307" cy="5543475"/>
-          </a:xfrm>
-          <a:prstGeom prst="rect">
-            <a:avLst/>
-          </a:prstGeom>
-        </p:spPr>
-        <p:style>
-          <a:lnRef idx="2">
-            <a:schemeClr val="accent1">
-              <a:shade val="15000"/>
-            </a:schemeClr>
-          </a:lnRef>
-          <a:fillRef idx="1">
-            <a:schemeClr val="accent1"/>
-          </a:fillRef>
-          <a:effectRef idx="0">
-            <a:schemeClr val="accent1"/>
-          </a:effectRef>
-          <a:fontRef idx="minor">
-            <a:schemeClr val="lt1"/>
-          </a:fontRef>
-        </p:style>
-        <p:txBody>
-          <a:bodyPr rtlCol="0" anchor="ctr"/>
-          <a:lstStyle/>
-          <a:p>
-            <a:pPr algn="ctr"/>
-            <a:endParaRPr lang="en-US" dirty="0"/>
-          </a:p>
-          <a:p>
-            <a:pPr algn="ctr"/>
-            <a:r>
-              <a:rPr lang="en-US" dirty="0"/>
-              <a:t>Retrieve Page</a:t>
-            </a:r>
-          </a:p>
-          <a:p>
-            <a:pPr algn="ctr"/>
-            <a:r>
-              <a:rPr lang="en-US" dirty="0"/>
-              <a:t>Check Page</a:t>
-            </a:r>
-          </a:p>
-          <a:p>
-            <a:pPr algn="ctr"/>
-            <a:r>
-              <a:rPr lang="en-US" dirty="0"/>
-              <a:t>Retrieve Page</a:t>
-            </a:r>
-          </a:p>
-          <a:p>
-            <a:pPr algn="ctr"/>
-            <a:r>
-              <a:rPr lang="en-US" dirty="0"/>
-              <a:t>Check Page</a:t>
-            </a:r>
-          </a:p>
-          <a:p>
-            <a:pPr algn="ctr"/>
-            <a:r>
-              <a:rPr lang="en-US" dirty="0"/>
-              <a:t>Retrieve Page</a:t>
-            </a:r>
-          </a:p>
-          <a:p>
-            <a:pPr algn="ctr"/>
-            <a:r>
-              <a:rPr lang="en-US" dirty="0"/>
-              <a:t>Check Page</a:t>
-            </a:r>
-          </a:p>
-          <a:p>
-            <a:pPr algn="ctr"/>
-            <a:r>
-              <a:rPr lang="en-US" dirty="0"/>
-              <a:t>Retrieve Page</a:t>
-            </a:r>
-          </a:p>
-          <a:p>
-            <a:pPr algn="ctr"/>
-            <a:r>
-              <a:rPr lang="en-US" dirty="0"/>
-              <a:t>Check Page</a:t>
-            </a:r>
-          </a:p>
-          <a:p>
-            <a:pPr algn="ctr"/>
-            <a:r>
-              <a:rPr lang="en-US" dirty="0"/>
-              <a:t>Retrieve Page</a:t>
-            </a:r>
-          </a:p>
-          <a:p>
-            <a:pPr algn="ctr"/>
-            <a:r>
-              <a:rPr lang="en-US" dirty="0"/>
-              <a:t>Check Page</a:t>
-            </a:r>
-          </a:p>
-          <a:p>
-            <a:pPr algn="ctr"/>
-            <a:r>
-              <a:rPr lang="en-US" dirty="0"/>
-              <a:t>Retrieve Page</a:t>
-            </a:r>
-          </a:p>
-          <a:p>
-            <a:pPr algn="ctr"/>
-            <a:r>
-              <a:rPr lang="en-US" dirty="0"/>
-              <a:t>Check Page</a:t>
-            </a:r>
-          </a:p>
-          <a:p>
-            <a:pPr algn="ctr"/>
-            <a:r>
-              <a:rPr lang="en-US" dirty="0"/>
-              <a:t>Retrieve Page</a:t>
-            </a:r>
-          </a:p>
-          <a:p>
-            <a:pPr algn="ctr"/>
-            <a:r>
-              <a:rPr lang="en-US" dirty="0"/>
-              <a:t>Check Page</a:t>
-            </a:r>
-          </a:p>
-          <a:p>
-            <a:pPr algn="ctr"/>
-            <a:r>
-              <a:rPr lang="en-US" dirty="0"/>
-              <a:t>Retrieve Page</a:t>
-            </a:r>
-          </a:p>
-          <a:p>
-            <a:pPr algn="ctr"/>
-            <a:r>
-              <a:rPr lang="en-US" dirty="0"/>
-              <a:t>Check Page</a:t>
-            </a:r>
-          </a:p>
-          <a:p>
-            <a:pPr algn="ctr"/>
-            <a:endParaRPr lang="en-US" dirty="0"/>
-          </a:p>
-        </p:txBody>
-      </p:sp>
-      <p:sp>
-        <p:nvSpPr>
-          <p:cNvPr id="6" name="Rectangle 5">
-            <a:extLst>
-              <a:ext uri="{FF2B5EF4-FFF2-40B4-BE49-F238E27FC236}">
-                <a16:creationId xmlns:a16="http://schemas.microsoft.com/office/drawing/2014/main" id="{1DE1F107-5644-4A84-F759-ED41A2092347}"/>
-              </a:ext>
-            </a:extLst>
-          </p:cNvPr>
-          <p:cNvSpPr/>
-          <p:nvPr/>
-        </p:nvSpPr>
-        <p:spPr>
-          <a:xfrm>
-            <a:off x="8825177" y="657262"/>
-            <a:ext cx="2190307" cy="5543476"/>
-          </a:xfrm>
-          <a:prstGeom prst="rect">
-            <a:avLst/>
-          </a:prstGeom>
-        </p:spPr>
-        <p:style>
-          <a:lnRef idx="2">
-            <a:schemeClr val="accent1">
-              <a:shade val="15000"/>
-            </a:schemeClr>
-          </a:lnRef>
-          <a:fillRef idx="1">
-            <a:schemeClr val="accent1"/>
-          </a:fillRef>
-          <a:effectRef idx="0">
-            <a:schemeClr val="accent1"/>
-          </a:effectRef>
-          <a:fontRef idx="minor">
-            <a:schemeClr val="lt1"/>
-          </a:fontRef>
-        </p:style>
-        <p:txBody>
-          <a:bodyPr rtlCol="0" anchor="ctr"/>
-          <a:lstStyle/>
-          <a:p>
-            <a:pPr algn="ctr"/>
-            <a:endParaRPr lang="en-US" dirty="0"/>
-          </a:p>
-          <a:p>
-            <a:pPr algn="ctr"/>
-            <a:r>
-              <a:rPr lang="en-US" dirty="0"/>
-              <a:t>Django</a:t>
-            </a:r>
-          </a:p>
-          <a:p>
-            <a:pPr algn="ctr"/>
-            <a:r>
-              <a:rPr lang="en-US" dirty="0" err="1"/>
-              <a:t>settings.py</a:t>
-            </a:r>
-            <a:endParaRPr lang="en-US" dirty="0"/>
-          </a:p>
-          <a:p>
-            <a:pPr algn="ctr"/>
-            <a:r>
-              <a:rPr lang="en-US" dirty="0" err="1"/>
-              <a:t>urls.py</a:t>
-            </a:r>
-            <a:endParaRPr lang="en-US" dirty="0"/>
-          </a:p>
-          <a:p>
-            <a:pPr algn="ctr"/>
-            <a:r>
-              <a:rPr lang="en-US" dirty="0" err="1"/>
-              <a:t>views.py</a:t>
-            </a:r>
-            <a:endParaRPr lang="en-US" dirty="0"/>
-          </a:p>
-          <a:p>
-            <a:pPr algn="ctr"/>
-            <a:endParaRPr lang="en-US" dirty="0"/>
-          </a:p>
-        </p:txBody>
-      </p:sp>
-      <p:cxnSp>
-        <p:nvCxnSpPr>
-          <p:cNvPr id="7" name="Straight Arrow Connector 6">
-            <a:extLst>
-              <a:ext uri="{FF2B5EF4-FFF2-40B4-BE49-F238E27FC236}">
-                <a16:creationId xmlns:a16="http://schemas.microsoft.com/office/drawing/2014/main" id="{AC0725BC-6B4C-F872-668D-D5EB34E38EB9}"/>
+                <a16:creationId xmlns:a16="http://schemas.microsoft.com/office/drawing/2014/main" id="{711B02DB-21F6-408D-3807-F0BBEC41DA6F}"/>
               </a:ext>
             </a:extLst>
           </p:cNvPr>
@@ -4960,350 +5294,15 @@
         </p:nvCxnSpPr>
         <p:spPr>
           <a:xfrm flipH="1">
-            <a:off x="3544340" y="841929"/>
-            <a:ext cx="1332614" cy="0"/>
+            <a:off x="6627866" y="2895035"/>
+            <a:ext cx="1867547" cy="0"/>
           </a:xfrm>
           <a:prstGeom prst="straightConnector1">
             <a:avLst/>
           </a:prstGeom>
           <a:ln w="38100">
             <a:solidFill>
-              <a:schemeClr val="accent2"/>
-            </a:solidFill>
-            <a:headEnd type="triangle" w="med" len="med"/>
-            <a:tailEnd type="none" w="med" len="med"/>
-          </a:ln>
-        </p:spPr>
-        <p:style>
-          <a:lnRef idx="1">
-            <a:schemeClr val="accent1"/>
-          </a:lnRef>
-          <a:fillRef idx="0">
-            <a:schemeClr val="accent1"/>
-          </a:fillRef>
-          <a:effectRef idx="0">
-            <a:schemeClr val="accent1"/>
-          </a:effectRef>
-          <a:fontRef idx="minor">
-            <a:schemeClr val="tx1"/>
-          </a:fontRef>
-        </p:style>
-      </p:cxnSp>
-      <p:sp>
-        <p:nvSpPr>
-          <p:cNvPr id="11" name="TextBox 10">
-            <a:extLst>
-              <a:ext uri="{FF2B5EF4-FFF2-40B4-BE49-F238E27FC236}">
-                <a16:creationId xmlns:a16="http://schemas.microsoft.com/office/drawing/2014/main" id="{D6A3948D-FBE2-49B5-E4A4-325A13427C1B}"/>
-              </a:ext>
-            </a:extLst>
-          </p:cNvPr>
-          <p:cNvSpPr txBox="1"/>
-          <p:nvPr/>
-        </p:nvSpPr>
-        <p:spPr>
-          <a:xfrm>
-            <a:off x="1756496" y="5498990"/>
-            <a:ext cx="1385379" cy="369332"/>
-          </a:xfrm>
-          <a:prstGeom prst="rect">
-            <a:avLst/>
-          </a:prstGeom>
-          <a:noFill/>
-        </p:spPr>
-        <p:txBody>
-          <a:bodyPr wrap="none" rtlCol="0">
-            <a:spAutoFit/>
-          </a:bodyPr>
-          <a:lstStyle/>
-          <a:p>
-            <a:r>
-              <a:rPr lang="en-US" dirty="0">
-                <a:solidFill>
-                  <a:schemeClr val="bg1"/>
-                </a:solidFill>
-              </a:rPr>
-              <a:t>Grade: 100%</a:t>
-            </a:r>
-          </a:p>
-        </p:txBody>
-      </p:sp>
-      <p:sp>
-        <p:nvSpPr>
-          <p:cNvPr id="12" name="TextBox 11">
-            <a:extLst>
-              <a:ext uri="{FF2B5EF4-FFF2-40B4-BE49-F238E27FC236}">
-                <a16:creationId xmlns:a16="http://schemas.microsoft.com/office/drawing/2014/main" id="{24148792-79D9-A6E3-D274-5C7D8573CEA0}"/>
-              </a:ext>
-            </a:extLst>
-          </p:cNvPr>
-          <p:cNvSpPr txBox="1"/>
-          <p:nvPr/>
-        </p:nvSpPr>
-        <p:spPr>
-          <a:xfrm>
-            <a:off x="2030257" y="253225"/>
-            <a:ext cx="837858" cy="369332"/>
-          </a:xfrm>
-          <a:prstGeom prst="rect">
-            <a:avLst/>
-          </a:prstGeom>
-          <a:noFill/>
-        </p:spPr>
-        <p:txBody>
-          <a:bodyPr wrap="none" rtlCol="0">
-            <a:spAutoFit/>
-          </a:bodyPr>
-          <a:lstStyle/>
-          <a:p>
-            <a:r>
-              <a:rPr lang="en-US" dirty="0"/>
-              <a:t>Canvas</a:t>
-            </a:r>
-          </a:p>
-        </p:txBody>
-      </p:sp>
-      <p:sp>
-        <p:nvSpPr>
-          <p:cNvPr id="13" name="TextBox 12">
-            <a:extLst>
-              <a:ext uri="{FF2B5EF4-FFF2-40B4-BE49-F238E27FC236}">
-                <a16:creationId xmlns:a16="http://schemas.microsoft.com/office/drawing/2014/main" id="{CB585325-F829-09A3-EE94-D3217697F0EC}"/>
-              </a:ext>
-            </a:extLst>
-          </p:cNvPr>
-          <p:cNvSpPr txBox="1"/>
-          <p:nvPr/>
-        </p:nvSpPr>
-        <p:spPr>
-          <a:xfrm>
-            <a:off x="5175478" y="128441"/>
-            <a:ext cx="1593257" cy="369332"/>
-          </a:xfrm>
-          <a:prstGeom prst="rect">
-            <a:avLst/>
-          </a:prstGeom>
-          <a:noFill/>
-        </p:spPr>
-        <p:txBody>
-          <a:bodyPr wrap="none" rtlCol="0">
-            <a:spAutoFit/>
-          </a:bodyPr>
-          <a:lstStyle/>
-          <a:p>
-            <a:r>
-              <a:rPr lang="en-US" dirty="0"/>
-              <a:t>www.dj4e.com</a:t>
-            </a:r>
-          </a:p>
-        </p:txBody>
-      </p:sp>
-      <p:sp>
-        <p:nvSpPr>
-          <p:cNvPr id="14" name="TextBox 13">
-            <a:extLst>
-              <a:ext uri="{FF2B5EF4-FFF2-40B4-BE49-F238E27FC236}">
-                <a16:creationId xmlns:a16="http://schemas.microsoft.com/office/drawing/2014/main" id="{9F71A664-EB60-642F-D4C1-2E8E6B517068}"/>
-              </a:ext>
-            </a:extLst>
-          </p:cNvPr>
-          <p:cNvSpPr txBox="1"/>
-          <p:nvPr/>
-        </p:nvSpPr>
-        <p:spPr>
-          <a:xfrm>
-            <a:off x="8930796" y="150865"/>
-            <a:ext cx="1979068" cy="369332"/>
-          </a:xfrm>
-          <a:prstGeom prst="rect">
-            <a:avLst/>
-          </a:prstGeom>
-          <a:noFill/>
-        </p:spPr>
-        <p:txBody>
-          <a:bodyPr wrap="none" rtlCol="0">
-            <a:spAutoFit/>
-          </a:bodyPr>
-          <a:lstStyle/>
-          <a:p>
-            <a:r>
-              <a:rPr lang="en-US" dirty="0"/>
-              <a:t>djtutorial.dj4e.com</a:t>
-            </a:r>
-          </a:p>
-        </p:txBody>
-      </p:sp>
-      <p:cxnSp>
-        <p:nvCxnSpPr>
-          <p:cNvPr id="15" name="Straight Arrow Connector 14">
-            <a:extLst>
-              <a:ext uri="{FF2B5EF4-FFF2-40B4-BE49-F238E27FC236}">
-                <a16:creationId xmlns:a16="http://schemas.microsoft.com/office/drawing/2014/main" id="{C49B9F81-4040-4249-B0CB-D6CFA6E541F0}"/>
-              </a:ext>
-            </a:extLst>
-          </p:cNvPr>
-          <p:cNvCxnSpPr>
-            <a:cxnSpLocks/>
-          </p:cNvCxnSpPr>
-          <p:nvPr/>
-        </p:nvCxnSpPr>
-        <p:spPr>
-          <a:xfrm>
-            <a:off x="3561705" y="5683656"/>
-            <a:ext cx="1315249" cy="0"/>
-          </a:xfrm>
-          <a:prstGeom prst="straightConnector1">
-            <a:avLst/>
-          </a:prstGeom>
-          <a:ln w="38100">
-            <a:solidFill>
-              <a:schemeClr val="accent2"/>
-            </a:solidFill>
-            <a:headEnd type="triangle" w="med" len="med"/>
-            <a:tailEnd type="none" w="med" len="med"/>
-          </a:ln>
-        </p:spPr>
-        <p:style>
-          <a:lnRef idx="1">
-            <a:schemeClr val="accent1"/>
-          </a:lnRef>
-          <a:fillRef idx="0">
-            <a:schemeClr val="accent1"/>
-          </a:fillRef>
-          <a:effectRef idx="0">
-            <a:schemeClr val="accent1"/>
-          </a:effectRef>
-          <a:fontRef idx="minor">
-            <a:schemeClr val="tx1"/>
-          </a:fontRef>
-        </p:style>
-      </p:cxnSp>
-      <p:sp>
-        <p:nvSpPr>
-          <p:cNvPr id="18" name="Rounded Rectangle 17">
-            <a:extLst>
-              <a:ext uri="{FF2B5EF4-FFF2-40B4-BE49-F238E27FC236}">
-                <a16:creationId xmlns:a16="http://schemas.microsoft.com/office/drawing/2014/main" id="{4DA1C4D5-80DD-4A54-AE72-E577028B8458}"/>
-              </a:ext>
-            </a:extLst>
-          </p:cNvPr>
-          <p:cNvSpPr/>
-          <p:nvPr/>
-        </p:nvSpPr>
-        <p:spPr>
-          <a:xfrm>
-            <a:off x="1556052" y="841929"/>
-            <a:ext cx="1786269" cy="369332"/>
-          </a:xfrm>
-          <a:prstGeom prst="roundRect">
-            <a:avLst/>
-          </a:prstGeom>
-        </p:spPr>
-        <p:style>
-          <a:lnRef idx="2">
-            <a:schemeClr val="accent3">
-              <a:shade val="15000"/>
-            </a:schemeClr>
-          </a:lnRef>
-          <a:fillRef idx="1">
-            <a:schemeClr val="accent3"/>
-          </a:fillRef>
-          <a:effectRef idx="0">
-            <a:schemeClr val="accent3"/>
-          </a:effectRef>
-          <a:fontRef idx="minor">
-            <a:schemeClr val="lt1"/>
-          </a:fontRef>
-        </p:style>
-        <p:txBody>
-          <a:bodyPr rtlCol="0" anchor="ctr"/>
-          <a:lstStyle/>
-          <a:p>
-            <a:pPr algn="ctr"/>
-            <a:r>
-              <a:rPr lang="en-US" b="1" dirty="0"/>
-              <a:t>AG: Tutorial 01</a:t>
-            </a:r>
-          </a:p>
-        </p:txBody>
-      </p:sp>
-      <p:sp>
-        <p:nvSpPr>
-          <p:cNvPr id="20" name="Rounded Rectangle 19">
-            <a:extLst>
-              <a:ext uri="{FF2B5EF4-FFF2-40B4-BE49-F238E27FC236}">
-                <a16:creationId xmlns:a16="http://schemas.microsoft.com/office/drawing/2014/main" id="{63B4050A-CFBC-5EA9-B65B-989C85511EF5}"/>
-              </a:ext>
-            </a:extLst>
-          </p:cNvPr>
-          <p:cNvSpPr/>
-          <p:nvPr/>
-        </p:nvSpPr>
-        <p:spPr>
-          <a:xfrm>
-            <a:off x="5163613" y="840200"/>
-            <a:ext cx="1567301" cy="371061"/>
-          </a:xfrm>
-          <a:prstGeom prst="roundRect">
-            <a:avLst/>
-          </a:prstGeom>
-          <a:solidFill>
-            <a:srgbClr val="094B33"/>
-          </a:solidFill>
-        </p:spPr>
-        <p:style>
-          <a:lnRef idx="2">
-            <a:schemeClr val="accent1">
-              <a:shade val="15000"/>
-            </a:schemeClr>
-          </a:lnRef>
-          <a:fillRef idx="1">
-            <a:schemeClr val="accent1"/>
-          </a:fillRef>
-          <a:effectRef idx="0">
-            <a:schemeClr val="accent1"/>
-          </a:effectRef>
-          <a:fontRef idx="minor">
-            <a:schemeClr val="lt1"/>
-          </a:fontRef>
-        </p:style>
-        <p:txBody>
-          <a:bodyPr rtlCol="0" anchor="ctr"/>
-          <a:lstStyle/>
-          <a:p>
-            <a:pPr algn="ctr"/>
-            <a:r>
-              <a:rPr lang="en-US" b="1" dirty="0"/>
-              <a:t>Evaluate</a:t>
-            </a:r>
-          </a:p>
-        </p:txBody>
-      </p:sp>
-      <p:cxnSp>
-        <p:nvCxnSpPr>
-          <p:cNvPr id="21" name="Straight Arrow Connector 20">
-            <a:extLst>
-              <a:ext uri="{FF2B5EF4-FFF2-40B4-BE49-F238E27FC236}">
-                <a16:creationId xmlns:a16="http://schemas.microsoft.com/office/drawing/2014/main" id="{FE4A9C37-0B71-8188-E376-79DBD6EF679B}"/>
-              </a:ext>
-            </a:extLst>
-          </p:cNvPr>
-          <p:cNvCxnSpPr>
-            <a:cxnSpLocks/>
-          </p:cNvCxnSpPr>
-          <p:nvPr/>
-        </p:nvCxnSpPr>
-        <p:spPr>
-          <a:xfrm flipH="1">
-            <a:off x="6730914" y="1372170"/>
-            <a:ext cx="2094263" cy="22029"/>
-          </a:xfrm>
-          <a:prstGeom prst="straightConnector1">
-            <a:avLst/>
-          </a:prstGeom>
-          <a:ln w="38100">
-            <a:solidFill>
-              <a:schemeClr val="accent2"/>
+              <a:srgbClr val="00B050"/>
             </a:solidFill>
             <a:headEnd type="triangle" w="med" len="med"/>
             <a:tailEnd type="none" w="med" len="med"/>
@@ -5329,7 +5328,7 @@
           <p:cNvPr id="24" name="Straight Arrow Connector 23">
             <a:extLst>
               <a:ext uri="{FF2B5EF4-FFF2-40B4-BE49-F238E27FC236}">
-                <a16:creationId xmlns:a16="http://schemas.microsoft.com/office/drawing/2014/main" id="{2C46436B-B81C-D002-CC95-84C536DC7FC7}"/>
+                <a16:creationId xmlns:a16="http://schemas.microsoft.com/office/drawing/2014/main" id="{6A256F89-1268-D31D-F88B-8626ABAA1556}"/>
               </a:ext>
             </a:extLst>
           </p:cNvPr>
@@ -5340,15 +5339,15 @@
         </p:nvCxnSpPr>
         <p:spPr>
           <a:xfrm flipV="1">
-            <a:off x="6533321" y="1394199"/>
-            <a:ext cx="2291856" cy="296023"/>
+            <a:off x="6618000" y="2895035"/>
+            <a:ext cx="1877413" cy="266662"/>
           </a:xfrm>
           <a:prstGeom prst="straightConnector1">
             <a:avLst/>
           </a:prstGeom>
           <a:ln w="38100">
             <a:solidFill>
-              <a:schemeClr val="accent2"/>
+              <a:srgbClr val="00B050"/>
             </a:solidFill>
             <a:headEnd type="triangle" w="med" len="med"/>
             <a:tailEnd type="none" w="med" len="med"/>
@@ -5371,10 +5370,10 @@
       </p:cxnSp>
       <p:cxnSp>
         <p:nvCxnSpPr>
-          <p:cNvPr id="27" name="Straight Arrow Connector 26">
+          <p:cNvPr id="25" name="Straight Arrow Connector 24">
             <a:extLst>
               <a:ext uri="{FF2B5EF4-FFF2-40B4-BE49-F238E27FC236}">
-                <a16:creationId xmlns:a16="http://schemas.microsoft.com/office/drawing/2014/main" id="{92B6E8F2-47D5-FD43-13D6-D485AB0EDDC3}"/>
+                <a16:creationId xmlns:a16="http://schemas.microsoft.com/office/drawing/2014/main" id="{25744D05-2DA4-EB0E-D0D2-62B7D4977C22}"/>
               </a:ext>
             </a:extLst>
           </p:cNvPr>
@@ -5385,15 +5384,15 @@
         </p:nvCxnSpPr>
         <p:spPr>
           <a:xfrm flipH="1">
-            <a:off x="6730914" y="1915617"/>
-            <a:ext cx="2094263" cy="22029"/>
+            <a:off x="6627867" y="3189438"/>
+            <a:ext cx="1867547" cy="0"/>
           </a:xfrm>
           <a:prstGeom prst="straightConnector1">
             <a:avLst/>
           </a:prstGeom>
           <a:ln w="38100">
             <a:solidFill>
-              <a:schemeClr val="accent2"/>
+              <a:srgbClr val="00B050"/>
             </a:solidFill>
             <a:headEnd type="triangle" w="med" len="med"/>
             <a:tailEnd type="none" w="med" len="med"/>
@@ -5416,10 +5415,10 @@
       </p:cxnSp>
       <p:cxnSp>
         <p:nvCxnSpPr>
-          <p:cNvPr id="28" name="Straight Arrow Connector 27">
+          <p:cNvPr id="26" name="Straight Arrow Connector 25">
             <a:extLst>
               <a:ext uri="{FF2B5EF4-FFF2-40B4-BE49-F238E27FC236}">
-                <a16:creationId xmlns:a16="http://schemas.microsoft.com/office/drawing/2014/main" id="{8960E402-9298-7EB8-2DF7-2FF7AFD4ED8F}"/>
+                <a16:creationId xmlns:a16="http://schemas.microsoft.com/office/drawing/2014/main" id="{08A6167E-F3E8-E322-0D46-77F5E4B1E996}"/>
               </a:ext>
             </a:extLst>
           </p:cNvPr>
@@ -5430,15 +5429,15 @@
         </p:nvCxnSpPr>
         <p:spPr>
           <a:xfrm flipV="1">
-            <a:off x="6533321" y="1937646"/>
-            <a:ext cx="2291856" cy="296023"/>
+            <a:off x="6618001" y="3189438"/>
+            <a:ext cx="1877413" cy="266662"/>
           </a:xfrm>
           <a:prstGeom prst="straightConnector1">
             <a:avLst/>
           </a:prstGeom>
           <a:ln w="38100">
             <a:solidFill>
-              <a:schemeClr val="accent2"/>
+              <a:srgbClr val="00B050"/>
             </a:solidFill>
             <a:headEnd type="triangle" w="med" len="med"/>
             <a:tailEnd type="none" w="med" len="med"/>
@@ -5464,7 +5463,7 @@
           <p:cNvPr id="29" name="Straight Arrow Connector 28">
             <a:extLst>
               <a:ext uri="{FF2B5EF4-FFF2-40B4-BE49-F238E27FC236}">
-                <a16:creationId xmlns:a16="http://schemas.microsoft.com/office/drawing/2014/main" id="{00260F34-C702-BD37-7A85-B9B317B3CCD6}"/>
+                <a16:creationId xmlns:a16="http://schemas.microsoft.com/office/drawing/2014/main" id="{1543D9EF-1B34-DCCA-40A8-D8E467DC2AB0}"/>
               </a:ext>
             </a:extLst>
           </p:cNvPr>
@@ -5475,15 +5474,15 @@
         </p:nvCxnSpPr>
         <p:spPr>
           <a:xfrm flipH="1">
-            <a:off x="6730914" y="2413751"/>
-            <a:ext cx="2094263" cy="22029"/>
+            <a:off x="6618001" y="3969343"/>
+            <a:ext cx="1867547" cy="0"/>
           </a:xfrm>
           <a:prstGeom prst="straightConnector1">
             <a:avLst/>
           </a:prstGeom>
           <a:ln w="38100">
             <a:solidFill>
-              <a:schemeClr val="accent2"/>
+              <a:srgbClr val="00B050"/>
             </a:solidFill>
             <a:headEnd type="triangle" w="med" len="med"/>
             <a:tailEnd type="none" w="med" len="med"/>
@@ -5509,7 +5508,7 @@
           <p:cNvPr id="30" name="Straight Arrow Connector 29">
             <a:extLst>
               <a:ext uri="{FF2B5EF4-FFF2-40B4-BE49-F238E27FC236}">
-                <a16:creationId xmlns:a16="http://schemas.microsoft.com/office/drawing/2014/main" id="{A40D3285-510C-E09C-13B5-0F439A403A88}"/>
+                <a16:creationId xmlns:a16="http://schemas.microsoft.com/office/drawing/2014/main" id="{06734E49-1708-E499-E107-37EB3E07B6D0}"/>
               </a:ext>
             </a:extLst>
           </p:cNvPr>
@@ -5520,15 +5519,15 @@
         </p:nvCxnSpPr>
         <p:spPr>
           <a:xfrm flipV="1">
-            <a:off x="6533321" y="2435780"/>
-            <a:ext cx="2291856" cy="296023"/>
+            <a:off x="6608135" y="3969343"/>
+            <a:ext cx="1877413" cy="266662"/>
           </a:xfrm>
           <a:prstGeom prst="straightConnector1">
             <a:avLst/>
           </a:prstGeom>
           <a:ln w="38100">
             <a:solidFill>
-              <a:schemeClr val="accent2"/>
+              <a:srgbClr val="00B050"/>
             </a:solidFill>
             <a:headEnd type="triangle" w="med" len="med"/>
             <a:tailEnd type="none" w="med" len="med"/>
@@ -5549,460 +5548,487 @@
           </a:fontRef>
         </p:style>
       </p:cxnSp>
-      <p:cxnSp>
-        <p:nvCxnSpPr>
-          <p:cNvPr id="31" name="Straight Arrow Connector 30">
+      <p:sp>
+        <p:nvSpPr>
+          <p:cNvPr id="31" name="TextBox 30">
             <a:extLst>
               <a:ext uri="{FF2B5EF4-FFF2-40B4-BE49-F238E27FC236}">
-                <a16:creationId xmlns:a16="http://schemas.microsoft.com/office/drawing/2014/main" id="{7C1F6AC9-D252-C833-612D-206C1AA98B34}"/>
+                <a16:creationId xmlns:a16="http://schemas.microsoft.com/office/drawing/2014/main" id="{2701CC6E-94AA-F1ED-B305-29ECFBFD628A}"/>
               </a:ext>
             </a:extLst>
           </p:cNvPr>
-          <p:cNvCxnSpPr>
-            <a:cxnSpLocks/>
-          </p:cNvCxnSpPr>
+          <p:cNvSpPr txBox="1"/>
           <p:nvPr/>
-        </p:nvCxnSpPr>
-        <p:spPr>
-          <a:xfrm flipH="1">
-            <a:off x="6730914" y="2957198"/>
-            <a:ext cx="2094263" cy="22029"/>
-          </a:xfrm>
-          <a:prstGeom prst="straightConnector1">
+        </p:nvSpPr>
+        <p:spPr>
+          <a:xfrm>
+            <a:off x="7001734" y="3455030"/>
+            <a:ext cx="1176284" cy="369332"/>
+          </a:xfrm>
+          <a:prstGeom prst="rect">
             <a:avLst/>
           </a:prstGeom>
-          <a:ln w="38100">
-            <a:solidFill>
-              <a:schemeClr val="accent2"/>
-            </a:solidFill>
-            <a:headEnd type="triangle" w="med" len="med"/>
-            <a:tailEnd type="none" w="med" len="med"/>
+          <a:noFill/>
+          <a:ln>
+            <a:noFill/>
           </a:ln>
         </p:spPr>
-        <p:style>
-          <a:lnRef idx="1">
-            <a:schemeClr val="accent1"/>
-          </a:lnRef>
-          <a:fillRef idx="0">
-            <a:schemeClr val="accent1"/>
-          </a:fillRef>
-          <a:effectRef idx="0">
-            <a:schemeClr val="accent1"/>
-          </a:effectRef>
-          <a:fontRef idx="minor">
-            <a:schemeClr val="tx1"/>
-          </a:fontRef>
-        </p:style>
-      </p:cxnSp>
-      <p:cxnSp>
-        <p:nvCxnSpPr>
-          <p:cNvPr id="32" name="Straight Arrow Connector 31">
+        <p:txBody>
+          <a:bodyPr wrap="none" rtlCol="0">
+            <a:spAutoFit/>
+          </a:bodyPr>
+          <a:lstStyle/>
+          <a:p>
+            <a:r>
+              <a:rPr lang="en-US" dirty="0"/>
+              <a:t>… up to 50</a:t>
+            </a:r>
+          </a:p>
+        </p:txBody>
+      </p:sp>
+      <p:sp>
+        <p:nvSpPr>
+          <p:cNvPr id="12" name="TextBox 11">
             <a:extLst>
               <a:ext uri="{FF2B5EF4-FFF2-40B4-BE49-F238E27FC236}">
-                <a16:creationId xmlns:a16="http://schemas.microsoft.com/office/drawing/2014/main" id="{1B21D8CF-7635-7441-309A-4FD1371FED4D}"/>
+                <a16:creationId xmlns:a16="http://schemas.microsoft.com/office/drawing/2014/main" id="{7F395491-917C-B6A8-DB75-E0110B117885}"/>
               </a:ext>
             </a:extLst>
           </p:cNvPr>
-          <p:cNvCxnSpPr>
-            <a:cxnSpLocks/>
-          </p:cNvCxnSpPr>
+          <p:cNvSpPr txBox="1"/>
           <p:nvPr/>
-        </p:nvCxnSpPr>
-        <p:spPr>
-          <a:xfrm flipV="1">
-            <a:off x="6533321" y="2979227"/>
-            <a:ext cx="2291856" cy="296023"/>
-          </a:xfrm>
-          <a:prstGeom prst="straightConnector1">
+        </p:nvSpPr>
+        <p:spPr>
+          <a:xfrm>
+            <a:off x="5669935" y="1878428"/>
+            <a:ext cx="736099" cy="369332"/>
+          </a:xfrm>
+          <a:prstGeom prst="rect">
             <a:avLst/>
           </a:prstGeom>
-          <a:ln w="38100">
-            <a:solidFill>
-              <a:schemeClr val="accent2"/>
-            </a:solidFill>
-            <a:headEnd type="triangle" w="med" len="med"/>
-            <a:tailEnd type="none" w="med" len="med"/>
-          </a:ln>
-        </p:spPr>
-        <p:style>
-          <a:lnRef idx="1">
-            <a:schemeClr val="accent1"/>
-          </a:lnRef>
-          <a:fillRef idx="0">
-            <a:schemeClr val="accent1"/>
-          </a:fillRef>
-          <a:effectRef idx="0">
-            <a:schemeClr val="accent1"/>
-          </a:effectRef>
-          <a:fontRef idx="minor">
-            <a:schemeClr val="tx1"/>
-          </a:fontRef>
-        </p:style>
-      </p:cxnSp>
-      <p:cxnSp>
-        <p:nvCxnSpPr>
-          <p:cNvPr id="33" name="Straight Arrow Connector 32">
+          <a:noFill/>
+        </p:spPr>
+        <p:txBody>
+          <a:bodyPr wrap="none" rtlCol="0">
+            <a:spAutoFit/>
+          </a:bodyPr>
+          <a:lstStyle/>
+          <a:p>
+            <a:r>
+              <a:rPr lang="en-US" dirty="0"/>
+              <a:t>HTML</a:t>
+            </a:r>
+          </a:p>
+        </p:txBody>
+      </p:sp>
+      <p:sp>
+        <p:nvSpPr>
+          <p:cNvPr id="16" name="TextBox 15">
             <a:extLst>
               <a:ext uri="{FF2B5EF4-FFF2-40B4-BE49-F238E27FC236}">
-                <a16:creationId xmlns:a16="http://schemas.microsoft.com/office/drawing/2014/main" id="{9A1652C6-17C7-3F1B-9D3D-CB20F2AFA149}"/>
+                <a16:creationId xmlns:a16="http://schemas.microsoft.com/office/drawing/2014/main" id="{2FE11136-4D56-9572-99DD-244CF3A88C33}"/>
               </a:ext>
             </a:extLst>
           </p:cNvPr>
-          <p:cNvCxnSpPr>
-            <a:cxnSpLocks/>
-          </p:cNvCxnSpPr>
+          <p:cNvSpPr txBox="1"/>
           <p:nvPr/>
-        </p:nvCxnSpPr>
-        <p:spPr>
-          <a:xfrm flipH="1">
-            <a:off x="6730914" y="3593756"/>
-            <a:ext cx="2094263" cy="22029"/>
-          </a:xfrm>
-          <a:prstGeom prst="straightConnector1">
+        </p:nvSpPr>
+        <p:spPr>
+          <a:xfrm>
+            <a:off x="5669935" y="1083830"/>
+            <a:ext cx="675121" cy="369332"/>
+          </a:xfrm>
+          <a:prstGeom prst="rect">
             <a:avLst/>
           </a:prstGeom>
-          <a:ln w="38100">
-            <a:solidFill>
-              <a:schemeClr val="accent2"/>
-            </a:solidFill>
-            <a:headEnd type="triangle" w="med" len="med"/>
-            <a:tailEnd type="none" w="med" len="med"/>
-          </a:ln>
-        </p:spPr>
-        <p:style>
-          <a:lnRef idx="1">
-            <a:schemeClr val="accent1"/>
-          </a:lnRef>
-          <a:fillRef idx="0">
-            <a:schemeClr val="accent1"/>
-          </a:fillRef>
-          <a:effectRef idx="0">
-            <a:schemeClr val="accent1"/>
-          </a:effectRef>
-          <a:fontRef idx="minor">
-            <a:schemeClr val="tx1"/>
-          </a:fontRef>
-        </p:style>
-      </p:cxnSp>
-      <p:cxnSp>
-        <p:nvCxnSpPr>
-          <p:cNvPr id="34" name="Straight Arrow Connector 33">
+          <a:noFill/>
+        </p:spPr>
+        <p:txBody>
+          <a:bodyPr wrap="none" rtlCol="0">
+            <a:spAutoFit/>
+          </a:bodyPr>
+          <a:lstStyle/>
+          <a:p>
+            <a:r>
+              <a:rPr lang="en-US" dirty="0"/>
+              <a:t>HTTP</a:t>
+            </a:r>
+          </a:p>
+        </p:txBody>
+      </p:sp>
+    </p:spTree>
+    <p:extLst>
+      <p:ext uri="{BB962C8B-B14F-4D97-AF65-F5344CB8AC3E}">
+        <p14:creationId xmlns:p14="http://schemas.microsoft.com/office/powerpoint/2010/main" val="2737066570"/>
+      </p:ext>
+    </p:extLst>
+  </p:cSld>
+  <p:clrMapOvr>
+    <a:masterClrMapping/>
+  </p:clrMapOvr>
+</p:sld>
+</file>
+
+<file path=ppt/slides/slide6.xml><?xml version="1.0" encoding="utf-8"?>
+<p:sld xmlns:a="http://schemas.openxmlformats.org/drawingml/2006/main" xmlns:r="http://schemas.openxmlformats.org/officeDocument/2006/relationships" xmlns:p="http://schemas.openxmlformats.org/presentationml/2006/main">
+  <p:cSld>
+    <p:spTree>
+      <p:nvGrpSpPr>
+        <p:cNvPr id="1" name=""/>
+        <p:cNvGrpSpPr/>
+        <p:nvPr/>
+      </p:nvGrpSpPr>
+      <p:grpSpPr>
+        <a:xfrm>
+          <a:off x="0" y="0"/>
+          <a:ext cx="0" cy="0"/>
+          <a:chOff x="0" y="0"/>
+          <a:chExt cx="0" cy="0"/>
+        </a:xfrm>
+      </p:grpSpPr>
+      <p:sp>
+        <p:nvSpPr>
+          <p:cNvPr id="2" name="Title 1">
             <a:extLst>
               <a:ext uri="{FF2B5EF4-FFF2-40B4-BE49-F238E27FC236}">
-                <a16:creationId xmlns:a16="http://schemas.microsoft.com/office/drawing/2014/main" id="{76F9B9F3-3E75-BB65-FDD4-1B03124B9585}"/>
+                <a16:creationId xmlns:a16="http://schemas.microsoft.com/office/drawing/2014/main" id="{EB4B6D43-C0BC-0D2A-1C9E-01FAEECF88E5}"/>
               </a:ext>
             </a:extLst>
           </p:cNvPr>
-          <p:cNvCxnSpPr>
-            <a:cxnSpLocks/>
-          </p:cNvCxnSpPr>
-          <p:nvPr/>
-        </p:nvCxnSpPr>
-        <p:spPr>
-          <a:xfrm flipV="1">
-            <a:off x="6533321" y="3615785"/>
-            <a:ext cx="2291856" cy="296023"/>
-          </a:xfrm>
-          <a:prstGeom prst="straightConnector1">
-            <a:avLst/>
-          </a:prstGeom>
-          <a:ln w="38100">
-            <a:solidFill>
-              <a:schemeClr val="accent2"/>
-            </a:solidFill>
-            <a:headEnd type="triangle" w="med" len="med"/>
-            <a:tailEnd type="none" w="med" len="med"/>
-          </a:ln>
-        </p:spPr>
-        <p:style>
-          <a:lnRef idx="1">
-            <a:schemeClr val="accent1"/>
-          </a:lnRef>
-          <a:fillRef idx="0">
-            <a:schemeClr val="accent1"/>
-          </a:fillRef>
-          <a:effectRef idx="0">
-            <a:schemeClr val="accent1"/>
-          </a:effectRef>
-          <a:fontRef idx="minor">
-            <a:schemeClr val="tx1"/>
-          </a:fontRef>
-        </p:style>
-      </p:cxnSp>
-      <p:cxnSp>
-        <p:nvCxnSpPr>
-          <p:cNvPr id="35" name="Straight Arrow Connector 34">
+          <p:cNvSpPr>
+            <a:spLocks noGrp="1"/>
+          </p:cNvSpPr>
+          <p:nvPr>
+            <p:ph type="title"/>
+          </p:nvPr>
+        </p:nvSpPr>
+        <p:spPr/>
+        <p:txBody>
+          <a:bodyPr/>
+          <a:lstStyle/>
+          <a:p>
+            <a:r>
+              <a:rPr lang="en-US" dirty="0"/>
+              <a:t>What does </a:t>
+            </a:r>
+            <a:r>
+              <a:rPr lang="en-US" dirty="0" err="1"/>
+              <a:t>autograder</a:t>
+            </a:r>
+            <a:r>
+              <a:rPr lang="en-US" dirty="0"/>
+              <a:t> code look like?</a:t>
+            </a:r>
+          </a:p>
+        </p:txBody>
+      </p:sp>
+      <p:sp>
+        <p:nvSpPr>
+          <p:cNvPr id="4" name="TextBox 3">
             <a:extLst>
               <a:ext uri="{FF2B5EF4-FFF2-40B4-BE49-F238E27FC236}">
-                <a16:creationId xmlns:a16="http://schemas.microsoft.com/office/drawing/2014/main" id="{DF3F342F-6DF3-EB4C-277E-5A93B9C96BDD}"/>
+                <a16:creationId xmlns:a16="http://schemas.microsoft.com/office/drawing/2014/main" id="{DF128034-EA87-6D3C-CE7F-6EBB734A87A9}"/>
               </a:ext>
             </a:extLst>
           </p:cNvPr>
-          <p:cNvCxnSpPr>
-            <a:cxnSpLocks/>
-          </p:cNvCxnSpPr>
+          <p:cNvSpPr txBox="1"/>
           <p:nvPr/>
-        </p:nvCxnSpPr>
-        <p:spPr>
-          <a:xfrm flipH="1">
-            <a:off x="6730914" y="4137203"/>
-            <a:ext cx="2094263" cy="22029"/>
-          </a:xfrm>
-          <a:prstGeom prst="straightConnector1">
+        </p:nvSpPr>
+        <p:spPr>
+          <a:xfrm>
+            <a:off x="2358887" y="1558166"/>
+            <a:ext cx="7077579" cy="4524315"/>
+          </a:xfrm>
+          <a:prstGeom prst="rect">
             <a:avLst/>
           </a:prstGeom>
-          <a:ln w="38100">
-            <a:solidFill>
-              <a:schemeClr val="accent2"/>
-            </a:solidFill>
-            <a:headEnd type="triangle" w="med" len="med"/>
-            <a:tailEnd type="none" w="med" len="med"/>
-          </a:ln>
-        </p:spPr>
-        <p:style>
-          <a:lnRef idx="1">
-            <a:schemeClr val="accent1"/>
-          </a:lnRef>
-          <a:fillRef idx="0">
-            <a:schemeClr val="accent1"/>
-          </a:fillRef>
-          <a:effectRef idx="0">
-            <a:schemeClr val="accent1"/>
-          </a:effectRef>
-          <a:fontRef idx="minor">
-            <a:schemeClr val="tx1"/>
-          </a:fontRef>
-        </p:style>
-      </p:cxnSp>
-      <p:cxnSp>
-        <p:nvCxnSpPr>
-          <p:cNvPr id="36" name="Straight Arrow Connector 35">
-            <a:extLst>
-              <a:ext uri="{FF2B5EF4-FFF2-40B4-BE49-F238E27FC236}">
-                <a16:creationId xmlns:a16="http://schemas.microsoft.com/office/drawing/2014/main" id="{2A46AA3F-A717-BDFB-5B1C-0D3D595827F3}"/>
-              </a:ext>
-            </a:extLst>
-          </p:cNvPr>
-          <p:cNvCxnSpPr>
-            <a:cxnSpLocks/>
-          </p:cNvCxnSpPr>
-          <p:nvPr/>
-        </p:nvCxnSpPr>
-        <p:spPr>
-          <a:xfrm flipV="1">
-            <a:off x="6533321" y="4159232"/>
-            <a:ext cx="2291856" cy="296023"/>
-          </a:xfrm>
-          <a:prstGeom prst="straightConnector1">
-            <a:avLst/>
-          </a:prstGeom>
-          <a:ln w="38100">
-            <a:solidFill>
-              <a:schemeClr val="accent2"/>
-            </a:solidFill>
-            <a:headEnd type="triangle" w="med" len="med"/>
-            <a:tailEnd type="none" w="med" len="med"/>
-          </a:ln>
-        </p:spPr>
-        <p:style>
-          <a:lnRef idx="1">
-            <a:schemeClr val="accent1"/>
-          </a:lnRef>
-          <a:fillRef idx="0">
-            <a:schemeClr val="accent1"/>
-          </a:fillRef>
-          <a:effectRef idx="0">
-            <a:schemeClr val="accent1"/>
-          </a:effectRef>
-          <a:fontRef idx="minor">
-            <a:schemeClr val="tx1"/>
-          </a:fontRef>
-        </p:style>
-      </p:cxnSp>
-      <p:cxnSp>
-        <p:nvCxnSpPr>
-          <p:cNvPr id="41" name="Straight Arrow Connector 40">
-            <a:extLst>
-              <a:ext uri="{FF2B5EF4-FFF2-40B4-BE49-F238E27FC236}">
-                <a16:creationId xmlns:a16="http://schemas.microsoft.com/office/drawing/2014/main" id="{C10B99F2-E776-A26D-AD70-60767C22EBB9}"/>
-              </a:ext>
-            </a:extLst>
-          </p:cNvPr>
-          <p:cNvCxnSpPr>
-            <a:cxnSpLocks/>
-          </p:cNvCxnSpPr>
-          <p:nvPr/>
-        </p:nvCxnSpPr>
-        <p:spPr>
-          <a:xfrm flipH="1">
-            <a:off x="6730914" y="4627430"/>
-            <a:ext cx="2094263" cy="22029"/>
-          </a:xfrm>
-          <a:prstGeom prst="straightConnector1">
-            <a:avLst/>
-          </a:prstGeom>
-          <a:ln w="38100">
-            <a:solidFill>
-              <a:schemeClr val="accent2"/>
-            </a:solidFill>
-            <a:headEnd type="triangle" w="med" len="med"/>
-            <a:tailEnd type="none" w="med" len="med"/>
-          </a:ln>
-        </p:spPr>
-        <p:style>
-          <a:lnRef idx="1">
-            <a:schemeClr val="accent1"/>
-          </a:lnRef>
-          <a:fillRef idx="0">
-            <a:schemeClr val="accent1"/>
-          </a:fillRef>
-          <a:effectRef idx="0">
-            <a:schemeClr val="accent1"/>
-          </a:effectRef>
-          <a:fontRef idx="minor">
-            <a:schemeClr val="tx1"/>
-          </a:fontRef>
-        </p:style>
-      </p:cxnSp>
-      <p:cxnSp>
-        <p:nvCxnSpPr>
-          <p:cNvPr id="42" name="Straight Arrow Connector 41">
-            <a:extLst>
-              <a:ext uri="{FF2B5EF4-FFF2-40B4-BE49-F238E27FC236}">
-                <a16:creationId xmlns:a16="http://schemas.microsoft.com/office/drawing/2014/main" id="{3FDA7C94-701B-DE76-F4F6-3C0CCAAEC66F}"/>
-              </a:ext>
-            </a:extLst>
-          </p:cNvPr>
-          <p:cNvCxnSpPr>
-            <a:cxnSpLocks/>
-          </p:cNvCxnSpPr>
-          <p:nvPr/>
-        </p:nvCxnSpPr>
-        <p:spPr>
-          <a:xfrm flipV="1">
-            <a:off x="6533321" y="4649459"/>
-            <a:ext cx="2291856" cy="296023"/>
-          </a:xfrm>
-          <a:prstGeom prst="straightConnector1">
-            <a:avLst/>
-          </a:prstGeom>
-          <a:ln w="38100">
-            <a:solidFill>
-              <a:schemeClr val="accent2"/>
-            </a:solidFill>
-            <a:headEnd type="triangle" w="med" len="med"/>
-            <a:tailEnd type="none" w="med" len="med"/>
-          </a:ln>
-        </p:spPr>
-        <p:style>
-          <a:lnRef idx="1">
-            <a:schemeClr val="accent1"/>
-          </a:lnRef>
-          <a:fillRef idx="0">
-            <a:schemeClr val="accent1"/>
-          </a:fillRef>
-          <a:effectRef idx="0">
-            <a:schemeClr val="accent1"/>
-          </a:effectRef>
-          <a:fontRef idx="minor">
-            <a:schemeClr val="tx1"/>
-          </a:fontRef>
-        </p:style>
-      </p:cxnSp>
-      <p:cxnSp>
-        <p:nvCxnSpPr>
-          <p:cNvPr id="43" name="Straight Arrow Connector 42">
-            <a:extLst>
-              <a:ext uri="{FF2B5EF4-FFF2-40B4-BE49-F238E27FC236}">
-                <a16:creationId xmlns:a16="http://schemas.microsoft.com/office/drawing/2014/main" id="{3A30730C-BA81-0B1C-8290-C7293A7F8DA4}"/>
-              </a:ext>
-            </a:extLst>
-          </p:cNvPr>
-          <p:cNvCxnSpPr>
-            <a:cxnSpLocks/>
-          </p:cNvCxnSpPr>
-          <p:nvPr/>
-        </p:nvCxnSpPr>
-        <p:spPr>
-          <a:xfrm flipH="1">
-            <a:off x="6730914" y="5170877"/>
-            <a:ext cx="2094263" cy="22029"/>
-          </a:xfrm>
-          <a:prstGeom prst="straightConnector1">
-            <a:avLst/>
-          </a:prstGeom>
-          <a:ln w="38100">
-            <a:solidFill>
-              <a:schemeClr val="accent2"/>
-            </a:solidFill>
-            <a:headEnd type="triangle" w="med" len="med"/>
-            <a:tailEnd type="none" w="med" len="med"/>
-          </a:ln>
-        </p:spPr>
-        <p:style>
-          <a:lnRef idx="1">
-            <a:schemeClr val="accent1"/>
-          </a:lnRef>
-          <a:fillRef idx="0">
-            <a:schemeClr val="accent1"/>
-          </a:fillRef>
-          <a:effectRef idx="0">
-            <a:schemeClr val="accent1"/>
-          </a:effectRef>
-          <a:fontRef idx="minor">
-            <a:schemeClr val="tx1"/>
-          </a:fontRef>
-        </p:style>
-      </p:cxnSp>
-      <p:cxnSp>
-        <p:nvCxnSpPr>
-          <p:cNvPr id="44" name="Straight Arrow Connector 43">
-            <a:extLst>
-              <a:ext uri="{FF2B5EF4-FFF2-40B4-BE49-F238E27FC236}">
-                <a16:creationId xmlns:a16="http://schemas.microsoft.com/office/drawing/2014/main" id="{D52DAC18-8677-C469-FFC6-771EB65BF07B}"/>
-              </a:ext>
-            </a:extLst>
-          </p:cNvPr>
-          <p:cNvCxnSpPr>
-            <a:cxnSpLocks/>
-          </p:cNvCxnSpPr>
-          <p:nvPr/>
-        </p:nvCxnSpPr>
-        <p:spPr>
-          <a:xfrm flipV="1">
-            <a:off x="6533321" y="5192906"/>
-            <a:ext cx="2291856" cy="296023"/>
-          </a:xfrm>
-          <a:prstGeom prst="straightConnector1">
-            <a:avLst/>
-          </a:prstGeom>
-          <a:ln w="38100">
-            <a:solidFill>
-              <a:schemeClr val="accent2"/>
-            </a:solidFill>
-            <a:headEnd type="triangle" w="med" len="med"/>
-            <a:tailEnd type="none" w="med" len="med"/>
-          </a:ln>
-        </p:spPr>
-        <p:style>
-          <a:lnRef idx="1">
-            <a:schemeClr val="accent1"/>
-          </a:lnRef>
-          <a:fillRef idx="0">
-            <a:schemeClr val="accent1"/>
-          </a:fillRef>
-          <a:effectRef idx="0">
-            <a:schemeClr val="accent1"/>
-          </a:effectRef>
-          <a:fontRef idx="minor">
-            <a:schemeClr val="tx1"/>
-          </a:fontRef>
-        </p:style>
-      </p:cxnSp>
+          <a:noFill/>
+        </p:spPr>
+        <p:txBody>
+          <a:bodyPr wrap="none" rtlCol="0">
+            <a:spAutoFit/>
+          </a:bodyPr>
+          <a:lstStyle/>
+          <a:p>
+            <a:r>
+              <a:rPr lang="en-US" b="1" dirty="0">
+                <a:latin typeface="Courier New" panose="02070309020205020404" pitchFamily="49" charset="0"/>
+                <a:cs typeface="Courier New" panose="02070309020205020404" pitchFamily="49" charset="0"/>
+              </a:rPr>
+              <a:t>$crawler = </a:t>
+            </a:r>
+            <a:r>
+              <a:rPr lang="en-US" b="1" dirty="0" err="1">
+                <a:solidFill>
+                  <a:srgbClr val="00B050"/>
+                </a:solidFill>
+                <a:latin typeface="Courier New" panose="02070309020205020404" pitchFamily="49" charset="0"/>
+                <a:cs typeface="Courier New" panose="02070309020205020404" pitchFamily="49" charset="0"/>
+              </a:rPr>
+              <a:t>webauto_retrieve_url</a:t>
+            </a:r>
+            <a:r>
+              <a:rPr lang="en-US" b="1" dirty="0">
+                <a:latin typeface="Courier New" panose="02070309020205020404" pitchFamily="49" charset="0"/>
+                <a:cs typeface="Courier New" panose="02070309020205020404" pitchFamily="49" charset="0"/>
+              </a:rPr>
+              <a:t>($client, $</a:t>
+            </a:r>
+            <a:r>
+              <a:rPr lang="en-US" b="1" dirty="0" err="1">
+                <a:latin typeface="Courier New" panose="02070309020205020404" pitchFamily="49" charset="0"/>
+                <a:cs typeface="Courier New" panose="02070309020205020404" pitchFamily="49" charset="0"/>
+              </a:rPr>
+              <a:t>url</a:t>
+            </a:r>
+            <a:r>
+              <a:rPr lang="en-US" b="1" dirty="0">
+                <a:latin typeface="Courier New" panose="02070309020205020404" pitchFamily="49" charset="0"/>
+                <a:cs typeface="Courier New" panose="02070309020205020404" pitchFamily="49" charset="0"/>
+              </a:rPr>
+              <a:t>);</a:t>
+            </a:r>
+          </a:p>
+          <a:p>
+            <a:r>
+              <a:rPr lang="en-US" b="1" dirty="0">
+                <a:latin typeface="Courier New" panose="02070309020205020404" pitchFamily="49" charset="0"/>
+                <a:cs typeface="Courier New" panose="02070309020205020404" pitchFamily="49" charset="0"/>
+              </a:rPr>
+              <a:t>if ( $crawler === false ) return;</a:t>
+            </a:r>
+          </a:p>
+          <a:p>
+            <a:endParaRPr lang="en-US" b="1" dirty="0">
+              <a:latin typeface="Courier New" panose="02070309020205020404" pitchFamily="49" charset="0"/>
+              <a:cs typeface="Courier New" panose="02070309020205020404" pitchFamily="49" charset="0"/>
+            </a:endParaRPr>
+          </a:p>
+          <a:p>
+            <a:r>
+              <a:rPr lang="en-US" b="1" dirty="0">
+                <a:latin typeface="Courier New" panose="02070309020205020404" pitchFamily="49" charset="0"/>
+                <a:cs typeface="Courier New" panose="02070309020205020404" pitchFamily="49" charset="0"/>
+              </a:rPr>
+              <a:t>$html = </a:t>
+            </a:r>
+            <a:r>
+              <a:rPr lang="en-US" b="1" dirty="0" err="1">
+                <a:latin typeface="Courier New" panose="02070309020205020404" pitchFamily="49" charset="0"/>
+                <a:cs typeface="Courier New" panose="02070309020205020404" pitchFamily="49" charset="0"/>
+              </a:rPr>
+              <a:t>webauto_get_html</a:t>
+            </a:r>
+            <a:r>
+              <a:rPr lang="en-US" b="1" dirty="0">
+                <a:latin typeface="Courier New" panose="02070309020205020404" pitchFamily="49" charset="0"/>
+                <a:cs typeface="Courier New" panose="02070309020205020404" pitchFamily="49" charset="0"/>
+              </a:rPr>
+              <a:t>($crawler);</a:t>
+            </a:r>
+          </a:p>
+          <a:p>
+            <a:r>
+              <a:rPr lang="en-US" b="1" dirty="0" err="1">
+                <a:solidFill>
+                  <a:srgbClr val="00B050"/>
+                </a:solidFill>
+                <a:latin typeface="Courier New" panose="02070309020205020404" pitchFamily="49" charset="0"/>
+                <a:cs typeface="Courier New" panose="02070309020205020404" pitchFamily="49" charset="0"/>
+              </a:rPr>
+              <a:t>webauto_search_for</a:t>
+            </a:r>
+            <a:r>
+              <a:rPr lang="en-US" b="1" dirty="0">
+                <a:latin typeface="Courier New" panose="02070309020205020404" pitchFamily="49" charset="0"/>
+                <a:cs typeface="Courier New" panose="02070309020205020404" pitchFamily="49" charset="0"/>
+              </a:rPr>
+              <a:t>($html, 'Hello');</a:t>
+            </a:r>
+          </a:p>
+          <a:p>
+            <a:endParaRPr lang="en-US" b="1" dirty="0">
+              <a:latin typeface="Courier New" panose="02070309020205020404" pitchFamily="49" charset="0"/>
+              <a:cs typeface="Courier New" panose="02070309020205020404" pitchFamily="49" charset="0"/>
+            </a:endParaRPr>
+          </a:p>
+          <a:p>
+            <a:r>
+              <a:rPr lang="en-US" b="1" dirty="0">
+                <a:latin typeface="Courier New" panose="02070309020205020404" pitchFamily="49" charset="0"/>
+                <a:cs typeface="Courier New" panose="02070309020205020404" pitchFamily="49" charset="0"/>
+              </a:rPr>
+              <a:t>$check = </a:t>
+            </a:r>
+            <a:r>
+              <a:rPr lang="en-US" b="1" dirty="0" err="1">
+                <a:latin typeface="Courier New" panose="02070309020205020404" pitchFamily="49" charset="0"/>
+                <a:cs typeface="Courier New" panose="02070309020205020404" pitchFamily="49" charset="0"/>
+              </a:rPr>
+              <a:t>webauto_get_check</a:t>
+            </a:r>
+            <a:r>
+              <a:rPr lang="en-US" b="1" dirty="0">
+                <a:latin typeface="Courier New" panose="02070309020205020404" pitchFamily="49" charset="0"/>
+                <a:cs typeface="Courier New" panose="02070309020205020404" pitchFamily="49" charset="0"/>
+              </a:rPr>
+              <a:t>();</a:t>
+            </a:r>
+          </a:p>
+          <a:p>
+            <a:endParaRPr lang="en-US" b="1" dirty="0">
+              <a:latin typeface="Courier New" panose="02070309020205020404" pitchFamily="49" charset="0"/>
+              <a:cs typeface="Courier New" panose="02070309020205020404" pitchFamily="49" charset="0"/>
+            </a:endParaRPr>
+          </a:p>
+          <a:p>
+            <a:r>
+              <a:rPr lang="en-US" b="1" dirty="0">
+                <a:latin typeface="Courier New" panose="02070309020205020404" pitchFamily="49" charset="0"/>
+                <a:cs typeface="Courier New" panose="02070309020205020404" pitchFamily="49" charset="0"/>
+              </a:rPr>
+              <a:t>if ( $check &amp;&amp; </a:t>
+            </a:r>
+            <a:r>
+              <a:rPr lang="en-US" b="1" dirty="0" err="1">
+                <a:latin typeface="Courier New" panose="02070309020205020404" pitchFamily="49" charset="0"/>
+                <a:cs typeface="Courier New" panose="02070309020205020404" pitchFamily="49" charset="0"/>
+              </a:rPr>
+              <a:t>stripos</a:t>
+            </a:r>
+            <a:r>
+              <a:rPr lang="en-US" b="1" dirty="0">
+                <a:latin typeface="Courier New" panose="02070309020205020404" pitchFamily="49" charset="0"/>
+                <a:cs typeface="Courier New" panose="02070309020205020404" pitchFamily="49" charset="0"/>
+              </a:rPr>
+              <a:t>($</a:t>
+            </a:r>
+            <a:r>
+              <a:rPr lang="en-US" b="1" dirty="0" err="1">
+                <a:latin typeface="Courier New" panose="02070309020205020404" pitchFamily="49" charset="0"/>
+                <a:cs typeface="Courier New" panose="02070309020205020404" pitchFamily="49" charset="0"/>
+              </a:rPr>
+              <a:t>html,$check</a:t>
+            </a:r>
+            <a:r>
+              <a:rPr lang="en-US" b="1" dirty="0">
+                <a:latin typeface="Courier New" panose="02070309020205020404" pitchFamily="49" charset="0"/>
+                <a:cs typeface="Courier New" panose="02070309020205020404" pitchFamily="49" charset="0"/>
+              </a:rPr>
+              <a:t>) !== false ) {</a:t>
+            </a:r>
+          </a:p>
+          <a:p>
+            <a:r>
+              <a:rPr lang="en-US" b="1" dirty="0">
+                <a:latin typeface="Courier New" panose="02070309020205020404" pitchFamily="49" charset="0"/>
+                <a:cs typeface="Courier New" panose="02070309020205020404" pitchFamily="49" charset="0"/>
+              </a:rPr>
+              <a:t>    </a:t>
+            </a:r>
+            <a:r>
+              <a:rPr lang="en-US" b="1" dirty="0" err="1">
+                <a:latin typeface="Courier New" panose="02070309020205020404" pitchFamily="49" charset="0"/>
+                <a:cs typeface="Courier New" panose="02070309020205020404" pitchFamily="49" charset="0"/>
+              </a:rPr>
+              <a:t>success_out</a:t>
+            </a:r>
+            <a:r>
+              <a:rPr lang="en-US" b="1" dirty="0">
+                <a:latin typeface="Courier New" panose="02070309020205020404" pitchFamily="49" charset="0"/>
+                <a:cs typeface="Courier New" panose="02070309020205020404" pitchFamily="49" charset="0"/>
+              </a:rPr>
+              <a:t>("Found ($check) in your html");</a:t>
+            </a:r>
+          </a:p>
+          <a:p>
+            <a:r>
+              <a:rPr lang="en-US" b="1" dirty="0">
+                <a:latin typeface="Courier New" panose="02070309020205020404" pitchFamily="49" charset="0"/>
+                <a:cs typeface="Courier New" panose="02070309020205020404" pitchFamily="49" charset="0"/>
+              </a:rPr>
+              <a:t>    $passed += 1;</a:t>
+            </a:r>
+          </a:p>
+          <a:p>
+            <a:r>
+              <a:rPr lang="en-US" b="1" dirty="0">
+                <a:latin typeface="Courier New" panose="02070309020205020404" pitchFamily="49" charset="0"/>
+                <a:cs typeface="Courier New" panose="02070309020205020404" pitchFamily="49" charset="0"/>
+              </a:rPr>
+              <a:t>} else {</a:t>
+            </a:r>
+          </a:p>
+          <a:p>
+            <a:r>
+              <a:rPr lang="en-US" b="1" dirty="0">
+                <a:latin typeface="Courier New" panose="02070309020205020404" pitchFamily="49" charset="0"/>
+                <a:cs typeface="Courier New" panose="02070309020205020404" pitchFamily="49" charset="0"/>
+              </a:rPr>
+              <a:t>    </a:t>
+            </a:r>
+            <a:r>
+              <a:rPr lang="en-US" b="1" dirty="0" err="1">
+                <a:latin typeface="Courier New" panose="02070309020205020404" pitchFamily="49" charset="0"/>
+                <a:cs typeface="Courier New" panose="02070309020205020404" pitchFamily="49" charset="0"/>
+              </a:rPr>
+              <a:t>error_out</a:t>
+            </a:r>
+            <a:r>
+              <a:rPr lang="en-US" b="1" dirty="0">
+                <a:latin typeface="Courier New" panose="02070309020205020404" pitchFamily="49" charset="0"/>
+                <a:cs typeface="Courier New" panose="02070309020205020404" pitchFamily="49" charset="0"/>
+              </a:rPr>
+              <a:t>("Did not find $check in your html");</a:t>
+            </a:r>
+          </a:p>
+          <a:p>
+            <a:r>
+              <a:rPr lang="en-US" b="1" dirty="0">
+                <a:latin typeface="Courier New" panose="02070309020205020404" pitchFamily="49" charset="0"/>
+                <a:cs typeface="Courier New" panose="02070309020205020404" pitchFamily="49" charset="0"/>
+              </a:rPr>
+              <a:t>    </a:t>
+            </a:r>
+            <a:r>
+              <a:rPr lang="en-US" b="1" dirty="0" err="1">
+                <a:latin typeface="Courier New" panose="02070309020205020404" pitchFamily="49" charset="0"/>
+                <a:cs typeface="Courier New" panose="02070309020205020404" pitchFamily="49" charset="0"/>
+              </a:rPr>
+              <a:t>error_out</a:t>
+            </a:r>
+            <a:r>
+              <a:rPr lang="en-US" b="1" dirty="0">
+                <a:latin typeface="Courier New" panose="02070309020205020404" pitchFamily="49" charset="0"/>
+                <a:cs typeface="Courier New" panose="02070309020205020404" pitchFamily="49" charset="0"/>
+              </a:rPr>
+              <a:t>("No score sent");</a:t>
+            </a:r>
+          </a:p>
+          <a:p>
+            <a:r>
+              <a:rPr lang="en-US" b="1" dirty="0">
+                <a:latin typeface="Courier New" panose="02070309020205020404" pitchFamily="49" charset="0"/>
+                <a:cs typeface="Courier New" panose="02070309020205020404" pitchFamily="49" charset="0"/>
+              </a:rPr>
+              <a:t>    return;</a:t>
+            </a:r>
+          </a:p>
+          <a:p>
+            <a:r>
+              <a:rPr lang="en-US" b="1" dirty="0">
+                <a:latin typeface="Courier New" panose="02070309020205020404" pitchFamily="49" charset="0"/>
+                <a:cs typeface="Courier New" panose="02070309020205020404" pitchFamily="49" charset="0"/>
+              </a:rPr>
+              <a:t>}</a:t>
+            </a:r>
+          </a:p>
+        </p:txBody>
+      </p:sp>
     </p:spTree>
     <p:extLst>
       <p:ext uri="{BB962C8B-B14F-4D97-AF65-F5344CB8AC3E}">
-        <p14:creationId xmlns:p14="http://schemas.microsoft.com/office/powerpoint/2010/main" val="3165316891"/>
+        <p14:creationId xmlns:p14="http://schemas.microsoft.com/office/powerpoint/2010/main" val="3585768341"/>
       </p:ext>
     </p:extLst>
   </p:cSld>
